--- a/презентация и записка/Презентация.pptx
+++ b/презентация и записка/Презентация.pptx
@@ -19,9 +19,6 @@
     <p:sldId id="264" r:id="rId16"/>
     <p:sldId id="265" r:id="rId17"/>
     <p:sldId id="266" r:id="rId18"/>
-    <p:sldId id="267" r:id="rId19"/>
-    <p:sldId id="268" r:id="rId20"/>
-    <p:sldId id="269" r:id="rId21"/>
   </p:sldIdLst>
   <p:sldSz cx="12192000" cy="6858000"/>
   <p:notesSz cx="6858000" cy="9144000"/>
@@ -82,7 +79,7 @@
         <a:sym typeface="Trebuchet MS"/>
       </a:defRPr>
     </a:lvl1pPr>
-    <a:lvl2pPr marL="0" marR="0" indent="457200" algn="l" defTabSz="457200" rtl="0" fontAlgn="auto" latinLnBrk="0" hangingPunct="0">
+    <a:lvl2pPr marL="0" marR="0" indent="0" algn="l" defTabSz="457200" rtl="0" fontAlgn="auto" latinLnBrk="0" hangingPunct="0">
       <a:lnSpc>
         <a:spcPct val="100000"/>
       </a:lnSpc>
@@ -112,7 +109,7 @@
         <a:sym typeface="Trebuchet MS"/>
       </a:defRPr>
     </a:lvl2pPr>
-    <a:lvl3pPr marL="0" marR="0" indent="914400" algn="l" defTabSz="457200" rtl="0" fontAlgn="auto" latinLnBrk="0" hangingPunct="0">
+    <a:lvl3pPr marL="0" marR="0" indent="0" algn="l" defTabSz="457200" rtl="0" fontAlgn="auto" latinLnBrk="0" hangingPunct="0">
       <a:lnSpc>
         <a:spcPct val="100000"/>
       </a:lnSpc>
@@ -142,7 +139,7 @@
         <a:sym typeface="Trebuchet MS"/>
       </a:defRPr>
     </a:lvl3pPr>
-    <a:lvl4pPr marL="0" marR="0" indent="1371600" algn="l" defTabSz="457200" rtl="0" fontAlgn="auto" latinLnBrk="0" hangingPunct="0">
+    <a:lvl4pPr marL="0" marR="0" indent="0" algn="l" defTabSz="457200" rtl="0" fontAlgn="auto" latinLnBrk="0" hangingPunct="0">
       <a:lnSpc>
         <a:spcPct val="100000"/>
       </a:lnSpc>
@@ -172,7 +169,7 @@
         <a:sym typeface="Trebuchet MS"/>
       </a:defRPr>
     </a:lvl4pPr>
-    <a:lvl5pPr marL="0" marR="0" indent="1828800" algn="l" defTabSz="457200" rtl="0" fontAlgn="auto" latinLnBrk="0" hangingPunct="0">
+    <a:lvl5pPr marL="0" marR="0" indent="0" algn="l" defTabSz="457200" rtl="0" fontAlgn="auto" latinLnBrk="0" hangingPunct="0">
       <a:lnSpc>
         <a:spcPct val="100000"/>
       </a:lnSpc>
@@ -202,7 +199,7 @@
         <a:sym typeface="Trebuchet MS"/>
       </a:defRPr>
     </a:lvl5pPr>
-    <a:lvl6pPr marL="0" marR="0" indent="2286000" algn="l" defTabSz="457200" rtl="0" fontAlgn="auto" latinLnBrk="0" hangingPunct="0">
+    <a:lvl6pPr marL="0" marR="0" indent="0" algn="l" defTabSz="457200" rtl="0" fontAlgn="auto" latinLnBrk="0" hangingPunct="0">
       <a:lnSpc>
         <a:spcPct val="100000"/>
       </a:lnSpc>
@@ -232,7 +229,7 @@
         <a:sym typeface="Trebuchet MS"/>
       </a:defRPr>
     </a:lvl6pPr>
-    <a:lvl7pPr marL="0" marR="0" indent="2743200" algn="l" defTabSz="457200" rtl="0" fontAlgn="auto" latinLnBrk="0" hangingPunct="0">
+    <a:lvl7pPr marL="0" marR="0" indent="0" algn="l" defTabSz="457200" rtl="0" fontAlgn="auto" latinLnBrk="0" hangingPunct="0">
       <a:lnSpc>
         <a:spcPct val="100000"/>
       </a:lnSpc>
@@ -262,7 +259,7 @@
         <a:sym typeface="Trebuchet MS"/>
       </a:defRPr>
     </a:lvl7pPr>
-    <a:lvl8pPr marL="0" marR="0" indent="3200400" algn="l" defTabSz="457200" rtl="0" fontAlgn="auto" latinLnBrk="0" hangingPunct="0">
+    <a:lvl8pPr marL="0" marR="0" indent="0" algn="l" defTabSz="457200" rtl="0" fontAlgn="auto" latinLnBrk="0" hangingPunct="0">
       <a:lnSpc>
         <a:spcPct val="100000"/>
       </a:lnSpc>
@@ -292,7 +289,7 @@
         <a:sym typeface="Trebuchet MS"/>
       </a:defRPr>
     </a:lvl8pPr>
-    <a:lvl9pPr marL="0" marR="0" indent="3657600" algn="l" defTabSz="457200" rtl="0" fontAlgn="auto" latinLnBrk="0" hangingPunct="0">
+    <a:lvl9pPr marL="0" marR="0" indent="0" algn="l" defTabSz="457200" rtl="0" fontAlgn="auto" latinLnBrk="0" hangingPunct="0">
       <a:lnSpc>
         <a:spcPct val="100000"/>
       </a:lnSpc>
@@ -349,7 +346,7 @@
       </p:grpSpPr>
       <p:sp>
         <p:nvSpPr>
-          <p:cNvPr id="235" name="Shape 235"/>
+          <p:cNvPr id="205" name="Shape 205"/>
           <p:cNvSpPr/>
           <p:nvPr>
             <p:ph type="sldImg"/>
@@ -374,7 +371,7 @@
       </p:sp>
       <p:sp>
         <p:nvSpPr>
-          <p:cNvPr id="236" name="Shape 236"/>
+          <p:cNvPr id="206" name="Shape 206"/>
           <p:cNvSpPr/>
           <p:nvPr>
             <p:ph type="body" sz="quarter" idx="1"/>
@@ -523,7 +520,7 @@
       </p:grpSpPr>
       <p:pic>
         <p:nvPicPr>
-          <p:cNvPr id="14" name="Picture 6" descr="Picture 6"/>
+          <p:cNvPr id="16" name="Picture 6" descr="Picture 6"/>
           <p:cNvPicPr>
             <a:picLocks noChangeAspect="1"/>
           </p:cNvPicPr>
@@ -553,7 +550,7 @@
       </p:pic>
       <p:pic>
         <p:nvPicPr>
-          <p:cNvPr id="15" name="Picture 6" descr="Picture 6"/>
+          <p:cNvPr id="17" name="Picture 6" descr="Picture 6"/>
           <p:cNvPicPr>
             <a:picLocks noChangeAspect="1"/>
           </p:cNvPicPr>
@@ -570,7 +567,7 @@
         <p:spPr>
           <a:xfrm>
             <a:off x="1" y="4242851"/>
-            <a:ext cx="8968085" cy="275943"/>
+            <a:ext cx="8968086" cy="275944"/>
           </a:xfrm>
           <a:prstGeom prst="rect">
             <a:avLst/>
@@ -582,7 +579,7 @@
       </p:pic>
       <p:pic>
         <p:nvPicPr>
-          <p:cNvPr id="16" name="Picture 7" descr="Picture 7"/>
+          <p:cNvPr id="18" name="Picture 7" descr="Picture 7"/>
           <p:cNvPicPr>
             <a:picLocks noChangeAspect="1"/>
           </p:cNvPicPr>
@@ -599,7 +596,7 @@
         <p:spPr>
           <a:xfrm>
             <a:off x="9111715" y="4243844"/>
-            <a:ext cx="3077109" cy="276941"/>
+            <a:ext cx="3077110" cy="276942"/>
           </a:xfrm>
           <a:prstGeom prst="rect">
             <a:avLst/>
@@ -611,7 +608,7 @@
       </p:pic>
       <p:sp>
         <p:nvSpPr>
-          <p:cNvPr id="17" name="Rectangle 8"/>
+          <p:cNvPr id="19" name="Rectangle 8"/>
           <p:cNvSpPr/>
           <p:nvPr/>
         </p:nvSpPr>
@@ -631,7 +628,7 @@
           </a:ln>
         </p:spPr>
         <p:txBody>
-          <a:bodyPr lIns="45719" rIns="45719"/>
+          <a:bodyPr lIns="45718" tIns="45718" rIns="45718" bIns="45718"/>
           <a:lstStyle/>
           <a:p>
             <a:pPr>
@@ -646,14 +643,14 @@
       </p:sp>
       <p:sp>
         <p:nvSpPr>
-          <p:cNvPr id="18" name="Rectangle 9"/>
+          <p:cNvPr id="20" name="Rectangle 9"/>
           <p:cNvSpPr/>
           <p:nvPr/>
         </p:nvSpPr>
         <p:spPr>
           <a:xfrm>
             <a:off x="9111715" y="2590077"/>
-            <a:ext cx="3077110" cy="1660333"/>
+            <a:ext cx="3077111" cy="1660333"/>
           </a:xfrm>
           <a:prstGeom prst="rect">
             <a:avLst/>
@@ -666,7 +663,7 @@
           </a:ln>
         </p:spPr>
         <p:txBody>
-          <a:bodyPr lIns="45719" rIns="45719"/>
+          <a:bodyPr lIns="45718" tIns="45718" rIns="45718" bIns="45718"/>
           <a:lstStyle/>
           <a:p>
             <a:pPr>
@@ -681,7 +678,7 @@
       </p:sp>
       <p:sp>
         <p:nvSpPr>
-          <p:cNvPr id="19" name="Текст заголовка"/>
+          <p:cNvPr id="21" name="Текст заголовка"/>
           <p:cNvSpPr txBox="1"/>
           <p:nvPr>
             <p:ph type="title"/>
@@ -689,8 +686,8 @@
         </p:nvSpPr>
         <p:spPr>
           <a:xfrm>
-            <a:off x="680321" y="2733708"/>
-            <a:ext cx="8144135" cy="1373071"/>
+            <a:off x="680321" y="2733707"/>
+            <a:ext cx="8144135" cy="1373072"/>
           </a:xfrm>
           <a:prstGeom prst="rect">
             <a:avLst/>
@@ -713,7 +710,7 @@
       </p:sp>
       <p:sp>
         <p:nvSpPr>
-          <p:cNvPr id="20" name="Уровень текста 1…"/>
+          <p:cNvPr id="22" name="Уровень текста 1…"/>
           <p:cNvSpPr txBox="1"/>
           <p:nvPr>
             <p:ph type="body" sz="quarter" idx="1"/>
@@ -722,7 +719,7 @@
         <p:spPr>
           <a:xfrm>
             <a:off x="680321" y="4394039"/>
-            <a:ext cx="8144135" cy="1117688"/>
+            <a:ext cx="8144135" cy="1117689"/>
           </a:xfrm>
           <a:prstGeom prst="rect">
             <a:avLst/>
@@ -737,25 +734,25 @@
               <a:buNone/>
               <a:defRPr sz="2000"/>
             </a:lvl1pPr>
-            <a:lvl2pPr marL="0" indent="457200" algn="r">
+            <a:lvl2pPr marL="0" indent="0" algn="r">
               <a:buSzTx/>
               <a:buFontTx/>
               <a:buNone/>
               <a:defRPr sz="2000"/>
             </a:lvl2pPr>
-            <a:lvl3pPr marL="0" indent="914400" algn="r">
+            <a:lvl3pPr marL="0" indent="0" algn="r">
               <a:buSzTx/>
               <a:buFontTx/>
               <a:buNone/>
               <a:defRPr sz="2000"/>
             </a:lvl3pPr>
-            <a:lvl4pPr marL="0" indent="1371600" algn="r">
+            <a:lvl4pPr marL="0" indent="0" algn="r">
               <a:buSzTx/>
               <a:buFontTx/>
               <a:buNone/>
               <a:defRPr sz="2000"/>
             </a:lvl4pPr>
-            <a:lvl5pPr marL="0" indent="1828800" algn="r">
+            <a:lvl5pPr marL="0" indent="0" algn="r">
               <a:buSzTx/>
               <a:buFontTx/>
               <a:buNone/>
@@ -796,7 +793,7 @@
       </p:sp>
       <p:sp>
         <p:nvSpPr>
-          <p:cNvPr id="21" name="Номер слайда"/>
+          <p:cNvPr id="23" name="Номер слайда"/>
           <p:cNvSpPr txBox="1"/>
           <p:nvPr>
             <p:ph type="sldNum" sz="quarter" idx="2"/>
@@ -804,8 +801,8 @@
         </p:nvSpPr>
         <p:spPr>
           <a:xfrm>
-            <a:off x="9255345" y="3116137"/>
-            <a:ext cx="583666" cy="624841"/>
+            <a:off x="9255345" y="3116138"/>
+            <a:ext cx="583663" cy="624839"/>
           </a:xfrm>
           <a:prstGeom prst="rect">
             <a:avLst/>
@@ -848,7 +845,7 @@
       </p:grpSpPr>
       <p:pic>
         <p:nvPicPr>
-          <p:cNvPr id="135" name="Picture 6" descr="Picture 6"/>
+          <p:cNvPr id="115" name="Picture 6" descr="Picture 6"/>
           <p:cNvPicPr>
             <a:picLocks noChangeAspect="1"/>
           </p:cNvPicPr>
@@ -877,7 +874,7 @@
       </p:pic>
       <p:pic>
         <p:nvPicPr>
-          <p:cNvPr id="136" name="Picture 7" descr="Picture 7"/>
+          <p:cNvPr id="116" name="Picture 7" descr="Picture 7"/>
           <p:cNvPicPr>
             <a:picLocks noChangeAspect="1"/>
           </p:cNvPicPr>
@@ -894,7 +891,7 @@
         <p:spPr>
           <a:xfrm>
             <a:off x="1" y="5928628"/>
-            <a:ext cx="10437812" cy="321165"/>
+            <a:ext cx="10437812" cy="321166"/>
           </a:xfrm>
           <a:prstGeom prst="rect">
             <a:avLst/>
@@ -906,7 +903,7 @@
       </p:pic>
       <p:pic>
         <p:nvPicPr>
-          <p:cNvPr id="137" name="Picture 8" descr="Picture 8"/>
+          <p:cNvPr id="117" name="Picture 8" descr="Picture 8"/>
           <p:cNvPicPr>
             <a:picLocks noChangeAspect="1"/>
           </p:cNvPicPr>
@@ -923,7 +920,7 @@
         <p:spPr>
           <a:xfrm>
             <a:off x="10585825" y="5929622"/>
-            <a:ext cx="1602998" cy="144271"/>
+            <a:ext cx="1602999" cy="144272"/>
           </a:xfrm>
           <a:prstGeom prst="rect">
             <a:avLst/>
@@ -935,14 +932,14 @@
       </p:pic>
       <p:sp>
         <p:nvSpPr>
-          <p:cNvPr id="138" name="Rectangle 9"/>
+          <p:cNvPr id="118" name="Rectangle 9"/>
           <p:cNvSpPr/>
           <p:nvPr/>
         </p:nvSpPr>
         <p:spPr>
           <a:xfrm>
-            <a:off x="-1" y="4567987"/>
-            <a:ext cx="10437814" cy="1368199"/>
+            <a:off x="-2" y="4567987"/>
+            <a:ext cx="10437816" cy="1368200"/>
           </a:xfrm>
           <a:prstGeom prst="rect">
             <a:avLst/>
@@ -955,7 +952,7 @@
           </a:ln>
         </p:spPr>
         <p:txBody>
-          <a:bodyPr lIns="45719" rIns="45719"/>
+          <a:bodyPr lIns="45718" tIns="45718" rIns="45718" bIns="45718"/>
           <a:lstStyle/>
           <a:p>
             <a:pPr>
@@ -970,14 +967,14 @@
       </p:sp>
       <p:sp>
         <p:nvSpPr>
-          <p:cNvPr id="139" name="Rectangle 10"/>
+          <p:cNvPr id="119" name="Rectangle 10"/>
           <p:cNvSpPr/>
           <p:nvPr/>
         </p:nvSpPr>
         <p:spPr>
           <a:xfrm>
-            <a:off x="10585826" y="4567987"/>
-            <a:ext cx="1602998" cy="1368199"/>
+            <a:off x="10585825" y="4567987"/>
+            <a:ext cx="1602999" cy="1368200"/>
           </a:xfrm>
           <a:prstGeom prst="rect">
             <a:avLst/>
@@ -990,7 +987,7 @@
           </a:ln>
         </p:spPr>
         <p:txBody>
-          <a:bodyPr lIns="45719" rIns="45719"/>
+          <a:bodyPr lIns="45718" tIns="45718" rIns="45718" bIns="45718"/>
           <a:lstStyle/>
           <a:p>
             <a:pPr>
@@ -1005,7 +1002,7 @@
       </p:sp>
       <p:sp>
         <p:nvSpPr>
-          <p:cNvPr id="140" name="Текст заголовка"/>
+          <p:cNvPr id="120" name="Текст заголовка"/>
           <p:cNvSpPr txBox="1"/>
           <p:nvPr>
             <p:ph type="title"/>
@@ -1014,7 +1011,7 @@
         <p:spPr>
           <a:xfrm>
             <a:off x="680321" y="4711615"/>
-            <a:ext cx="9613860" cy="453052"/>
+            <a:ext cx="9613860" cy="453053"/>
           </a:xfrm>
           <a:prstGeom prst="rect">
             <a:avLst/>
@@ -1037,7 +1034,7 @@
       </p:sp>
       <p:sp>
         <p:nvSpPr>
-          <p:cNvPr id="141" name="Picture Placeholder 2"/>
+          <p:cNvPr id="121" name="Picture Placeholder 2"/>
           <p:cNvSpPr/>
           <p:nvPr>
             <p:ph type="pic" idx="21"/>
@@ -1045,8 +1042,8 @@
         </p:nvSpPr>
         <p:spPr>
           <a:xfrm>
-            <a:off x="680321" y="609596"/>
-            <a:ext cx="9613860" cy="3589577"/>
+            <a:off x="680321" y="609595"/>
+            <a:ext cx="9613860" cy="3589578"/>
           </a:xfrm>
           <a:prstGeom prst="rect">
             <a:avLst/>
@@ -1060,7 +1057,7 @@
           </a:effectLst>
         </p:spPr>
         <p:txBody>
-          <a:bodyPr lIns="91439" rIns="91439">
+          <a:bodyPr lIns="91439" tIns="45719" rIns="91439" bIns="45719">
             <a:noAutofit/>
           </a:bodyPr>
           <a:lstStyle/>
@@ -1071,7 +1068,7 @@
       </p:sp>
       <p:sp>
         <p:nvSpPr>
-          <p:cNvPr id="142" name="Уровень текста 1…"/>
+          <p:cNvPr id="122" name="Уровень текста 1…"/>
           <p:cNvSpPr txBox="1"/>
           <p:nvPr>
             <p:ph type="body" sz="quarter" idx="1"/>
@@ -1080,7 +1077,7 @@
         <p:spPr>
           <a:xfrm>
             <a:off x="680318" y="5169582"/>
-            <a:ext cx="9613864" cy="622972"/>
+            <a:ext cx="9613865" cy="622973"/>
           </a:xfrm>
           <a:prstGeom prst="rect">
             <a:avLst/>
@@ -1095,25 +1092,25 @@
               <a:buNone/>
               <a:defRPr sz="1600"/>
             </a:lvl1pPr>
-            <a:lvl2pPr marL="0" indent="457200">
+            <a:lvl2pPr marL="0" indent="0">
               <a:buSzTx/>
               <a:buFontTx/>
               <a:buNone/>
               <a:defRPr sz="1600"/>
             </a:lvl2pPr>
-            <a:lvl3pPr marL="0" indent="914400">
+            <a:lvl3pPr marL="0" indent="0">
               <a:buSzTx/>
               <a:buFontTx/>
               <a:buNone/>
               <a:defRPr sz="1600"/>
             </a:lvl3pPr>
-            <a:lvl4pPr marL="0" indent="1371600">
+            <a:lvl4pPr marL="0" indent="0">
               <a:buSzTx/>
               <a:buFontTx/>
               <a:buNone/>
               <a:defRPr sz="1600"/>
             </a:lvl4pPr>
-            <a:lvl5pPr marL="0" indent="1828800">
+            <a:lvl5pPr marL="0" indent="0">
               <a:buSzTx/>
               <a:buFontTx/>
               <a:buNone/>
@@ -1154,7 +1151,7 @@
       </p:sp>
       <p:sp>
         <p:nvSpPr>
-          <p:cNvPr id="143" name="Номер слайда"/>
+          <p:cNvPr id="123" name="Номер слайда"/>
           <p:cNvSpPr txBox="1"/>
           <p:nvPr>
             <p:ph type="sldNum" sz="quarter" idx="2"/>
@@ -1162,8 +1159,8 @@
         </p:nvSpPr>
         <p:spPr>
           <a:xfrm>
-            <a:off x="10729455" y="4944283"/>
-            <a:ext cx="583665" cy="624841"/>
+            <a:off x="10729455" y="4944284"/>
+            <a:ext cx="583663" cy="624839"/>
           </a:xfrm>
           <a:prstGeom prst="rect">
             <a:avLst/>
@@ -1206,7 +1203,7 @@
       </p:grpSpPr>
       <p:pic>
         <p:nvPicPr>
-          <p:cNvPr id="150" name="Picture 6" descr="Picture 6"/>
+          <p:cNvPr id="130" name="Picture 6" descr="Picture 6"/>
           <p:cNvPicPr>
             <a:picLocks noChangeAspect="1"/>
           </p:cNvPicPr>
@@ -1235,7 +1232,7 @@
       </p:pic>
       <p:pic>
         <p:nvPicPr>
-          <p:cNvPr id="151" name="Picture 7" descr="Picture 7"/>
+          <p:cNvPr id="131" name="Picture 7" descr="Picture 7"/>
           <p:cNvPicPr>
             <a:picLocks noChangeAspect="1"/>
           </p:cNvPicPr>
@@ -1252,7 +1249,7 @@
         <p:spPr>
           <a:xfrm>
             <a:off x="1" y="5928628"/>
-            <a:ext cx="10437812" cy="321165"/>
+            <a:ext cx="10437812" cy="321166"/>
           </a:xfrm>
           <a:prstGeom prst="rect">
             <a:avLst/>
@@ -1264,7 +1261,7 @@
       </p:pic>
       <p:pic>
         <p:nvPicPr>
-          <p:cNvPr id="152" name="Picture 8" descr="Picture 8"/>
+          <p:cNvPr id="132" name="Picture 8" descr="Picture 8"/>
           <p:cNvPicPr>
             <a:picLocks noChangeAspect="1"/>
           </p:cNvPicPr>
@@ -1281,7 +1278,7 @@
         <p:spPr>
           <a:xfrm>
             <a:off x="10585825" y="5929622"/>
-            <a:ext cx="1602998" cy="144271"/>
+            <a:ext cx="1602999" cy="144272"/>
           </a:xfrm>
           <a:prstGeom prst="rect">
             <a:avLst/>
@@ -1293,14 +1290,14 @@
       </p:pic>
       <p:sp>
         <p:nvSpPr>
-          <p:cNvPr id="153" name="Rectangle 9"/>
+          <p:cNvPr id="133" name="Rectangle 9"/>
           <p:cNvSpPr/>
           <p:nvPr/>
         </p:nvSpPr>
         <p:spPr>
           <a:xfrm>
-            <a:off x="-1" y="4567987"/>
-            <a:ext cx="10437814" cy="1368199"/>
+            <a:off x="-2" y="4567987"/>
+            <a:ext cx="10437816" cy="1368200"/>
           </a:xfrm>
           <a:prstGeom prst="rect">
             <a:avLst/>
@@ -1313,7 +1310,7 @@
           </a:ln>
         </p:spPr>
         <p:txBody>
-          <a:bodyPr lIns="45719" rIns="45719"/>
+          <a:bodyPr lIns="45718" tIns="45718" rIns="45718" bIns="45718"/>
           <a:lstStyle/>
           <a:p>
             <a:pPr>
@@ -1328,14 +1325,14 @@
       </p:sp>
       <p:sp>
         <p:nvSpPr>
-          <p:cNvPr id="154" name="Rectangle 10"/>
+          <p:cNvPr id="134" name="Rectangle 10"/>
           <p:cNvSpPr/>
           <p:nvPr/>
         </p:nvSpPr>
         <p:spPr>
           <a:xfrm>
-            <a:off x="10585826" y="4567987"/>
-            <a:ext cx="1602998" cy="1368199"/>
+            <a:off x="10585825" y="4567987"/>
+            <a:ext cx="1602999" cy="1368200"/>
           </a:xfrm>
           <a:prstGeom prst="rect">
             <a:avLst/>
@@ -1348,7 +1345,7 @@
           </a:ln>
         </p:spPr>
         <p:txBody>
-          <a:bodyPr lIns="45719" rIns="45719"/>
+          <a:bodyPr lIns="45718" tIns="45718" rIns="45718" bIns="45718"/>
           <a:lstStyle/>
           <a:p>
             <a:pPr>
@@ -1363,7 +1360,7 @@
       </p:sp>
       <p:sp>
         <p:nvSpPr>
-          <p:cNvPr id="155" name="Текст заголовка"/>
+          <p:cNvPr id="135" name="Текст заголовка"/>
           <p:cNvSpPr txBox="1"/>
           <p:nvPr>
             <p:ph type="title"/>
@@ -1371,8 +1368,8 @@
         </p:nvSpPr>
         <p:spPr>
           <a:xfrm>
-            <a:off x="680321" y="609596"/>
-            <a:ext cx="9613860" cy="3592752"/>
+            <a:off x="680321" y="609595"/>
+            <a:ext cx="9613860" cy="3592753"/>
           </a:xfrm>
           <a:prstGeom prst="rect">
             <a:avLst/>
@@ -1395,7 +1392,7 @@
       </p:sp>
       <p:sp>
         <p:nvSpPr>
-          <p:cNvPr id="156" name="Уровень текста 1…"/>
+          <p:cNvPr id="136" name="Уровень текста 1…"/>
           <p:cNvSpPr txBox="1"/>
           <p:nvPr>
             <p:ph type="body" sz="quarter" idx="1"/>
@@ -1404,7 +1401,7 @@
         <p:spPr>
           <a:xfrm>
             <a:off x="680321" y="4711615"/>
-            <a:ext cx="9613860" cy="1090790"/>
+            <a:ext cx="9613860" cy="1090791"/>
           </a:xfrm>
           <a:prstGeom prst="rect">
             <a:avLst/>
@@ -1419,25 +1416,25 @@
               <a:buNone/>
               <a:defRPr sz="1600"/>
             </a:lvl1pPr>
-            <a:lvl2pPr marL="0" indent="457200">
+            <a:lvl2pPr marL="0" indent="0">
               <a:buSzTx/>
               <a:buFontTx/>
               <a:buNone/>
               <a:defRPr sz="1600"/>
             </a:lvl2pPr>
-            <a:lvl3pPr marL="0" indent="914400">
+            <a:lvl3pPr marL="0" indent="0">
               <a:buSzTx/>
               <a:buFontTx/>
               <a:buNone/>
               <a:defRPr sz="1600"/>
             </a:lvl3pPr>
-            <a:lvl4pPr marL="0" indent="1371600">
+            <a:lvl4pPr marL="0" indent="0">
               <a:buSzTx/>
               <a:buFontTx/>
               <a:buNone/>
               <a:defRPr sz="1600"/>
             </a:lvl4pPr>
-            <a:lvl5pPr marL="0" indent="1828800">
+            <a:lvl5pPr marL="0" indent="0">
               <a:buSzTx/>
               <a:buFontTx/>
               <a:buNone/>
@@ -1478,7 +1475,7 @@
       </p:sp>
       <p:sp>
         <p:nvSpPr>
-          <p:cNvPr id="157" name="Номер слайда"/>
+          <p:cNvPr id="137" name="Номер слайда"/>
           <p:cNvSpPr txBox="1"/>
           <p:nvPr>
             <p:ph type="sldNum" sz="quarter" idx="2"/>
@@ -1486,8 +1483,8 @@
         </p:nvSpPr>
         <p:spPr>
           <a:xfrm>
-            <a:off x="10729455" y="4944589"/>
-            <a:ext cx="583665" cy="624841"/>
+            <a:off x="10729455" y="4944590"/>
+            <a:ext cx="583663" cy="624839"/>
           </a:xfrm>
           <a:prstGeom prst="rect">
             <a:avLst/>
@@ -1530,7 +1527,7 @@
       </p:grpSpPr>
       <p:pic>
         <p:nvPicPr>
-          <p:cNvPr id="164" name="Picture 6" descr="Picture 6"/>
+          <p:cNvPr id="144" name="Picture 6" descr="Picture 6"/>
           <p:cNvPicPr>
             <a:picLocks noChangeAspect="1"/>
           </p:cNvPicPr>
@@ -1559,7 +1556,7 @@
       </p:pic>
       <p:pic>
         <p:nvPicPr>
-          <p:cNvPr id="165" name="Picture 10" descr="Picture 10"/>
+          <p:cNvPr id="145" name="Picture 10" descr="Picture 10"/>
           <p:cNvPicPr>
             <a:picLocks noChangeAspect="1"/>
           </p:cNvPicPr>
@@ -1576,7 +1573,7 @@
         <p:spPr>
           <a:xfrm>
             <a:off x="1" y="5928628"/>
-            <a:ext cx="10437812" cy="321165"/>
+            <a:ext cx="10437812" cy="321166"/>
           </a:xfrm>
           <a:prstGeom prst="rect">
             <a:avLst/>
@@ -1588,7 +1585,7 @@
       </p:pic>
       <p:pic>
         <p:nvPicPr>
-          <p:cNvPr id="166" name="Picture 12" descr="Picture 12"/>
+          <p:cNvPr id="146" name="Picture 12" descr="Picture 12"/>
           <p:cNvPicPr>
             <a:picLocks noChangeAspect="1"/>
           </p:cNvPicPr>
@@ -1605,7 +1602,7 @@
         <p:spPr>
           <a:xfrm>
             <a:off x="10585825" y="5929622"/>
-            <a:ext cx="1602998" cy="144271"/>
+            <a:ext cx="1602999" cy="144272"/>
           </a:xfrm>
           <a:prstGeom prst="rect">
             <a:avLst/>
@@ -1617,14 +1614,14 @@
       </p:pic>
       <p:sp>
         <p:nvSpPr>
-          <p:cNvPr id="167" name="Rectangle 13"/>
+          <p:cNvPr id="147" name="Rectangle 13"/>
           <p:cNvSpPr/>
           <p:nvPr/>
         </p:nvSpPr>
         <p:spPr>
           <a:xfrm>
-            <a:off x="-1" y="4567987"/>
-            <a:ext cx="10437814" cy="1368199"/>
+            <a:off x="-2" y="4567987"/>
+            <a:ext cx="10437816" cy="1368200"/>
           </a:xfrm>
           <a:prstGeom prst="rect">
             <a:avLst/>
@@ -1637,7 +1634,7 @@
           </a:ln>
         </p:spPr>
         <p:txBody>
-          <a:bodyPr lIns="45719" rIns="45719"/>
+          <a:bodyPr lIns="45718" tIns="45718" rIns="45718" bIns="45718"/>
           <a:lstStyle/>
           <a:p>
             <a:pPr>
@@ -1652,14 +1649,14 @@
       </p:sp>
       <p:sp>
         <p:nvSpPr>
-          <p:cNvPr id="168" name="Rectangle 14"/>
+          <p:cNvPr id="148" name="Rectangle 14"/>
           <p:cNvSpPr/>
           <p:nvPr/>
         </p:nvSpPr>
         <p:spPr>
           <a:xfrm>
-            <a:off x="10585826" y="4567987"/>
-            <a:ext cx="1602998" cy="1368199"/>
+            <a:off x="10585825" y="4567987"/>
+            <a:ext cx="1602999" cy="1368200"/>
           </a:xfrm>
           <a:prstGeom prst="rect">
             <a:avLst/>
@@ -1672,7 +1669,7 @@
           </a:ln>
         </p:spPr>
         <p:txBody>
-          <a:bodyPr lIns="45719" rIns="45719"/>
+          <a:bodyPr lIns="45718" tIns="45718" rIns="45718" bIns="45718"/>
           <a:lstStyle/>
           <a:p>
             <a:pPr>
@@ -1687,7 +1684,7 @@
       </p:sp>
       <p:sp>
         <p:nvSpPr>
-          <p:cNvPr id="169" name="Текст заголовка"/>
+          <p:cNvPr id="149" name="Текст заголовка"/>
           <p:cNvSpPr txBox="1"/>
           <p:nvPr>
             <p:ph type="title"/>
@@ -1695,8 +1692,8 @@
         </p:nvSpPr>
         <p:spPr>
           <a:xfrm>
-            <a:off x="1127855" y="609598"/>
-            <a:ext cx="8718879" cy="3036062"/>
+            <a:off x="1127854" y="609598"/>
+            <a:ext cx="8718880" cy="3036062"/>
           </a:xfrm>
           <a:prstGeom prst="rect">
             <a:avLst/>
@@ -1719,7 +1716,7 @@
       </p:sp>
       <p:sp>
         <p:nvSpPr>
-          <p:cNvPr id="170" name="Уровень текста 1…"/>
+          <p:cNvPr id="150" name="Уровень текста 1…"/>
           <p:cNvSpPr txBox="1"/>
           <p:nvPr>
             <p:ph type="body" sz="quarter" idx="1"/>
@@ -1727,8 +1724,8 @@
         </p:nvSpPr>
         <p:spPr>
           <a:xfrm>
-            <a:off x="1402287" y="3653378"/>
-            <a:ext cx="8156580" cy="548969"/>
+            <a:off x="1402286" y="3653378"/>
+            <a:ext cx="8156581" cy="548970"/>
           </a:xfrm>
           <a:prstGeom prst="rect">
             <a:avLst/>
@@ -1743,25 +1740,25 @@
               <a:buNone/>
               <a:defRPr sz="1400"/>
             </a:lvl1pPr>
-            <a:lvl2pPr marL="0" indent="457200">
+            <a:lvl2pPr marL="0" indent="0">
               <a:buSzTx/>
               <a:buFontTx/>
               <a:buNone/>
               <a:defRPr sz="1400"/>
             </a:lvl2pPr>
-            <a:lvl3pPr marL="0" indent="914400">
+            <a:lvl3pPr marL="0" indent="0">
               <a:buSzTx/>
               <a:buFontTx/>
               <a:buNone/>
               <a:defRPr sz="1400"/>
             </a:lvl3pPr>
-            <a:lvl4pPr marL="0" indent="1371600">
+            <a:lvl4pPr marL="0" indent="0">
               <a:buSzTx/>
               <a:buFontTx/>
               <a:buNone/>
               <a:defRPr sz="1400"/>
             </a:lvl4pPr>
-            <a:lvl5pPr marL="0" indent="1828800">
+            <a:lvl5pPr marL="0" indent="0">
               <a:buSzTx/>
               <a:buFontTx/>
               <a:buNone/>
@@ -1802,7 +1799,7 @@
       </p:sp>
       <p:sp>
         <p:nvSpPr>
-          <p:cNvPr id="171" name="Text Placeholder 3"/>
+          <p:cNvPr id="151" name="Text Placeholder 3"/>
           <p:cNvSpPr/>
           <p:nvPr>
             <p:ph type="body" sz="quarter" idx="21"/>
@@ -1811,7 +1808,7 @@
         <p:spPr>
           <a:xfrm>
             <a:off x="680322" y="4711615"/>
-            <a:ext cx="9613859" cy="1090790"/>
+            <a:ext cx="9613859" cy="1090791"/>
           </a:xfrm>
           <a:prstGeom prst="rect">
             <a:avLst/>
@@ -1821,25 +1818,20 @@
           <a:bodyPr anchor="ctr"/>
           <a:lstStyle/>
           <a:p>
-            <a:pPr marL="0" indent="0">
-              <a:buSzTx/>
-              <a:buFontTx/>
-              <a:buNone/>
-              <a:defRPr sz="1600"/>
-            </a:pPr>
-          </a:p>
-        </p:txBody>
-      </p:sp>
-      <p:sp>
-        <p:nvSpPr>
-          <p:cNvPr id="172" name="TextBox 15"/>
+            <a:pPr/>
+          </a:p>
+        </p:txBody>
+      </p:sp>
+      <p:sp>
+        <p:nvSpPr>
+          <p:cNvPr id="152" name="TextBox 15"/>
           <p:cNvSpPr txBox="1"/>
           <p:nvPr/>
         </p:nvSpPr>
         <p:spPr>
           <a:xfrm>
-            <a:off x="629291" y="461383"/>
-            <a:ext cx="518161" cy="1158241"/>
+            <a:off x="629290" y="461383"/>
+            <a:ext cx="518163" cy="1158239"/>
           </a:xfrm>
           <a:prstGeom prst="rect">
             <a:avLst/>
@@ -1854,7 +1846,7 @@
           </a:extLst>
         </p:spPr>
         <p:txBody>
-          <a:bodyPr lIns="45719" rIns="45719" anchor="ctr">
+          <a:bodyPr lIns="45718" tIns="45718" rIns="45718" bIns="45718" anchor="ctr">
             <a:spAutoFit/>
           </a:bodyPr>
           <a:lstStyle>
@@ -1876,14 +1868,14 @@
       </p:sp>
       <p:sp>
         <p:nvSpPr>
-          <p:cNvPr id="173" name="TextBox 16"/>
+          <p:cNvPr id="153" name="TextBox 16"/>
           <p:cNvSpPr txBox="1"/>
           <p:nvPr/>
         </p:nvSpPr>
         <p:spPr>
           <a:xfrm>
-            <a:off x="9708528" y="2746791"/>
-            <a:ext cx="518161" cy="1158241"/>
+            <a:off x="9708528" y="2746792"/>
+            <a:ext cx="518162" cy="1158239"/>
           </a:xfrm>
           <a:prstGeom prst="rect">
             <a:avLst/>
@@ -1898,7 +1890,7 @@
           </a:extLst>
         </p:spPr>
         <p:txBody>
-          <a:bodyPr lIns="45719" rIns="45719" anchor="ctr">
+          <a:bodyPr lIns="45718" tIns="45718" rIns="45718" bIns="45718" anchor="ctr">
             <a:spAutoFit/>
           </a:bodyPr>
           <a:lstStyle>
@@ -1920,7 +1912,7 @@
       </p:sp>
       <p:sp>
         <p:nvSpPr>
-          <p:cNvPr id="174" name="Номер слайда"/>
+          <p:cNvPr id="154" name="Номер слайда"/>
           <p:cNvSpPr txBox="1"/>
           <p:nvPr>
             <p:ph type="sldNum" sz="quarter" idx="2"/>
@@ -1928,8 +1920,8 @@
         </p:nvSpPr>
         <p:spPr>
           <a:xfrm>
-            <a:off x="10729455" y="4942899"/>
-            <a:ext cx="583665" cy="624841"/>
+            <a:off x="10729455" y="4942900"/>
+            <a:ext cx="583663" cy="624839"/>
           </a:xfrm>
           <a:prstGeom prst="rect">
             <a:avLst/>
@@ -1972,7 +1964,7 @@
       </p:grpSpPr>
       <p:pic>
         <p:nvPicPr>
-          <p:cNvPr id="181" name="Picture 6" descr="Picture 6"/>
+          <p:cNvPr id="161" name="Picture 6" descr="Picture 6"/>
           <p:cNvPicPr>
             <a:picLocks noChangeAspect="1"/>
           </p:cNvPicPr>
@@ -2001,7 +1993,7 @@
       </p:pic>
       <p:pic>
         <p:nvPicPr>
-          <p:cNvPr id="182" name="Picture 8" descr="Picture 8"/>
+          <p:cNvPr id="162" name="Picture 8" descr="Picture 8"/>
           <p:cNvPicPr>
             <a:picLocks noChangeAspect="1"/>
           </p:cNvPicPr>
@@ -2018,7 +2010,7 @@
         <p:spPr>
           <a:xfrm>
             <a:off x="1" y="5928628"/>
-            <a:ext cx="10437812" cy="321165"/>
+            <a:ext cx="10437812" cy="321166"/>
           </a:xfrm>
           <a:prstGeom prst="rect">
             <a:avLst/>
@@ -2030,7 +2022,7 @@
       </p:pic>
       <p:pic>
         <p:nvPicPr>
-          <p:cNvPr id="183" name="Picture 9" descr="Picture 9"/>
+          <p:cNvPr id="163" name="Picture 9" descr="Picture 9"/>
           <p:cNvPicPr>
             <a:picLocks noChangeAspect="1"/>
           </p:cNvPicPr>
@@ -2047,7 +2039,7 @@
         <p:spPr>
           <a:xfrm>
             <a:off x="10585825" y="5929622"/>
-            <a:ext cx="1602998" cy="144271"/>
+            <a:ext cx="1602999" cy="144272"/>
           </a:xfrm>
           <a:prstGeom prst="rect">
             <a:avLst/>
@@ -2059,14 +2051,14 @@
       </p:pic>
       <p:sp>
         <p:nvSpPr>
-          <p:cNvPr id="184" name="Rectangle 10"/>
+          <p:cNvPr id="164" name="Rectangle 10"/>
           <p:cNvSpPr/>
           <p:nvPr/>
         </p:nvSpPr>
         <p:spPr>
           <a:xfrm>
-            <a:off x="-1" y="4567987"/>
-            <a:ext cx="10437814" cy="1368199"/>
+            <a:off x="-2" y="4567987"/>
+            <a:ext cx="10437816" cy="1368200"/>
           </a:xfrm>
           <a:prstGeom prst="rect">
             <a:avLst/>
@@ -2079,7 +2071,7 @@
           </a:ln>
         </p:spPr>
         <p:txBody>
-          <a:bodyPr lIns="45719" rIns="45719"/>
+          <a:bodyPr lIns="45718" tIns="45718" rIns="45718" bIns="45718"/>
           <a:lstStyle/>
           <a:p>
             <a:pPr>
@@ -2094,14 +2086,14 @@
       </p:sp>
       <p:sp>
         <p:nvSpPr>
-          <p:cNvPr id="185" name="Rectangle 11"/>
+          <p:cNvPr id="165" name="Rectangle 11"/>
           <p:cNvSpPr/>
           <p:nvPr/>
         </p:nvSpPr>
         <p:spPr>
           <a:xfrm>
-            <a:off x="10585826" y="4567987"/>
-            <a:ext cx="1602998" cy="1368199"/>
+            <a:off x="10585825" y="4567987"/>
+            <a:ext cx="1602999" cy="1368200"/>
           </a:xfrm>
           <a:prstGeom prst="rect">
             <a:avLst/>
@@ -2114,7 +2106,7 @@
           </a:ln>
         </p:spPr>
         <p:txBody>
-          <a:bodyPr lIns="45719" rIns="45719"/>
+          <a:bodyPr lIns="45718" tIns="45718" rIns="45718" bIns="45718"/>
           <a:lstStyle/>
           <a:p>
             <a:pPr>
@@ -2129,7 +2121,7 @@
       </p:sp>
       <p:sp>
         <p:nvSpPr>
-          <p:cNvPr id="186" name="Текст заголовка"/>
+          <p:cNvPr id="166" name="Текст заголовка"/>
           <p:cNvSpPr txBox="1"/>
           <p:nvPr>
             <p:ph type="title"/>
@@ -2138,7 +2130,7 @@
         <p:spPr>
           <a:xfrm>
             <a:off x="680318" y="4711615"/>
-            <a:ext cx="9613864" cy="588536"/>
+            <a:ext cx="9613865" cy="588537"/>
           </a:xfrm>
           <a:prstGeom prst="rect">
             <a:avLst/>
@@ -2161,7 +2153,7 @@
       </p:sp>
       <p:sp>
         <p:nvSpPr>
-          <p:cNvPr id="187" name="Уровень текста 1…"/>
+          <p:cNvPr id="167" name="Уровень текста 1…"/>
           <p:cNvSpPr txBox="1"/>
           <p:nvPr>
             <p:ph type="body" sz="quarter" idx="1"/>
@@ -2170,7 +2162,7 @@
         <p:spPr>
           <a:xfrm>
             <a:off x="680320" y="5300148"/>
-            <a:ext cx="9613863" cy="502256"/>
+            <a:ext cx="9613863" cy="502257"/>
           </a:xfrm>
           <a:prstGeom prst="rect">
             <a:avLst/>
@@ -2185,25 +2177,25 @@
               <a:buNone/>
               <a:defRPr sz="1600"/>
             </a:lvl1pPr>
-            <a:lvl2pPr marL="0" indent="457200">
+            <a:lvl2pPr marL="0" indent="0">
               <a:buSzTx/>
               <a:buFontTx/>
               <a:buNone/>
               <a:defRPr sz="1600"/>
             </a:lvl2pPr>
-            <a:lvl3pPr marL="0" indent="914400">
+            <a:lvl3pPr marL="0" indent="0">
               <a:buSzTx/>
               <a:buFontTx/>
               <a:buNone/>
               <a:defRPr sz="1600"/>
             </a:lvl3pPr>
-            <a:lvl4pPr marL="0" indent="1371600">
+            <a:lvl4pPr marL="0" indent="0">
               <a:buSzTx/>
               <a:buFontTx/>
               <a:buNone/>
               <a:defRPr sz="1600"/>
             </a:lvl4pPr>
-            <a:lvl5pPr marL="0" indent="1828800">
+            <a:lvl5pPr marL="0" indent="0">
               <a:buSzTx/>
               <a:buFontTx/>
               <a:buNone/>
@@ -2244,7 +2236,7 @@
       </p:sp>
       <p:sp>
         <p:nvSpPr>
-          <p:cNvPr id="188" name="Номер слайда"/>
+          <p:cNvPr id="168" name="Номер слайда"/>
           <p:cNvSpPr txBox="1"/>
           <p:nvPr>
             <p:ph type="sldNum" sz="quarter" idx="2"/>
@@ -2252,8 +2244,8 @@
         </p:nvSpPr>
         <p:spPr>
           <a:xfrm>
-            <a:off x="10729455" y="4942899"/>
-            <a:ext cx="583665" cy="624841"/>
+            <a:off x="10729455" y="4942900"/>
+            <a:ext cx="583663" cy="624839"/>
           </a:xfrm>
           <a:prstGeom prst="rect">
             <a:avLst/>
@@ -2278,7 +2270,7 @@
 </file>
 
 <file path=ppt/slideLayouts/slideLayout14.xml><?xml version="1.0" encoding="utf-8"?>
-<p:sldLayout xmlns:a="http://schemas.openxmlformats.org/drawingml/2006/main" xmlns:r="http://schemas.openxmlformats.org/officeDocument/2006/relationships" xmlns:p="http://schemas.openxmlformats.org/presentationml/2006/main" xmlns:m="http://schemas.openxmlformats.org/officeDocument/2006/math" xmlns:a14="http://schemas.microsoft.com/office/drawing/2010/main" type="tx" showMasterSp="0" showMasterPhAnim="1">
+<p:sldLayout xmlns:a="http://schemas.openxmlformats.org/drawingml/2006/main" xmlns:r="http://schemas.openxmlformats.org/officeDocument/2006/relationships" xmlns:p="http://schemas.openxmlformats.org/presentationml/2006/main" xmlns:m="http://schemas.openxmlformats.org/officeDocument/2006/math" xmlns:a14="http://schemas.microsoft.com/office/drawing/2010/main" type="tx" showMasterSp="1" showMasterPhAnim="1">
   <p:cSld name="Три колонки">
     <p:spTree>
       <p:nvGrpSpPr>
@@ -2294,166 +2286,9 @@
           <a:chExt cx="0" cy="0"/>
         </a:xfrm>
       </p:grpSpPr>
-      <p:pic>
-        <p:nvPicPr>
-          <p:cNvPr id="195" name="Picture 6" descr="Picture 6"/>
-          <p:cNvPicPr>
-            <a:picLocks noChangeAspect="1"/>
-          </p:cNvPicPr>
-          <p:nvPr/>
-        </p:nvPicPr>
-        <p:blipFill>
-          <a:blip r:embed="rId2">
-            <a:extLst/>
-          </a:blip>
-          <a:stretch>
-            <a:fillRect/>
-          </a:stretch>
-        </p:blipFill>
-        <p:spPr>
-          <a:xfrm>
-            <a:off x="0" y="0"/>
-            <a:ext cx="12192000" cy="6858000"/>
-          </a:xfrm>
-          <a:prstGeom prst="rect">
-            <a:avLst/>
-          </a:prstGeom>
-          <a:ln w="12700">
-            <a:miter lim="400000"/>
-          </a:ln>
-        </p:spPr>
-      </p:pic>
-      <p:pic>
-        <p:nvPicPr>
-          <p:cNvPr id="196" name="Picture 12" descr="Picture 12"/>
-          <p:cNvPicPr>
-            <a:picLocks noChangeAspect="1"/>
-          </p:cNvPicPr>
-          <p:nvPr/>
-        </p:nvPicPr>
-        <p:blipFill>
-          <a:blip r:embed="rId3">
-            <a:extLst/>
-          </a:blip>
-          <a:stretch>
-            <a:fillRect/>
-          </a:stretch>
-        </p:blipFill>
-        <p:spPr>
-          <a:xfrm>
-            <a:off x="1" y="1970240"/>
-            <a:ext cx="10437812" cy="321165"/>
-          </a:xfrm>
-          <a:prstGeom prst="rect">
-            <a:avLst/>
-          </a:prstGeom>
-          <a:ln w="12700">
-            <a:miter lim="400000"/>
-          </a:ln>
-        </p:spPr>
-      </p:pic>
-      <p:pic>
-        <p:nvPicPr>
-          <p:cNvPr id="197" name="Picture 13" descr="Picture 13"/>
-          <p:cNvPicPr>
-            <a:picLocks noChangeAspect="1"/>
-          </p:cNvPicPr>
-          <p:nvPr/>
-        </p:nvPicPr>
-        <p:blipFill>
-          <a:blip r:embed="rId4">
-            <a:extLst/>
-          </a:blip>
-          <a:stretch>
-            <a:fillRect/>
-          </a:stretch>
-        </p:blipFill>
-        <p:spPr>
-          <a:xfrm>
-            <a:off x="10585825" y="1971233"/>
-            <a:ext cx="1602998" cy="144271"/>
-          </a:xfrm>
-          <a:prstGeom prst="rect">
-            <a:avLst/>
-          </a:prstGeom>
-          <a:ln w="12700">
-            <a:miter lim="400000"/>
-          </a:ln>
-        </p:spPr>
-      </p:pic>
-      <p:sp>
-        <p:nvSpPr>
-          <p:cNvPr id="198" name="Rectangle 15"/>
-          <p:cNvSpPr/>
-          <p:nvPr/>
-        </p:nvSpPr>
-        <p:spPr>
-          <a:xfrm>
-            <a:off x="-1" y="609600"/>
-            <a:ext cx="10437814" cy="1368198"/>
-          </a:xfrm>
-          <a:prstGeom prst="rect">
-            <a:avLst/>
-          </a:prstGeom>
-          <a:solidFill>
-            <a:srgbClr val="262626"/>
-          </a:solidFill>
-          <a:ln w="12700">
-            <a:miter lim="400000"/>
-          </a:ln>
-        </p:spPr>
-        <p:txBody>
-          <a:bodyPr lIns="45719" rIns="45719"/>
-          <a:lstStyle/>
-          <a:p>
-            <a:pPr>
-              <a:defRPr>
-                <a:solidFill>
-                  <a:srgbClr val="FFFFFF"/>
-                </a:solidFill>
-              </a:defRPr>
-            </a:pPr>
-          </a:p>
-        </p:txBody>
-      </p:sp>
-      <p:sp>
-        <p:nvSpPr>
-          <p:cNvPr id="199" name="Rectangle 16"/>
-          <p:cNvSpPr/>
-          <p:nvPr/>
-        </p:nvSpPr>
-        <p:spPr>
-          <a:xfrm>
-            <a:off x="10585826" y="609600"/>
-            <a:ext cx="1602998" cy="1368198"/>
-          </a:xfrm>
-          <a:prstGeom prst="rect">
-            <a:avLst/>
-          </a:prstGeom>
-          <a:solidFill>
-            <a:schemeClr val="accent1"/>
-          </a:solidFill>
-          <a:ln w="12700">
-            <a:miter lim="400000"/>
-          </a:ln>
-        </p:spPr>
-        <p:txBody>
-          <a:bodyPr lIns="45719" rIns="45719"/>
-          <a:lstStyle/>
-          <a:p>
-            <a:pPr>
-              <a:defRPr>
-                <a:solidFill>
-                  <a:srgbClr val="FFFFFF"/>
-                </a:solidFill>
-              </a:defRPr>
-            </a:pPr>
-          </a:p>
-        </p:txBody>
-      </p:sp>
-      <p:sp>
-        <p:nvSpPr>
-          <p:cNvPr id="200" name="Текст заголовка"/>
+      <p:sp>
+        <p:nvSpPr>
+          <p:cNvPr id="175" name="Текст заголовка"/>
           <p:cNvSpPr txBox="1"/>
           <p:nvPr>
             <p:ph type="title"/>
@@ -2462,7 +2297,7 @@
         <p:spPr>
           <a:xfrm>
             <a:off x="669221" y="753228"/>
-            <a:ext cx="9624961" cy="1080938"/>
+            <a:ext cx="9624962" cy="1080938"/>
           </a:xfrm>
           <a:prstGeom prst="rect">
             <a:avLst/>
@@ -2481,7 +2316,7 @@
       </p:sp>
       <p:sp>
         <p:nvSpPr>
-          <p:cNvPr id="201" name="Уровень текста 1…"/>
+          <p:cNvPr id="176" name="Уровень текста 1…"/>
           <p:cNvSpPr txBox="1"/>
           <p:nvPr>
             <p:ph type="body" sz="quarter" idx="1"/>
@@ -2489,8 +2324,8 @@
         </p:nvSpPr>
         <p:spPr>
           <a:xfrm>
-            <a:off x="660945" y="2336873"/>
-            <a:ext cx="3070035" cy="576263"/>
+            <a:off x="660944" y="2336873"/>
+            <a:ext cx="3070037" cy="576264"/>
           </a:xfrm>
           <a:prstGeom prst="rect">
             <a:avLst/>
@@ -2504,22 +2339,22 @@
               <a:buFontTx/>
               <a:buNone/>
             </a:lvl1pPr>
-            <a:lvl2pPr marL="0" indent="457200">
+            <a:lvl2pPr marL="0" indent="0">
               <a:buSzTx/>
               <a:buFontTx/>
               <a:buNone/>
             </a:lvl2pPr>
-            <a:lvl3pPr marL="0" indent="914400">
+            <a:lvl3pPr marL="0" indent="0">
               <a:buSzTx/>
               <a:buFontTx/>
               <a:buNone/>
             </a:lvl3pPr>
-            <a:lvl4pPr marL="0" indent="1371600">
+            <a:lvl4pPr marL="0" indent="0">
               <a:buSzTx/>
               <a:buFontTx/>
               <a:buNone/>
             </a:lvl4pPr>
-            <a:lvl5pPr marL="0" indent="1828800">
+            <a:lvl5pPr marL="0" indent="0">
               <a:buSzTx/>
               <a:buFontTx/>
               <a:buNone/>
@@ -2559,7 +2394,7 @@
       </p:sp>
       <p:sp>
         <p:nvSpPr>
-          <p:cNvPr id="202" name="Text Placeholder 3"/>
+          <p:cNvPr id="177" name="Text Placeholder 3"/>
           <p:cNvSpPr/>
           <p:nvPr>
             <p:ph type="body" sz="quarter" idx="21"/>
@@ -2568,7 +2403,7 @@
         <p:spPr>
           <a:xfrm>
             <a:off x="680321" y="3022673"/>
-            <a:ext cx="3049704" cy="2913514"/>
+            <a:ext cx="3049705" cy="2913515"/>
           </a:xfrm>
           <a:prstGeom prst="rect">
             <a:avLst/>
@@ -2578,18 +2413,13 @@
           <a:bodyPr/>
           <a:lstStyle/>
           <a:p>
-            <a:pPr marL="0" indent="0">
-              <a:buSzTx/>
-              <a:buFontTx/>
-              <a:buNone/>
-              <a:defRPr sz="1400"/>
-            </a:pPr>
-          </a:p>
-        </p:txBody>
-      </p:sp>
-      <p:sp>
-        <p:nvSpPr>
-          <p:cNvPr id="203" name="Text Placeholder 4"/>
+            <a:pPr/>
+          </a:p>
+        </p:txBody>
+      </p:sp>
+      <p:sp>
+        <p:nvSpPr>
+          <p:cNvPr id="178" name="Text Placeholder 4"/>
           <p:cNvSpPr/>
           <p:nvPr>
             <p:ph type="body" sz="quarter" idx="22"/>
@@ -2597,8 +2427,8 @@
         </p:nvSpPr>
         <p:spPr>
           <a:xfrm>
-            <a:off x="3956024" y="2336873"/>
-            <a:ext cx="3063241" cy="576263"/>
+            <a:off x="3956023" y="2336873"/>
+            <a:ext cx="3063243" cy="576264"/>
           </a:xfrm>
           <a:prstGeom prst="rect">
             <a:avLst/>
@@ -2608,17 +2438,13 @@
           <a:bodyPr anchor="b"/>
           <a:lstStyle/>
           <a:p>
-            <a:pPr marL="0" indent="0">
-              <a:buSzTx/>
-              <a:buFontTx/>
-              <a:buNone/>
-            </a:pPr>
-          </a:p>
-        </p:txBody>
-      </p:sp>
-      <p:sp>
-        <p:nvSpPr>
-          <p:cNvPr id="204" name="Text Placeholder 3"/>
+            <a:pPr/>
+          </a:p>
+        </p:txBody>
+      </p:sp>
+      <p:sp>
+        <p:nvSpPr>
+          <p:cNvPr id="179" name="Text Placeholder 3"/>
           <p:cNvSpPr/>
           <p:nvPr>
             <p:ph type="body" sz="quarter" idx="23"/>
@@ -2626,8 +2452,8 @@
         </p:nvSpPr>
         <p:spPr>
           <a:xfrm>
-            <a:off x="3945470" y="3022673"/>
-            <a:ext cx="3063241" cy="2913514"/>
+            <a:off x="3945469" y="3022673"/>
+            <a:ext cx="3063243" cy="2913515"/>
           </a:xfrm>
           <a:prstGeom prst="rect">
             <a:avLst/>
@@ -2637,18 +2463,13 @@
           <a:bodyPr/>
           <a:lstStyle/>
           <a:p>
-            <a:pPr marL="0" indent="0">
-              <a:buSzTx/>
-              <a:buFontTx/>
-              <a:buNone/>
-              <a:defRPr sz="1400"/>
-            </a:pPr>
-          </a:p>
-        </p:txBody>
-      </p:sp>
-      <p:sp>
-        <p:nvSpPr>
-          <p:cNvPr id="205" name="Text Placeholder 4"/>
+            <a:pPr/>
+          </a:p>
+        </p:txBody>
+      </p:sp>
+      <p:sp>
+        <p:nvSpPr>
+          <p:cNvPr id="180" name="Text Placeholder 4"/>
           <p:cNvSpPr/>
           <p:nvPr>
             <p:ph type="body" sz="quarter" idx="24"/>
@@ -2657,7 +2478,7 @@
         <p:spPr>
           <a:xfrm>
             <a:off x="7224155" y="2336873"/>
-            <a:ext cx="3070026" cy="576263"/>
+            <a:ext cx="3070027" cy="576264"/>
           </a:xfrm>
           <a:prstGeom prst="rect">
             <a:avLst/>
@@ -2667,17 +2488,13 @@
           <a:bodyPr anchor="b"/>
           <a:lstStyle/>
           <a:p>
-            <a:pPr marL="0" indent="0">
-              <a:buSzTx/>
-              <a:buFontTx/>
-              <a:buNone/>
-            </a:pPr>
-          </a:p>
-        </p:txBody>
-      </p:sp>
-      <p:sp>
-        <p:nvSpPr>
-          <p:cNvPr id="206" name="Text Placeholder 3"/>
+            <a:pPr/>
+          </a:p>
+        </p:txBody>
+      </p:sp>
+      <p:sp>
+        <p:nvSpPr>
+          <p:cNvPr id="181" name="Text Placeholder 3"/>
           <p:cNvSpPr/>
           <p:nvPr>
             <p:ph type="body" sz="quarter" idx="25"/>
@@ -2686,7 +2503,7 @@
         <p:spPr>
           <a:xfrm>
             <a:off x="7224155" y="3022673"/>
-            <a:ext cx="3070026" cy="2913514"/>
+            <a:ext cx="3070027" cy="2913515"/>
           </a:xfrm>
           <a:prstGeom prst="rect">
             <a:avLst/>
@@ -2696,18 +2513,13 @@
           <a:bodyPr/>
           <a:lstStyle/>
           <a:p>
-            <a:pPr marL="0" indent="0">
-              <a:buSzTx/>
-              <a:buFontTx/>
-              <a:buNone/>
-              <a:defRPr sz="1400"/>
-            </a:pPr>
-          </a:p>
-        </p:txBody>
-      </p:sp>
-      <p:sp>
-        <p:nvSpPr>
-          <p:cNvPr id="207" name="Номер слайда"/>
+            <a:pPr/>
+          </a:p>
+        </p:txBody>
+      </p:sp>
+      <p:sp>
+        <p:nvSpPr>
+          <p:cNvPr id="182" name="Номер слайда"/>
           <p:cNvSpPr txBox="1"/>
           <p:nvPr>
             <p:ph type="sldNum" sz="quarter" idx="2"/>
@@ -2737,7 +2549,7 @@
 </file>
 
 <file path=ppt/slideLayouts/slideLayout15.xml><?xml version="1.0" encoding="utf-8"?>
-<p:sldLayout xmlns:a="http://schemas.openxmlformats.org/drawingml/2006/main" xmlns:r="http://schemas.openxmlformats.org/officeDocument/2006/relationships" xmlns:p="http://schemas.openxmlformats.org/presentationml/2006/main" xmlns:m="http://schemas.openxmlformats.org/officeDocument/2006/math" xmlns:a14="http://schemas.microsoft.com/office/drawing/2010/main" type="tx" showMasterSp="0" showMasterPhAnim="1">
+<p:sldLayout xmlns:a="http://schemas.openxmlformats.org/drawingml/2006/main" xmlns:r="http://schemas.openxmlformats.org/officeDocument/2006/relationships" xmlns:p="http://schemas.openxmlformats.org/presentationml/2006/main" xmlns:m="http://schemas.openxmlformats.org/officeDocument/2006/math" xmlns:a14="http://schemas.microsoft.com/office/drawing/2010/main" type="tx" showMasterSp="1" showMasterPhAnim="1">
   <p:cSld name="Столбец с тремя рисунками">
     <p:spTree>
       <p:nvGrpSpPr>
@@ -2753,166 +2565,9 @@
           <a:chExt cx="0" cy="0"/>
         </a:xfrm>
       </p:grpSpPr>
-      <p:pic>
-        <p:nvPicPr>
-          <p:cNvPr id="214" name="Picture 6" descr="Picture 6"/>
-          <p:cNvPicPr>
-            <a:picLocks noChangeAspect="1"/>
-          </p:cNvPicPr>
-          <p:nvPr/>
-        </p:nvPicPr>
-        <p:blipFill>
-          <a:blip r:embed="rId2">
-            <a:extLst/>
-          </a:blip>
-          <a:stretch>
-            <a:fillRect/>
-          </a:stretch>
-        </p:blipFill>
-        <p:spPr>
-          <a:xfrm>
-            <a:off x="0" y="0"/>
-            <a:ext cx="12192000" cy="6858000"/>
-          </a:xfrm>
-          <a:prstGeom prst="rect">
-            <a:avLst/>
-          </a:prstGeom>
-          <a:ln w="12700">
-            <a:miter lim="400000"/>
-          </a:ln>
-        </p:spPr>
-      </p:pic>
-      <p:pic>
-        <p:nvPicPr>
-          <p:cNvPr id="215" name="Picture 14" descr="Picture 14"/>
-          <p:cNvPicPr>
-            <a:picLocks noChangeAspect="1"/>
-          </p:cNvPicPr>
-          <p:nvPr/>
-        </p:nvPicPr>
-        <p:blipFill>
-          <a:blip r:embed="rId3">
-            <a:extLst/>
-          </a:blip>
-          <a:stretch>
-            <a:fillRect/>
-          </a:stretch>
-        </p:blipFill>
-        <p:spPr>
-          <a:xfrm>
-            <a:off x="1" y="1970240"/>
-            <a:ext cx="10437812" cy="321165"/>
-          </a:xfrm>
-          <a:prstGeom prst="rect">
-            <a:avLst/>
-          </a:prstGeom>
-          <a:ln w="12700">
-            <a:miter lim="400000"/>
-          </a:ln>
-        </p:spPr>
-      </p:pic>
-      <p:pic>
-        <p:nvPicPr>
-          <p:cNvPr id="216" name="Picture 15" descr="Picture 15"/>
-          <p:cNvPicPr>
-            <a:picLocks noChangeAspect="1"/>
-          </p:cNvPicPr>
-          <p:nvPr/>
-        </p:nvPicPr>
-        <p:blipFill>
-          <a:blip r:embed="rId4">
-            <a:extLst/>
-          </a:blip>
-          <a:stretch>
-            <a:fillRect/>
-          </a:stretch>
-        </p:blipFill>
-        <p:spPr>
-          <a:xfrm>
-            <a:off x="10585825" y="1971233"/>
-            <a:ext cx="1602998" cy="144271"/>
-          </a:xfrm>
-          <a:prstGeom prst="rect">
-            <a:avLst/>
-          </a:prstGeom>
-          <a:ln w="12700">
-            <a:miter lim="400000"/>
-          </a:ln>
-        </p:spPr>
-      </p:pic>
-      <p:sp>
-        <p:nvSpPr>
-          <p:cNvPr id="217" name="Rectangle 16"/>
-          <p:cNvSpPr/>
-          <p:nvPr/>
-        </p:nvSpPr>
-        <p:spPr>
-          <a:xfrm>
-            <a:off x="-1" y="609600"/>
-            <a:ext cx="10437814" cy="1368198"/>
-          </a:xfrm>
-          <a:prstGeom prst="rect">
-            <a:avLst/>
-          </a:prstGeom>
-          <a:solidFill>
-            <a:srgbClr val="262626"/>
-          </a:solidFill>
-          <a:ln w="12700">
-            <a:miter lim="400000"/>
-          </a:ln>
-        </p:spPr>
-        <p:txBody>
-          <a:bodyPr lIns="45719" rIns="45719"/>
-          <a:lstStyle/>
-          <a:p>
-            <a:pPr>
-              <a:defRPr>
-                <a:solidFill>
-                  <a:srgbClr val="FFFFFF"/>
-                </a:solidFill>
-              </a:defRPr>
-            </a:pPr>
-          </a:p>
-        </p:txBody>
-      </p:sp>
-      <p:sp>
-        <p:nvSpPr>
-          <p:cNvPr id="218" name="Rectangle 17"/>
-          <p:cNvSpPr/>
-          <p:nvPr/>
-        </p:nvSpPr>
-        <p:spPr>
-          <a:xfrm>
-            <a:off x="10585826" y="609600"/>
-            <a:ext cx="1602998" cy="1368198"/>
-          </a:xfrm>
-          <a:prstGeom prst="rect">
-            <a:avLst/>
-          </a:prstGeom>
-          <a:solidFill>
-            <a:schemeClr val="accent1"/>
-          </a:solidFill>
-          <a:ln w="12700">
-            <a:miter lim="400000"/>
-          </a:ln>
-        </p:spPr>
-        <p:txBody>
-          <a:bodyPr lIns="45719" rIns="45719"/>
-          <a:lstStyle/>
-          <a:p>
-            <a:pPr>
-              <a:defRPr>
-                <a:solidFill>
-                  <a:srgbClr val="FFFFFF"/>
-                </a:solidFill>
-              </a:defRPr>
-            </a:pPr>
-          </a:p>
-        </p:txBody>
-      </p:sp>
-      <p:sp>
-        <p:nvSpPr>
-          <p:cNvPr id="219" name="Текст заголовка"/>
+      <p:sp>
+        <p:nvSpPr>
+          <p:cNvPr id="189" name="Текст заголовка"/>
           <p:cNvSpPr txBox="1"/>
           <p:nvPr>
             <p:ph type="title"/>
@@ -2921,7 +2576,7 @@
         <p:spPr>
           <a:xfrm>
             <a:off x="680321" y="753228"/>
-            <a:ext cx="9613861" cy="1080938"/>
+            <a:ext cx="9613862" cy="1080938"/>
           </a:xfrm>
           <a:prstGeom prst="rect">
             <a:avLst/>
@@ -2940,7 +2595,7 @@
       </p:sp>
       <p:sp>
         <p:nvSpPr>
-          <p:cNvPr id="220" name="Уровень текста 1…"/>
+          <p:cNvPr id="190" name="Уровень текста 1…"/>
           <p:cNvSpPr txBox="1"/>
           <p:nvPr>
             <p:ph type="body" sz="quarter" idx="1"/>
@@ -2949,7 +2604,7 @@
         <p:spPr>
           <a:xfrm>
             <a:off x="680318" y="4297503"/>
-            <a:ext cx="3049705" cy="576263"/>
+            <a:ext cx="3049705" cy="576264"/>
           </a:xfrm>
           <a:prstGeom prst="rect">
             <a:avLst/>
@@ -2963,22 +2618,22 @@
               <a:buFontTx/>
               <a:buNone/>
             </a:lvl1pPr>
-            <a:lvl2pPr marL="0" indent="457200">
+            <a:lvl2pPr marL="0" indent="0">
               <a:buSzTx/>
               <a:buFontTx/>
               <a:buNone/>
             </a:lvl2pPr>
-            <a:lvl3pPr marL="0" indent="914400">
+            <a:lvl3pPr marL="0" indent="0">
               <a:buSzTx/>
               <a:buFontTx/>
               <a:buNone/>
             </a:lvl3pPr>
-            <a:lvl4pPr marL="0" indent="1371600">
+            <a:lvl4pPr marL="0" indent="0">
               <a:buSzTx/>
               <a:buFontTx/>
               <a:buNone/>
             </a:lvl4pPr>
-            <a:lvl5pPr marL="0" indent="1828800">
+            <a:lvl5pPr marL="0" indent="0">
               <a:buSzTx/>
               <a:buFontTx/>
               <a:buNone/>
@@ -3018,7 +2673,7 @@
       </p:sp>
       <p:sp>
         <p:nvSpPr>
-          <p:cNvPr id="221" name="Picture Placeholder 2"/>
+          <p:cNvPr id="191" name="Picture Placeholder 2"/>
           <p:cNvSpPr/>
           <p:nvPr>
             <p:ph type="pic" sz="quarter" idx="21"/>
@@ -3027,7 +2682,7 @@
         <p:spPr>
           <a:xfrm>
             <a:off x="680317" y="2336873"/>
-            <a:ext cx="3049707" cy="1524001"/>
+            <a:ext cx="3049708" cy="1524002"/>
           </a:xfrm>
           <a:prstGeom prst="rect">
             <a:avLst/>
@@ -3041,7 +2696,7 @@
           </a:effectLst>
         </p:spPr>
         <p:txBody>
-          <a:bodyPr lIns="91439" rIns="91439">
+          <a:bodyPr lIns="91439" tIns="45719" rIns="91439" bIns="45719">
             <a:noAutofit/>
           </a:bodyPr>
           <a:lstStyle/>
@@ -3052,7 +2707,7 @@
       </p:sp>
       <p:sp>
         <p:nvSpPr>
-          <p:cNvPr id="222" name="Text Placeholder 3"/>
+          <p:cNvPr id="192" name="Text Placeholder 3"/>
           <p:cNvSpPr/>
           <p:nvPr>
             <p:ph type="body" sz="quarter" idx="22"/>
@@ -3060,8 +2715,8 @@
         </p:nvSpPr>
         <p:spPr>
           <a:xfrm>
-            <a:off x="680317" y="4873764"/>
-            <a:ext cx="3049707" cy="1062423"/>
+            <a:off x="680316" y="4873764"/>
+            <a:ext cx="3049709" cy="1062424"/>
           </a:xfrm>
           <a:prstGeom prst="rect">
             <a:avLst/>
@@ -3071,18 +2726,13 @@
           <a:bodyPr/>
           <a:lstStyle/>
           <a:p>
-            <a:pPr marL="0" indent="0">
-              <a:buSzTx/>
-              <a:buFontTx/>
-              <a:buNone/>
-              <a:defRPr sz="1400"/>
-            </a:pPr>
-          </a:p>
-        </p:txBody>
-      </p:sp>
-      <p:sp>
-        <p:nvSpPr>
-          <p:cNvPr id="223" name="Text Placeholder 4"/>
+            <a:pPr/>
+          </a:p>
+        </p:txBody>
+      </p:sp>
+      <p:sp>
+        <p:nvSpPr>
+          <p:cNvPr id="193" name="Text Placeholder 4"/>
           <p:cNvSpPr/>
           <p:nvPr>
             <p:ph type="body" sz="quarter" idx="23"/>
@@ -3091,7 +2741,7 @@
         <p:spPr>
           <a:xfrm>
             <a:off x="3945471" y="4297503"/>
-            <a:ext cx="3063241" cy="576263"/>
+            <a:ext cx="3063242" cy="576264"/>
           </a:xfrm>
           <a:prstGeom prst="rect">
             <a:avLst/>
@@ -3101,17 +2751,13 @@
           <a:bodyPr anchor="b"/>
           <a:lstStyle/>
           <a:p>
-            <a:pPr marL="0" indent="0">
-              <a:buSzTx/>
-              <a:buFontTx/>
-              <a:buNone/>
-            </a:pPr>
-          </a:p>
-        </p:txBody>
-      </p:sp>
-      <p:sp>
-        <p:nvSpPr>
-          <p:cNvPr id="224" name="Picture Placeholder 2"/>
+            <a:pPr/>
+          </a:p>
+        </p:txBody>
+      </p:sp>
+      <p:sp>
+        <p:nvSpPr>
+          <p:cNvPr id="194" name="Picture Placeholder 2"/>
           <p:cNvSpPr/>
           <p:nvPr>
             <p:ph type="pic" sz="quarter" idx="24"/>
@@ -3120,7 +2766,7 @@
         <p:spPr>
           <a:xfrm>
             <a:off x="3945470" y="2336873"/>
-            <a:ext cx="3063241" cy="1524001"/>
+            <a:ext cx="3063241" cy="1524002"/>
           </a:xfrm>
           <a:prstGeom prst="rect">
             <a:avLst/>
@@ -3134,7 +2780,7 @@
           </a:effectLst>
         </p:spPr>
         <p:txBody>
-          <a:bodyPr lIns="91439" rIns="91439">
+          <a:bodyPr lIns="91439" tIns="45719" rIns="91439" bIns="45719">
             <a:noAutofit/>
           </a:bodyPr>
           <a:lstStyle/>
@@ -3145,7 +2791,7 @@
       </p:sp>
       <p:sp>
         <p:nvSpPr>
-          <p:cNvPr id="225" name="Text Placeholder 3"/>
+          <p:cNvPr id="195" name="Text Placeholder 3"/>
           <p:cNvSpPr/>
           <p:nvPr>
             <p:ph type="body" sz="quarter" idx="25"/>
@@ -3153,8 +2799,8 @@
         </p:nvSpPr>
         <p:spPr>
           <a:xfrm>
-            <a:off x="3944116" y="4873764"/>
-            <a:ext cx="3067299" cy="1062423"/>
+            <a:off x="3944115" y="4873764"/>
+            <a:ext cx="3067300" cy="1062424"/>
           </a:xfrm>
           <a:prstGeom prst="rect">
             <a:avLst/>
@@ -3164,18 +2810,13 @@
           <a:bodyPr/>
           <a:lstStyle/>
           <a:p>
-            <a:pPr marL="0" indent="0">
-              <a:buSzTx/>
-              <a:buFontTx/>
-              <a:buNone/>
-              <a:defRPr sz="1400"/>
-            </a:pPr>
-          </a:p>
-        </p:txBody>
-      </p:sp>
-      <p:sp>
-        <p:nvSpPr>
-          <p:cNvPr id="226" name="Text Placeholder 4"/>
+            <a:pPr/>
+          </a:p>
+        </p:txBody>
+      </p:sp>
+      <p:sp>
+        <p:nvSpPr>
+          <p:cNvPr id="196" name="Text Placeholder 4"/>
           <p:cNvSpPr/>
           <p:nvPr>
             <p:ph type="body" sz="quarter" idx="26"/>
@@ -3184,7 +2825,7 @@
         <p:spPr>
           <a:xfrm>
             <a:off x="7230677" y="4297503"/>
-            <a:ext cx="3063507" cy="576263"/>
+            <a:ext cx="3063508" cy="576264"/>
           </a:xfrm>
           <a:prstGeom prst="rect">
             <a:avLst/>
@@ -3194,17 +2835,13 @@
           <a:bodyPr anchor="b"/>
           <a:lstStyle/>
           <a:p>
-            <a:pPr marL="0" indent="0">
-              <a:buSzTx/>
-              <a:buFontTx/>
-              <a:buNone/>
-            </a:pPr>
-          </a:p>
-        </p:txBody>
-      </p:sp>
-      <p:sp>
-        <p:nvSpPr>
-          <p:cNvPr id="227" name="Picture Placeholder 2"/>
+            <a:pPr/>
+          </a:p>
+        </p:txBody>
+      </p:sp>
+      <p:sp>
+        <p:nvSpPr>
+          <p:cNvPr id="197" name="Picture Placeholder 2"/>
           <p:cNvSpPr/>
           <p:nvPr>
             <p:ph type="pic" sz="quarter" idx="27"/>
@@ -3213,7 +2850,7 @@
         <p:spPr>
           <a:xfrm>
             <a:off x="7230677" y="2336873"/>
-            <a:ext cx="3063506" cy="1524001"/>
+            <a:ext cx="3063507" cy="1524002"/>
           </a:xfrm>
           <a:prstGeom prst="rect">
             <a:avLst/>
@@ -3227,7 +2864,7 @@
           </a:effectLst>
         </p:spPr>
         <p:txBody>
-          <a:bodyPr lIns="91439" rIns="91439">
+          <a:bodyPr lIns="91439" tIns="45719" rIns="91439" bIns="45719">
             <a:noAutofit/>
           </a:bodyPr>
           <a:lstStyle/>
@@ -3238,7 +2875,7 @@
       </p:sp>
       <p:sp>
         <p:nvSpPr>
-          <p:cNvPr id="228" name="Text Placeholder 3"/>
+          <p:cNvPr id="198" name="Text Placeholder 3"/>
           <p:cNvSpPr/>
           <p:nvPr>
             <p:ph type="body" sz="quarter" idx="28"/>
@@ -3247,7 +2884,7 @@
         <p:spPr>
           <a:xfrm>
             <a:off x="7230553" y="4873761"/>
-            <a:ext cx="3067564" cy="1062423"/>
+            <a:ext cx="3067565" cy="1062424"/>
           </a:xfrm>
           <a:prstGeom prst="rect">
             <a:avLst/>
@@ -3257,18 +2894,13 @@
           <a:bodyPr/>
           <a:lstStyle/>
           <a:p>
-            <a:pPr marL="0" indent="0">
-              <a:buSzTx/>
-              <a:buFontTx/>
-              <a:buNone/>
-              <a:defRPr sz="1400"/>
-            </a:pPr>
-          </a:p>
-        </p:txBody>
-      </p:sp>
-      <p:sp>
-        <p:nvSpPr>
-          <p:cNvPr id="229" name="Номер слайда"/>
+            <a:pPr/>
+          </a:p>
+        </p:txBody>
+      </p:sp>
+      <p:sp>
+        <p:nvSpPr>
+          <p:cNvPr id="199" name="Номер слайда"/>
           <p:cNvSpPr txBox="1"/>
           <p:nvPr>
             <p:ph type="sldNum" sz="quarter" idx="2"/>
@@ -3316,7 +2948,7 @@
       </p:grpSpPr>
       <p:pic>
         <p:nvPicPr>
-          <p:cNvPr id="28" name="Picture 6" descr="Picture 6"/>
+          <p:cNvPr id="30" name="Picture 6" descr="Picture 6"/>
           <p:cNvPicPr>
             <a:picLocks noChangeAspect="1"/>
           </p:cNvPicPr>
@@ -3345,7 +2977,7 @@
       </p:pic>
       <p:pic>
         <p:nvPicPr>
-          <p:cNvPr id="29" name="Picture 14" descr="Picture 14"/>
+          <p:cNvPr id="31" name="Picture 14" descr="Picture 14"/>
           <p:cNvPicPr>
             <a:picLocks noChangeAspect="1"/>
           </p:cNvPicPr>
@@ -3374,7 +3006,7 @@
       </p:pic>
       <p:pic>
         <p:nvPicPr>
-          <p:cNvPr id="30" name="Picture 15" descr="Picture 15"/>
+          <p:cNvPr id="32" name="Picture 15" descr="Picture 15"/>
           <p:cNvPicPr>
             <a:picLocks noChangeAspect="1"/>
           </p:cNvPicPr>
@@ -3390,8 +3022,8 @@
         </p:blipFill>
         <p:spPr>
           <a:xfrm>
-            <a:off x="10585825" y="1971233"/>
-            <a:ext cx="1602998" cy="144271"/>
+            <a:off x="10585825" y="1971232"/>
+            <a:ext cx="1602999" cy="144272"/>
           </a:xfrm>
           <a:prstGeom prst="rect">
             <a:avLst/>
@@ -3403,14 +3035,14 @@
       </p:pic>
       <p:sp>
         <p:nvSpPr>
-          <p:cNvPr id="31" name="Rectangle 16"/>
+          <p:cNvPr id="33" name="Rectangle 16"/>
           <p:cNvSpPr/>
           <p:nvPr/>
         </p:nvSpPr>
         <p:spPr>
           <a:xfrm>
-            <a:off x="-1" y="609600"/>
-            <a:ext cx="10437814" cy="1368198"/>
+            <a:off x="-2" y="609600"/>
+            <a:ext cx="10437816" cy="1368198"/>
           </a:xfrm>
           <a:prstGeom prst="rect">
             <a:avLst/>
@@ -3423,7 +3055,7 @@
           </a:ln>
         </p:spPr>
         <p:txBody>
-          <a:bodyPr lIns="45719" rIns="45719"/>
+          <a:bodyPr lIns="45718" tIns="45718" rIns="45718" bIns="45718"/>
           <a:lstStyle/>
           <a:p>
             <a:pPr>
@@ -3438,14 +3070,14 @@
       </p:sp>
       <p:sp>
         <p:nvSpPr>
-          <p:cNvPr id="32" name="Rectangle 17"/>
+          <p:cNvPr id="34" name="Rectangle 17"/>
           <p:cNvSpPr/>
           <p:nvPr/>
         </p:nvSpPr>
         <p:spPr>
           <a:xfrm>
-            <a:off x="10585826" y="609600"/>
-            <a:ext cx="1602998" cy="1368198"/>
+            <a:off x="10585825" y="609600"/>
+            <a:ext cx="1602999" cy="1368198"/>
           </a:xfrm>
           <a:prstGeom prst="rect">
             <a:avLst/>
@@ -3458,7 +3090,7 @@
           </a:ln>
         </p:spPr>
         <p:txBody>
-          <a:bodyPr lIns="45719" rIns="45719"/>
+          <a:bodyPr lIns="45718" tIns="45718" rIns="45718" bIns="45718"/>
           <a:lstStyle/>
           <a:p>
             <a:pPr>
@@ -3473,17 +3105,13 @@
       </p:sp>
       <p:sp>
         <p:nvSpPr>
-          <p:cNvPr id="33" name="Текст заголовка"/>
+          <p:cNvPr id="35" name="Текст заголовка"/>
           <p:cNvSpPr txBox="1"/>
           <p:nvPr>
             <p:ph type="title"/>
           </p:nvPr>
         </p:nvSpPr>
         <p:spPr>
-          <a:xfrm>
-            <a:off x="680321" y="753228"/>
-            <a:ext cx="9613862" cy="1080938"/>
-          </a:xfrm>
           <a:prstGeom prst="rect">
             <a:avLst/>
           </a:prstGeom>
@@ -3501,7 +3129,7 @@
       </p:sp>
       <p:sp>
         <p:nvSpPr>
-          <p:cNvPr id="34" name="Уровень текста 1…"/>
+          <p:cNvPr id="36" name="Уровень текста 1…"/>
           <p:cNvSpPr txBox="1"/>
           <p:nvPr>
             <p:ph type="body" idx="1"/>
@@ -3510,7 +3138,7 @@
         <p:spPr>
           <a:xfrm>
             <a:off x="680321" y="2336873"/>
-            <a:ext cx="9613862" cy="3599317"/>
+            <a:ext cx="9613863" cy="3599318"/>
           </a:xfrm>
           <a:prstGeom prst="rect">
             <a:avLst/>
@@ -3553,7 +3181,7 @@
       </p:sp>
       <p:sp>
         <p:nvSpPr>
-          <p:cNvPr id="35" name="Номер слайда"/>
+          <p:cNvPr id="37" name="Номер слайда"/>
           <p:cNvSpPr txBox="1"/>
           <p:nvPr>
             <p:ph type="sldNum" sz="quarter" idx="2"/>
@@ -3601,7 +3229,7 @@
       </p:grpSpPr>
       <p:pic>
         <p:nvPicPr>
-          <p:cNvPr id="42" name="Picture 6" descr="Picture 6"/>
+          <p:cNvPr id="44" name="Picture 6" descr="Picture 6"/>
           <p:cNvPicPr>
             <a:picLocks noChangeAspect="1"/>
           </p:cNvPicPr>
@@ -3630,7 +3258,7 @@
       </p:pic>
       <p:pic>
         <p:nvPicPr>
-          <p:cNvPr id="43" name="Picture 6" descr="Picture 6"/>
+          <p:cNvPr id="45" name="Picture 6" descr="Picture 6"/>
           <p:cNvPicPr>
             <a:picLocks noChangeAspect="1"/>
           </p:cNvPicPr>
@@ -3646,8 +3274,8 @@
         </p:blipFill>
         <p:spPr>
           <a:xfrm>
-            <a:off x="-2" y="4086907"/>
-            <a:ext cx="10437813" cy="321165"/>
+            <a:off x="-3" y="4086907"/>
+            <a:ext cx="10437815" cy="321166"/>
           </a:xfrm>
           <a:prstGeom prst="rect">
             <a:avLst/>
@@ -3659,7 +3287,7 @@
       </p:pic>
       <p:pic>
         <p:nvPicPr>
-          <p:cNvPr id="44" name="Picture 7" descr="Picture 7"/>
+          <p:cNvPr id="46" name="Picture 7" descr="Picture 7"/>
           <p:cNvPicPr>
             <a:picLocks noChangeAspect="1"/>
           </p:cNvPicPr>
@@ -3675,8 +3303,8 @@
         </p:blipFill>
         <p:spPr>
           <a:xfrm>
-            <a:off x="10585823" y="4087900"/>
-            <a:ext cx="1602998" cy="144271"/>
+            <a:off x="10585822" y="4087900"/>
+            <a:ext cx="1602999" cy="144272"/>
           </a:xfrm>
           <a:prstGeom prst="rect">
             <a:avLst/>
@@ -3688,14 +3316,14 @@
       </p:pic>
       <p:sp>
         <p:nvSpPr>
-          <p:cNvPr id="45" name="Rectangle 8"/>
+          <p:cNvPr id="47" name="Rectangle 8"/>
           <p:cNvSpPr/>
           <p:nvPr/>
         </p:nvSpPr>
         <p:spPr>
           <a:xfrm>
-            <a:off x="-3" y="2726266"/>
-            <a:ext cx="10437814" cy="1368199"/>
+            <a:off x="-4" y="2726265"/>
+            <a:ext cx="10437816" cy="1368200"/>
           </a:xfrm>
           <a:prstGeom prst="rect">
             <a:avLst/>
@@ -3708,7 +3336,7 @@
           </a:ln>
         </p:spPr>
         <p:txBody>
-          <a:bodyPr lIns="45719" rIns="45719"/>
+          <a:bodyPr lIns="45718" tIns="45718" rIns="45718" bIns="45718"/>
           <a:lstStyle/>
           <a:p>
             <a:pPr>
@@ -3723,14 +3351,14 @@
       </p:sp>
       <p:sp>
         <p:nvSpPr>
-          <p:cNvPr id="46" name="Rectangle 9"/>
+          <p:cNvPr id="48" name="Rectangle 9"/>
           <p:cNvSpPr/>
           <p:nvPr/>
         </p:nvSpPr>
         <p:spPr>
           <a:xfrm>
-            <a:off x="10585825" y="2726266"/>
-            <a:ext cx="1602998" cy="1368199"/>
+            <a:off x="10585825" y="2726265"/>
+            <a:ext cx="1602999" cy="1368200"/>
           </a:xfrm>
           <a:prstGeom prst="rect">
             <a:avLst/>
@@ -3743,7 +3371,7 @@
           </a:ln>
         </p:spPr>
         <p:txBody>
-          <a:bodyPr lIns="45719" rIns="45719"/>
+          <a:bodyPr lIns="45718" tIns="45718" rIns="45718" bIns="45718"/>
           <a:lstStyle/>
           <a:p>
             <a:pPr>
@@ -3758,7 +3386,7 @@
       </p:sp>
       <p:sp>
         <p:nvSpPr>
-          <p:cNvPr id="47" name="Текст заголовка"/>
+          <p:cNvPr id="49" name="Текст заголовка"/>
           <p:cNvSpPr txBox="1"/>
           <p:nvPr>
             <p:ph type="title"/>
@@ -3767,7 +3395,7 @@
         <p:spPr>
           <a:xfrm>
             <a:off x="680321" y="2869894"/>
-            <a:ext cx="9613861" cy="1090789"/>
+            <a:ext cx="9613862" cy="1090790"/>
           </a:xfrm>
           <a:prstGeom prst="rect">
             <a:avLst/>
@@ -3788,7 +3416,7 @@
       </p:sp>
       <p:sp>
         <p:nvSpPr>
-          <p:cNvPr id="48" name="Уровень текста 1…"/>
+          <p:cNvPr id="50" name="Уровень текста 1…"/>
           <p:cNvSpPr txBox="1"/>
           <p:nvPr>
             <p:ph type="body" sz="quarter" idx="1"/>
@@ -3797,7 +3425,7 @@
         <p:spPr>
           <a:xfrm>
             <a:off x="680321" y="4232171"/>
-            <a:ext cx="9613861" cy="1704018"/>
+            <a:ext cx="9613862" cy="1704019"/>
           </a:xfrm>
           <a:prstGeom prst="rect">
             <a:avLst/>
@@ -3812,25 +3440,25 @@
               <a:buNone/>
               <a:defRPr sz="2000"/>
             </a:lvl1pPr>
-            <a:lvl2pPr marL="0" indent="457200" algn="r">
+            <a:lvl2pPr marL="0" indent="0" algn="r">
               <a:buSzTx/>
               <a:buFontTx/>
               <a:buNone/>
               <a:defRPr sz="2000"/>
             </a:lvl2pPr>
-            <a:lvl3pPr marL="0" indent="914400" algn="r">
+            <a:lvl3pPr marL="0" indent="0" algn="r">
               <a:buSzTx/>
               <a:buFontTx/>
               <a:buNone/>
               <a:defRPr sz="2000"/>
             </a:lvl3pPr>
-            <a:lvl4pPr marL="0" indent="1371600" algn="r">
+            <a:lvl4pPr marL="0" indent="0" algn="r">
               <a:buSzTx/>
               <a:buFontTx/>
               <a:buNone/>
               <a:defRPr sz="2000"/>
             </a:lvl4pPr>
-            <a:lvl5pPr marL="0" indent="1828800" algn="r">
+            <a:lvl5pPr marL="0" indent="0" algn="r">
               <a:buSzTx/>
               <a:buFontTx/>
               <a:buNone/>
@@ -3871,7 +3499,7 @@
       </p:sp>
       <p:sp>
         <p:nvSpPr>
-          <p:cNvPr id="49" name="Номер слайда"/>
+          <p:cNvPr id="51" name="Номер слайда"/>
           <p:cNvSpPr txBox="1"/>
           <p:nvPr>
             <p:ph type="sldNum" sz="quarter" idx="2"/>
@@ -3879,8 +3507,8 @@
         </p:nvSpPr>
         <p:spPr>
           <a:xfrm>
-            <a:off x="10729455" y="3102869"/>
-            <a:ext cx="583665" cy="624841"/>
+            <a:off x="10729455" y="3102870"/>
+            <a:ext cx="583663" cy="624839"/>
           </a:xfrm>
           <a:prstGeom prst="rect">
             <a:avLst/>
@@ -3905,7 +3533,7 @@
 </file>
 
 <file path=ppt/slideLayouts/slideLayout4.xml><?xml version="1.0" encoding="utf-8"?>
-<p:sldLayout xmlns:a="http://schemas.openxmlformats.org/drawingml/2006/main" xmlns:r="http://schemas.openxmlformats.org/officeDocument/2006/relationships" xmlns:p="http://schemas.openxmlformats.org/presentationml/2006/main" xmlns:m="http://schemas.openxmlformats.org/officeDocument/2006/math" xmlns:a14="http://schemas.microsoft.com/office/drawing/2010/main" type="tx" showMasterSp="0" showMasterPhAnim="1">
+<p:sldLayout xmlns:a="http://schemas.openxmlformats.org/drawingml/2006/main" xmlns:r="http://schemas.openxmlformats.org/officeDocument/2006/relationships" xmlns:p="http://schemas.openxmlformats.org/presentationml/2006/main" xmlns:m="http://schemas.openxmlformats.org/officeDocument/2006/math" xmlns:a14="http://schemas.microsoft.com/office/drawing/2010/main" type="tx" showMasterSp="1" showMasterPhAnim="1">
   <p:cSld name="Два объекта">
     <p:spTree>
       <p:nvGrpSpPr>
@@ -3921,176 +3549,15 @@
           <a:chExt cx="0" cy="0"/>
         </a:xfrm>
       </p:grpSpPr>
-      <p:pic>
-        <p:nvPicPr>
-          <p:cNvPr id="56" name="Picture 6" descr="Picture 6"/>
-          <p:cNvPicPr>
-            <a:picLocks noChangeAspect="1"/>
-          </p:cNvPicPr>
-          <p:nvPr/>
-        </p:nvPicPr>
-        <p:blipFill>
-          <a:blip r:embed="rId2">
-            <a:extLst/>
-          </a:blip>
-          <a:stretch>
-            <a:fillRect/>
-          </a:stretch>
-        </p:blipFill>
-        <p:spPr>
-          <a:xfrm>
-            <a:off x="0" y="0"/>
-            <a:ext cx="12192000" cy="6858000"/>
-          </a:xfrm>
-          <a:prstGeom prst="rect">
-            <a:avLst/>
-          </a:prstGeom>
-          <a:ln w="12700">
-            <a:miter lim="400000"/>
-          </a:ln>
-        </p:spPr>
-      </p:pic>
-      <p:pic>
-        <p:nvPicPr>
-          <p:cNvPr id="57" name="Picture 7" descr="Picture 7"/>
-          <p:cNvPicPr>
-            <a:picLocks noChangeAspect="1"/>
-          </p:cNvPicPr>
-          <p:nvPr/>
-        </p:nvPicPr>
-        <p:blipFill>
-          <a:blip r:embed="rId3">
-            <a:extLst/>
-          </a:blip>
-          <a:stretch>
-            <a:fillRect/>
-          </a:stretch>
-        </p:blipFill>
-        <p:spPr>
-          <a:xfrm>
-            <a:off x="1" y="1970240"/>
-            <a:ext cx="10437812" cy="321165"/>
-          </a:xfrm>
-          <a:prstGeom prst="rect">
-            <a:avLst/>
-          </a:prstGeom>
-          <a:ln w="12700">
-            <a:miter lim="400000"/>
-          </a:ln>
-        </p:spPr>
-      </p:pic>
-      <p:pic>
-        <p:nvPicPr>
-          <p:cNvPr id="58" name="Picture 8" descr="Picture 8"/>
-          <p:cNvPicPr>
-            <a:picLocks noChangeAspect="1"/>
-          </p:cNvPicPr>
-          <p:nvPr/>
-        </p:nvPicPr>
-        <p:blipFill>
-          <a:blip r:embed="rId4">
-            <a:extLst/>
-          </a:blip>
-          <a:stretch>
-            <a:fillRect/>
-          </a:stretch>
-        </p:blipFill>
-        <p:spPr>
-          <a:xfrm>
-            <a:off x="10585825" y="1971233"/>
-            <a:ext cx="1602998" cy="144271"/>
-          </a:xfrm>
-          <a:prstGeom prst="rect">
-            <a:avLst/>
-          </a:prstGeom>
-          <a:ln w="12700">
-            <a:miter lim="400000"/>
-          </a:ln>
-        </p:spPr>
-      </p:pic>
-      <p:sp>
-        <p:nvSpPr>
-          <p:cNvPr id="59" name="Rectangle 9"/>
-          <p:cNvSpPr/>
-          <p:nvPr/>
-        </p:nvSpPr>
-        <p:spPr>
-          <a:xfrm>
-            <a:off x="-1" y="609600"/>
-            <a:ext cx="10437814" cy="1368198"/>
-          </a:xfrm>
-          <a:prstGeom prst="rect">
-            <a:avLst/>
-          </a:prstGeom>
-          <a:solidFill>
-            <a:srgbClr val="262626"/>
-          </a:solidFill>
-          <a:ln w="12700">
-            <a:miter lim="400000"/>
-          </a:ln>
-        </p:spPr>
-        <p:txBody>
-          <a:bodyPr lIns="45719" rIns="45719"/>
-          <a:lstStyle/>
-          <a:p>
-            <a:pPr>
-              <a:defRPr>
-                <a:solidFill>
-                  <a:srgbClr val="FFFFFF"/>
-                </a:solidFill>
-              </a:defRPr>
-            </a:pPr>
-          </a:p>
-        </p:txBody>
-      </p:sp>
-      <p:sp>
-        <p:nvSpPr>
-          <p:cNvPr id="60" name="Rectangle 10"/>
-          <p:cNvSpPr/>
-          <p:nvPr/>
-        </p:nvSpPr>
-        <p:spPr>
-          <a:xfrm>
-            <a:off x="10585826" y="609600"/>
-            <a:ext cx="1602998" cy="1368198"/>
-          </a:xfrm>
-          <a:prstGeom prst="rect">
-            <a:avLst/>
-          </a:prstGeom>
-          <a:solidFill>
-            <a:schemeClr val="accent1"/>
-          </a:solidFill>
-          <a:ln w="12700">
-            <a:miter lim="400000"/>
-          </a:ln>
-        </p:spPr>
-        <p:txBody>
-          <a:bodyPr lIns="45719" rIns="45719"/>
-          <a:lstStyle/>
-          <a:p>
-            <a:pPr>
-              <a:defRPr>
-                <a:solidFill>
-                  <a:srgbClr val="FFFFFF"/>
-                </a:solidFill>
-              </a:defRPr>
-            </a:pPr>
-          </a:p>
-        </p:txBody>
-      </p:sp>
-      <p:sp>
-        <p:nvSpPr>
-          <p:cNvPr id="61" name="Текст заголовка"/>
+      <p:sp>
+        <p:nvSpPr>
+          <p:cNvPr id="58" name="Текст заголовка"/>
           <p:cNvSpPr txBox="1"/>
           <p:nvPr>
             <p:ph type="title"/>
           </p:nvPr>
         </p:nvSpPr>
         <p:spPr>
-          <a:xfrm>
-            <a:off x="680321" y="753228"/>
-            <a:ext cx="9613862" cy="1080938"/>
-          </a:xfrm>
           <a:prstGeom prst="rect">
             <a:avLst/>
           </a:prstGeom>
@@ -4108,7 +3575,7 @@
       </p:sp>
       <p:sp>
         <p:nvSpPr>
-          <p:cNvPr id="62" name="Уровень текста 1…"/>
+          <p:cNvPr id="59" name="Уровень текста 1…"/>
           <p:cNvSpPr txBox="1"/>
           <p:nvPr>
             <p:ph type="body" sz="half" idx="1"/>
@@ -4117,7 +3584,7 @@
         <p:spPr>
           <a:xfrm>
             <a:off x="680320" y="2336873"/>
-            <a:ext cx="4698359" cy="3599317"/>
+            <a:ext cx="4698359" cy="3599318"/>
           </a:xfrm>
           <a:prstGeom prst="rect">
             <a:avLst/>
@@ -4160,7 +3627,7 @@
       </p:sp>
       <p:sp>
         <p:nvSpPr>
-          <p:cNvPr id="63" name="Номер слайда"/>
+          <p:cNvPr id="60" name="Номер слайда"/>
           <p:cNvSpPr txBox="1"/>
           <p:nvPr>
             <p:ph type="sldNum" sz="quarter" idx="2"/>
@@ -4190,7 +3657,7 @@
 </file>
 
 <file path=ppt/slideLayouts/slideLayout5.xml><?xml version="1.0" encoding="utf-8"?>
-<p:sldLayout xmlns:a="http://schemas.openxmlformats.org/drawingml/2006/main" xmlns:r="http://schemas.openxmlformats.org/officeDocument/2006/relationships" xmlns:p="http://schemas.openxmlformats.org/presentationml/2006/main" xmlns:m="http://schemas.openxmlformats.org/officeDocument/2006/math" xmlns:a14="http://schemas.microsoft.com/office/drawing/2010/main" type="tx" showMasterSp="0" showMasterPhAnim="1">
+<p:sldLayout xmlns:a="http://schemas.openxmlformats.org/drawingml/2006/main" xmlns:r="http://schemas.openxmlformats.org/officeDocument/2006/relationships" xmlns:p="http://schemas.openxmlformats.org/presentationml/2006/main" xmlns:m="http://schemas.openxmlformats.org/officeDocument/2006/math" xmlns:a14="http://schemas.microsoft.com/office/drawing/2010/main" type="tx" showMasterSp="1" showMasterPhAnim="1">
   <p:cSld name="Сравнение">
     <p:spTree>
       <p:nvGrpSpPr>
@@ -4206,166 +3673,9 @@
           <a:chExt cx="0" cy="0"/>
         </a:xfrm>
       </p:grpSpPr>
-      <p:pic>
-        <p:nvPicPr>
-          <p:cNvPr id="70" name="Picture 6" descr="Picture 6"/>
-          <p:cNvPicPr>
-            <a:picLocks noChangeAspect="1"/>
-          </p:cNvPicPr>
-          <p:nvPr/>
-        </p:nvPicPr>
-        <p:blipFill>
-          <a:blip r:embed="rId2">
-            <a:extLst/>
-          </a:blip>
-          <a:stretch>
-            <a:fillRect/>
-          </a:stretch>
-        </p:blipFill>
-        <p:spPr>
-          <a:xfrm>
-            <a:off x="0" y="0"/>
-            <a:ext cx="12192000" cy="6858000"/>
-          </a:xfrm>
-          <a:prstGeom prst="rect">
-            <a:avLst/>
-          </a:prstGeom>
-          <a:ln w="12700">
-            <a:miter lim="400000"/>
-          </a:ln>
-        </p:spPr>
-      </p:pic>
-      <p:pic>
-        <p:nvPicPr>
-          <p:cNvPr id="71" name="Picture 9" descr="Picture 9"/>
-          <p:cNvPicPr>
-            <a:picLocks noChangeAspect="1"/>
-          </p:cNvPicPr>
-          <p:nvPr/>
-        </p:nvPicPr>
-        <p:blipFill>
-          <a:blip r:embed="rId3">
-            <a:extLst/>
-          </a:blip>
-          <a:stretch>
-            <a:fillRect/>
-          </a:stretch>
-        </p:blipFill>
-        <p:spPr>
-          <a:xfrm>
-            <a:off x="1" y="1970240"/>
-            <a:ext cx="10437812" cy="321165"/>
-          </a:xfrm>
-          <a:prstGeom prst="rect">
-            <a:avLst/>
-          </a:prstGeom>
-          <a:ln w="12700">
-            <a:miter lim="400000"/>
-          </a:ln>
-        </p:spPr>
-      </p:pic>
-      <p:pic>
-        <p:nvPicPr>
-          <p:cNvPr id="72" name="Picture 10" descr="Picture 10"/>
-          <p:cNvPicPr>
-            <a:picLocks noChangeAspect="1"/>
-          </p:cNvPicPr>
-          <p:nvPr/>
-        </p:nvPicPr>
-        <p:blipFill>
-          <a:blip r:embed="rId4">
-            <a:extLst/>
-          </a:blip>
-          <a:stretch>
-            <a:fillRect/>
-          </a:stretch>
-        </p:blipFill>
-        <p:spPr>
-          <a:xfrm>
-            <a:off x="10585825" y="1971233"/>
-            <a:ext cx="1602998" cy="144271"/>
-          </a:xfrm>
-          <a:prstGeom prst="rect">
-            <a:avLst/>
-          </a:prstGeom>
-          <a:ln w="12700">
-            <a:miter lim="400000"/>
-          </a:ln>
-        </p:spPr>
-      </p:pic>
-      <p:sp>
-        <p:nvSpPr>
-          <p:cNvPr id="73" name="Rectangle 11"/>
-          <p:cNvSpPr/>
-          <p:nvPr/>
-        </p:nvSpPr>
-        <p:spPr>
-          <a:xfrm>
-            <a:off x="-1" y="609600"/>
-            <a:ext cx="10437814" cy="1368198"/>
-          </a:xfrm>
-          <a:prstGeom prst="rect">
-            <a:avLst/>
-          </a:prstGeom>
-          <a:solidFill>
-            <a:srgbClr val="262626"/>
-          </a:solidFill>
-          <a:ln w="12700">
-            <a:miter lim="400000"/>
-          </a:ln>
-        </p:spPr>
-        <p:txBody>
-          <a:bodyPr lIns="45719" rIns="45719"/>
-          <a:lstStyle/>
-          <a:p>
-            <a:pPr>
-              <a:defRPr>
-                <a:solidFill>
-                  <a:srgbClr val="FFFFFF"/>
-                </a:solidFill>
-              </a:defRPr>
-            </a:pPr>
-          </a:p>
-        </p:txBody>
-      </p:sp>
-      <p:sp>
-        <p:nvSpPr>
-          <p:cNvPr id="74" name="Rectangle 12"/>
-          <p:cNvSpPr/>
-          <p:nvPr/>
-        </p:nvSpPr>
-        <p:spPr>
-          <a:xfrm>
-            <a:off x="10585826" y="609600"/>
-            <a:ext cx="1602998" cy="1368198"/>
-          </a:xfrm>
-          <a:prstGeom prst="rect">
-            <a:avLst/>
-          </a:prstGeom>
-          <a:solidFill>
-            <a:schemeClr val="accent1"/>
-          </a:solidFill>
-          <a:ln w="12700">
-            <a:miter lim="400000"/>
-          </a:ln>
-        </p:spPr>
-        <p:txBody>
-          <a:bodyPr lIns="45719" rIns="45719"/>
-          <a:lstStyle/>
-          <a:p>
-            <a:pPr>
-              <a:defRPr>
-                <a:solidFill>
-                  <a:srgbClr val="FFFFFF"/>
-                </a:solidFill>
-              </a:defRPr>
-            </a:pPr>
-          </a:p>
-        </p:txBody>
-      </p:sp>
-      <p:sp>
-        <p:nvSpPr>
-          <p:cNvPr id="75" name="Текст заголовка"/>
+      <p:sp>
+        <p:nvSpPr>
+          <p:cNvPr id="67" name="Текст заголовка"/>
           <p:cNvSpPr txBox="1"/>
           <p:nvPr>
             <p:ph type="title"/>
@@ -4374,7 +3684,7 @@
         <p:spPr>
           <a:xfrm>
             <a:off x="680318" y="753229"/>
-            <a:ext cx="9613864" cy="1080938"/>
+            <a:ext cx="9613865" cy="1080939"/>
           </a:xfrm>
           <a:prstGeom prst="rect">
             <a:avLst/>
@@ -4393,7 +3703,7 @@
       </p:sp>
       <p:sp>
         <p:nvSpPr>
-          <p:cNvPr id="76" name="Уровень текста 1…"/>
+          <p:cNvPr id="68" name="Уровень текста 1…"/>
           <p:cNvSpPr txBox="1"/>
           <p:nvPr>
             <p:ph type="body" sz="quarter" idx="1"/>
@@ -4402,7 +3712,7 @@
         <p:spPr>
           <a:xfrm>
             <a:off x="906350" y="2336873"/>
-            <a:ext cx="4472328" cy="693136"/>
+            <a:ext cx="4472329" cy="693137"/>
           </a:xfrm>
           <a:prstGeom prst="rect">
             <a:avLst/>
@@ -4417,25 +3727,25 @@
               <a:buNone/>
               <a:defRPr b="1"/>
             </a:lvl1pPr>
-            <a:lvl2pPr marL="0" indent="457200">
+            <a:lvl2pPr marL="0" indent="0">
               <a:buSzTx/>
               <a:buFontTx/>
               <a:buNone/>
               <a:defRPr b="1"/>
             </a:lvl2pPr>
-            <a:lvl3pPr marL="0" indent="914400">
+            <a:lvl3pPr marL="0" indent="0">
               <a:buSzTx/>
               <a:buFontTx/>
               <a:buNone/>
               <a:defRPr b="1"/>
             </a:lvl3pPr>
-            <a:lvl4pPr marL="0" indent="1371600">
+            <a:lvl4pPr marL="0" indent="0">
               <a:buSzTx/>
               <a:buFontTx/>
               <a:buNone/>
               <a:defRPr b="1"/>
             </a:lvl4pPr>
-            <a:lvl5pPr marL="0" indent="1828800">
+            <a:lvl5pPr marL="0" indent="0">
               <a:buSzTx/>
               <a:buFontTx/>
               <a:buNone/>
@@ -4476,7 +3786,7 @@
       </p:sp>
       <p:sp>
         <p:nvSpPr>
-          <p:cNvPr id="77" name="Text Placeholder 4"/>
+          <p:cNvPr id="69" name="Text Placeholder 4"/>
           <p:cNvSpPr/>
           <p:nvPr>
             <p:ph type="body" sz="quarter" idx="21"/>
@@ -4485,7 +3795,7 @@
         <p:spPr>
           <a:xfrm>
             <a:off x="5820154" y="2336873"/>
-            <a:ext cx="4474029" cy="692077"/>
+            <a:ext cx="4474029" cy="692078"/>
           </a:xfrm>
           <a:prstGeom prst="rect">
             <a:avLst/>
@@ -4495,18 +3805,13 @@
           <a:bodyPr anchor="b"/>
           <a:lstStyle/>
           <a:p>
-            <a:pPr marL="0" indent="0">
-              <a:buSzTx/>
-              <a:buFontTx/>
-              <a:buNone/>
-              <a:defRPr b="1"/>
-            </a:pPr>
-          </a:p>
-        </p:txBody>
-      </p:sp>
-      <p:sp>
-        <p:nvSpPr>
-          <p:cNvPr id="78" name="Номер слайда"/>
+            <a:pPr/>
+          </a:p>
+        </p:txBody>
+      </p:sp>
+      <p:sp>
+        <p:nvSpPr>
+          <p:cNvPr id="70" name="Номер слайда"/>
           <p:cNvSpPr txBox="1"/>
           <p:nvPr>
             <p:ph type="sldNum" sz="quarter" idx="2"/>
@@ -4536,8 +3841,80 @@
 </file>
 
 <file path=ppt/slideLayouts/slideLayout6.xml><?xml version="1.0" encoding="utf-8"?>
+<p:sldLayout xmlns:a="http://schemas.openxmlformats.org/drawingml/2006/main" xmlns:r="http://schemas.openxmlformats.org/officeDocument/2006/relationships" xmlns:p="http://schemas.openxmlformats.org/presentationml/2006/main" xmlns:m="http://schemas.openxmlformats.org/officeDocument/2006/math" xmlns:a14="http://schemas.microsoft.com/office/drawing/2010/main" type="tx" showMasterSp="1" showMasterPhAnim="1">
+  <p:cSld name="Только заголовок">
+    <p:spTree>
+      <p:nvGrpSpPr>
+        <p:cNvPr id="1" name=""/>
+        <p:cNvGrpSpPr/>
+        <p:nvPr/>
+      </p:nvGrpSpPr>
+      <p:grpSpPr>
+        <a:xfrm>
+          <a:off x="0" y="0"/>
+          <a:ext cx="0" cy="0"/>
+          <a:chOff x="0" y="0"/>
+          <a:chExt cx="0" cy="0"/>
+        </a:xfrm>
+      </p:grpSpPr>
+      <p:sp>
+        <p:nvSpPr>
+          <p:cNvPr id="77" name="Текст заголовка"/>
+          <p:cNvSpPr txBox="1"/>
+          <p:nvPr>
+            <p:ph type="title"/>
+          </p:nvPr>
+        </p:nvSpPr>
+        <p:spPr>
+          <a:prstGeom prst="rect">
+            <a:avLst/>
+          </a:prstGeom>
+        </p:spPr>
+        <p:txBody>
+          <a:bodyPr/>
+          <a:lstStyle/>
+          <a:p>
+            <a:pPr/>
+            <a:r>
+              <a:t>Текст заголовка</a:t>
+            </a:r>
+          </a:p>
+        </p:txBody>
+      </p:sp>
+      <p:sp>
+        <p:nvSpPr>
+          <p:cNvPr id="78" name="Номер слайда"/>
+          <p:cNvSpPr txBox="1"/>
+          <p:nvPr>
+            <p:ph type="sldNum" sz="quarter" idx="2"/>
+          </p:nvPr>
+        </p:nvSpPr>
+        <p:spPr>
+          <a:prstGeom prst="rect">
+            <a:avLst/>
+          </a:prstGeom>
+        </p:spPr>
+        <p:txBody>
+          <a:bodyPr/>
+          <a:lstStyle/>
+          <a:p>
+            <a:pPr/>
+            <a:fld id="{86CB4B4D-7CA3-9044-876B-883B54F8677D}" type="slidenum"/>
+          </a:p>
+        </p:txBody>
+      </p:sp>
+    </p:spTree>
+  </p:cSld>
+  <p:clrMapOvr>
+    <a:masterClrMapping/>
+  </p:clrMapOvr>
+  <p:transition xmlns:p14="http://schemas.microsoft.com/office/powerpoint/2010/main" spd="med" advClick="1"/>
+</p:sldLayout>
+</file>
+
+<file path=ppt/slideLayouts/slideLayout7.xml><?xml version="1.0" encoding="utf-8"?>
 <p:sldLayout xmlns:a="http://schemas.openxmlformats.org/drawingml/2006/main" xmlns:r="http://schemas.openxmlformats.org/officeDocument/2006/relationships" xmlns:p="http://schemas.openxmlformats.org/presentationml/2006/main" xmlns:m="http://schemas.openxmlformats.org/officeDocument/2006/math" xmlns:a14="http://schemas.microsoft.com/office/drawing/2010/main" type="tx" showMasterSp="0" showMasterPhAnim="1">
-  <p:cSld name="Только заголовок">
+  <p:cSld name="Пустой слайд">
     <p:spTree>
       <p:nvGrpSpPr>
         <p:cNvPr id="1" name=""/>
@@ -4583,7 +3960,7 @@
       </p:pic>
       <p:pic>
         <p:nvPicPr>
-          <p:cNvPr id="86" name="Picture 5" descr="Picture 5"/>
+          <p:cNvPr id="86" name="Picture 4" descr="Picture 4"/>
           <p:cNvPicPr>
             <a:picLocks noChangeAspect="1"/>
           </p:cNvPicPr>
@@ -4599,8 +3976,8 @@
         </p:blipFill>
         <p:spPr>
           <a:xfrm>
-            <a:off x="1" y="1970240"/>
-            <a:ext cx="10437812" cy="321165"/>
+            <a:off x="10585825" y="1971232"/>
+            <a:ext cx="1602999" cy="144272"/>
           </a:xfrm>
           <a:prstGeom prst="rect">
             <a:avLst/>
@@ -4610,58 +3987,29 @@
           </a:ln>
         </p:spPr>
       </p:pic>
-      <p:pic>
-        <p:nvPicPr>
-          <p:cNvPr id="87" name="Picture 6" descr="Picture 6"/>
-          <p:cNvPicPr>
-            <a:picLocks noChangeAspect="1"/>
-          </p:cNvPicPr>
-          <p:nvPr/>
-        </p:nvPicPr>
-        <p:blipFill>
-          <a:blip r:embed="rId4">
-            <a:extLst/>
-          </a:blip>
-          <a:stretch>
-            <a:fillRect/>
-          </a:stretch>
-        </p:blipFill>
-        <p:spPr>
-          <a:xfrm>
-            <a:off x="10585825" y="1971233"/>
-            <a:ext cx="1602998" cy="144271"/>
-          </a:xfrm>
-          <a:prstGeom prst="rect">
-            <a:avLst/>
-          </a:prstGeom>
-          <a:ln w="12700">
-            <a:miter lim="400000"/>
-          </a:ln>
-        </p:spPr>
-      </p:pic>
-      <p:sp>
-        <p:nvSpPr>
-          <p:cNvPr id="88" name="Rectangle 7"/>
+      <p:sp>
+        <p:nvSpPr>
+          <p:cNvPr id="87" name="Rectangle 5"/>
           <p:cNvSpPr/>
           <p:nvPr/>
         </p:nvSpPr>
         <p:spPr>
           <a:xfrm>
-            <a:off x="-1" y="609600"/>
-            <a:ext cx="10437814" cy="1368198"/>
+            <a:off x="10585825" y="609600"/>
+            <a:ext cx="1602999" cy="1368198"/>
           </a:xfrm>
           <a:prstGeom prst="rect">
             <a:avLst/>
           </a:prstGeom>
           <a:solidFill>
-            <a:srgbClr val="262626"/>
+            <a:schemeClr val="accent1"/>
           </a:solidFill>
           <a:ln w="12700">
             <a:miter lim="400000"/>
           </a:ln>
         </p:spPr>
         <p:txBody>
-          <a:bodyPr lIns="45719" rIns="45719"/>
+          <a:bodyPr lIns="45718" tIns="45718" rIns="45718" bIns="45718"/>
           <a:lstStyle/>
           <a:p>
             <a:pPr>
@@ -4676,118 +4024,7 @@
       </p:sp>
       <p:sp>
         <p:nvSpPr>
-          <p:cNvPr id="89" name="Rectangle 8"/>
-          <p:cNvSpPr/>
-          <p:nvPr/>
-        </p:nvSpPr>
-        <p:spPr>
-          <a:xfrm>
-            <a:off x="10585826" y="609600"/>
-            <a:ext cx="1602998" cy="1368198"/>
-          </a:xfrm>
-          <a:prstGeom prst="rect">
-            <a:avLst/>
-          </a:prstGeom>
-          <a:solidFill>
-            <a:schemeClr val="accent1"/>
-          </a:solidFill>
-          <a:ln w="12700">
-            <a:miter lim="400000"/>
-          </a:ln>
-        </p:spPr>
-        <p:txBody>
-          <a:bodyPr lIns="45719" rIns="45719"/>
-          <a:lstStyle/>
-          <a:p>
-            <a:pPr>
-              <a:defRPr>
-                <a:solidFill>
-                  <a:srgbClr val="FFFFFF"/>
-                </a:solidFill>
-              </a:defRPr>
-            </a:pPr>
-          </a:p>
-        </p:txBody>
-      </p:sp>
-      <p:sp>
-        <p:nvSpPr>
-          <p:cNvPr id="90" name="Текст заголовка"/>
-          <p:cNvSpPr txBox="1"/>
-          <p:nvPr>
-            <p:ph type="title"/>
-          </p:nvPr>
-        </p:nvSpPr>
-        <p:spPr>
-          <a:xfrm>
-            <a:off x="680321" y="753228"/>
-            <a:ext cx="9613862" cy="1080938"/>
-          </a:xfrm>
-          <a:prstGeom prst="rect">
-            <a:avLst/>
-          </a:prstGeom>
-        </p:spPr>
-        <p:txBody>
-          <a:bodyPr/>
-          <a:lstStyle/>
-          <a:p>
-            <a:pPr/>
-            <a:r>
-              <a:t>Текст заголовка</a:t>
-            </a:r>
-          </a:p>
-        </p:txBody>
-      </p:sp>
-      <p:sp>
-        <p:nvSpPr>
-          <p:cNvPr id="91" name="Номер слайда"/>
-          <p:cNvSpPr txBox="1"/>
-          <p:nvPr>
-            <p:ph type="sldNum" sz="quarter" idx="2"/>
-          </p:nvPr>
-        </p:nvSpPr>
-        <p:spPr>
-          <a:prstGeom prst="rect">
-            <a:avLst/>
-          </a:prstGeom>
-        </p:spPr>
-        <p:txBody>
-          <a:bodyPr/>
-          <a:lstStyle/>
-          <a:p>
-            <a:pPr/>
-            <a:fld id="{86CB4B4D-7CA3-9044-876B-883B54F8677D}" type="slidenum"/>
-          </a:p>
-        </p:txBody>
-      </p:sp>
-    </p:spTree>
-  </p:cSld>
-  <p:clrMapOvr>
-    <a:masterClrMapping/>
-  </p:clrMapOvr>
-  <p:transition xmlns:p14="http://schemas.microsoft.com/office/powerpoint/2010/main" spd="med" advClick="1"/>
-</p:sldLayout>
-</file>
-
-<file path=ppt/slideLayouts/slideLayout7.xml><?xml version="1.0" encoding="utf-8"?>
-<p:sldLayout xmlns:a="http://schemas.openxmlformats.org/drawingml/2006/main" xmlns:r="http://schemas.openxmlformats.org/officeDocument/2006/relationships" xmlns:p="http://schemas.openxmlformats.org/presentationml/2006/main" xmlns:m="http://schemas.openxmlformats.org/officeDocument/2006/math" xmlns:a14="http://schemas.microsoft.com/office/drawing/2010/main" type="tx" showMasterSp="1" showMasterPhAnim="1">
-  <p:cSld name="Пустой слайд">
-    <p:spTree>
-      <p:nvGrpSpPr>
-        <p:cNvPr id="1" name=""/>
-        <p:cNvGrpSpPr/>
-        <p:nvPr/>
-      </p:nvGrpSpPr>
-      <p:grpSpPr>
-        <a:xfrm>
-          <a:off x="0" y="0"/>
-          <a:ext cx="0" cy="0"/>
-          <a:chOff x="0" y="0"/>
-          <a:chExt cx="0" cy="0"/>
-        </a:xfrm>
-      </p:grpSpPr>
-      <p:sp>
-        <p:nvSpPr>
-          <p:cNvPr id="98" name="Номер слайда"/>
+          <p:cNvPr id="88" name="Номер слайда"/>
           <p:cNvSpPr txBox="1"/>
           <p:nvPr>
             <p:ph type="sldNum" sz="quarter" idx="2"/>
@@ -4817,7 +4054,7 @@
 </file>
 
 <file path=ppt/slideLayouts/slideLayout8.xml><?xml version="1.0" encoding="utf-8"?>
-<p:sldLayout xmlns:a="http://schemas.openxmlformats.org/drawingml/2006/main" xmlns:r="http://schemas.openxmlformats.org/officeDocument/2006/relationships" xmlns:p="http://schemas.openxmlformats.org/presentationml/2006/main" xmlns:m="http://schemas.openxmlformats.org/officeDocument/2006/math" xmlns:a14="http://schemas.microsoft.com/office/drawing/2010/main" type="tx" showMasterSp="0" showMasterPhAnim="1">
+<p:sldLayout xmlns:a="http://schemas.openxmlformats.org/drawingml/2006/main" xmlns:r="http://schemas.openxmlformats.org/officeDocument/2006/relationships" xmlns:p="http://schemas.openxmlformats.org/presentationml/2006/main" xmlns:m="http://schemas.openxmlformats.org/officeDocument/2006/math" xmlns:a14="http://schemas.microsoft.com/office/drawing/2010/main" type="tx" showMasterSp="1" showMasterPhAnim="1">
   <p:cSld name="Объект с подписью">
     <p:spTree>
       <p:nvGrpSpPr>
@@ -4833,166 +4070,9 @@
           <a:chExt cx="0" cy="0"/>
         </a:xfrm>
       </p:grpSpPr>
-      <p:pic>
-        <p:nvPicPr>
-          <p:cNvPr id="105" name="Picture 6" descr="Picture 6"/>
-          <p:cNvPicPr>
-            <a:picLocks noChangeAspect="1"/>
-          </p:cNvPicPr>
-          <p:nvPr/>
-        </p:nvPicPr>
-        <p:blipFill>
-          <a:blip r:embed="rId2">
-            <a:extLst/>
-          </a:blip>
-          <a:stretch>
-            <a:fillRect/>
-          </a:stretch>
-        </p:blipFill>
-        <p:spPr>
-          <a:xfrm>
-            <a:off x="0" y="0"/>
-            <a:ext cx="12192000" cy="6858000"/>
-          </a:xfrm>
-          <a:prstGeom prst="rect">
-            <a:avLst/>
-          </a:prstGeom>
-          <a:ln w="12700">
-            <a:miter lim="400000"/>
-          </a:ln>
-        </p:spPr>
-      </p:pic>
-      <p:pic>
-        <p:nvPicPr>
-          <p:cNvPr id="106" name="Picture 7" descr="Picture 7"/>
-          <p:cNvPicPr>
-            <a:picLocks noChangeAspect="1"/>
-          </p:cNvPicPr>
-          <p:nvPr/>
-        </p:nvPicPr>
-        <p:blipFill>
-          <a:blip r:embed="rId3">
-            <a:extLst/>
-          </a:blip>
-          <a:stretch>
-            <a:fillRect/>
-          </a:stretch>
-        </p:blipFill>
-        <p:spPr>
-          <a:xfrm>
-            <a:off x="1" y="1970240"/>
-            <a:ext cx="10437812" cy="321165"/>
-          </a:xfrm>
-          <a:prstGeom prst="rect">
-            <a:avLst/>
-          </a:prstGeom>
-          <a:ln w="12700">
-            <a:miter lim="400000"/>
-          </a:ln>
-        </p:spPr>
-      </p:pic>
-      <p:pic>
-        <p:nvPicPr>
-          <p:cNvPr id="107" name="Picture 8" descr="Picture 8"/>
-          <p:cNvPicPr>
-            <a:picLocks noChangeAspect="1"/>
-          </p:cNvPicPr>
-          <p:nvPr/>
-        </p:nvPicPr>
-        <p:blipFill>
-          <a:blip r:embed="rId4">
-            <a:extLst/>
-          </a:blip>
-          <a:stretch>
-            <a:fillRect/>
-          </a:stretch>
-        </p:blipFill>
-        <p:spPr>
-          <a:xfrm>
-            <a:off x="10585825" y="1971233"/>
-            <a:ext cx="1602998" cy="144271"/>
-          </a:xfrm>
-          <a:prstGeom prst="rect">
-            <a:avLst/>
-          </a:prstGeom>
-          <a:ln w="12700">
-            <a:miter lim="400000"/>
-          </a:ln>
-        </p:spPr>
-      </p:pic>
-      <p:sp>
-        <p:nvSpPr>
-          <p:cNvPr id="108" name="Rectangle 9"/>
-          <p:cNvSpPr/>
-          <p:nvPr/>
-        </p:nvSpPr>
-        <p:spPr>
-          <a:xfrm>
-            <a:off x="-1" y="609600"/>
-            <a:ext cx="10437814" cy="1368198"/>
-          </a:xfrm>
-          <a:prstGeom prst="rect">
-            <a:avLst/>
-          </a:prstGeom>
-          <a:solidFill>
-            <a:srgbClr val="262626"/>
-          </a:solidFill>
-          <a:ln w="12700">
-            <a:miter lim="400000"/>
-          </a:ln>
-        </p:spPr>
-        <p:txBody>
-          <a:bodyPr lIns="45719" rIns="45719"/>
-          <a:lstStyle/>
-          <a:p>
-            <a:pPr>
-              <a:defRPr>
-                <a:solidFill>
-                  <a:srgbClr val="FFFFFF"/>
-                </a:solidFill>
-              </a:defRPr>
-            </a:pPr>
-          </a:p>
-        </p:txBody>
-      </p:sp>
-      <p:sp>
-        <p:nvSpPr>
-          <p:cNvPr id="109" name="Rectangle 10"/>
-          <p:cNvSpPr/>
-          <p:nvPr/>
-        </p:nvSpPr>
-        <p:spPr>
-          <a:xfrm>
-            <a:off x="10585826" y="609600"/>
-            <a:ext cx="1602998" cy="1368198"/>
-          </a:xfrm>
-          <a:prstGeom prst="rect">
-            <a:avLst/>
-          </a:prstGeom>
-          <a:solidFill>
-            <a:schemeClr val="accent1"/>
-          </a:solidFill>
-          <a:ln w="12700">
-            <a:miter lim="400000"/>
-          </a:ln>
-        </p:spPr>
-        <p:txBody>
-          <a:bodyPr lIns="45719" rIns="45719"/>
-          <a:lstStyle/>
-          <a:p>
-            <a:pPr>
-              <a:defRPr>
-                <a:solidFill>
-                  <a:srgbClr val="FFFFFF"/>
-                </a:solidFill>
-              </a:defRPr>
-            </a:pPr>
-          </a:p>
-        </p:txBody>
-      </p:sp>
-      <p:sp>
-        <p:nvSpPr>
-          <p:cNvPr id="110" name="Текст заголовка"/>
+      <p:sp>
+        <p:nvSpPr>
+          <p:cNvPr id="95" name="Текст заголовка"/>
           <p:cNvSpPr txBox="1"/>
           <p:nvPr>
             <p:ph type="title"/>
@@ -5020,7 +4100,7 @@
       </p:sp>
       <p:sp>
         <p:nvSpPr>
-          <p:cNvPr id="111" name="Уровень текста 1…"/>
+          <p:cNvPr id="96" name="Уровень текста 1…"/>
           <p:cNvSpPr txBox="1"/>
           <p:nvPr>
             <p:ph type="body" sz="half" idx="1"/>
@@ -5029,7 +4109,7 @@
         <p:spPr>
           <a:xfrm>
             <a:off x="4685846" y="2336873"/>
-            <a:ext cx="5608337" cy="3599313"/>
+            <a:ext cx="5608338" cy="3599313"/>
           </a:xfrm>
           <a:prstGeom prst="rect">
             <a:avLst/>
@@ -5072,7 +4152,7 @@
       </p:sp>
       <p:sp>
         <p:nvSpPr>
-          <p:cNvPr id="112" name="Text Placeholder 3"/>
+          <p:cNvPr id="97" name="Text Placeholder 3"/>
           <p:cNvSpPr/>
           <p:nvPr>
             <p:ph type="body" sz="quarter" idx="21"/>
@@ -5081,7 +4161,7 @@
         <p:spPr>
           <a:xfrm>
             <a:off x="680322" y="2336872"/>
-            <a:ext cx="3790078" cy="3599318"/>
+            <a:ext cx="3790078" cy="3599319"/>
           </a:xfrm>
           <a:prstGeom prst="rect">
             <a:avLst/>
@@ -5091,18 +4171,13 @@
           <a:bodyPr anchor="ctr"/>
           <a:lstStyle/>
           <a:p>
-            <a:pPr marL="0" indent="0">
-              <a:buSzTx/>
-              <a:buFontTx/>
-              <a:buNone/>
-              <a:defRPr sz="1600"/>
-            </a:pPr>
-          </a:p>
-        </p:txBody>
-      </p:sp>
-      <p:sp>
-        <p:nvSpPr>
-          <p:cNvPr id="113" name="Номер слайда"/>
+            <a:pPr/>
+          </a:p>
+        </p:txBody>
+      </p:sp>
+      <p:sp>
+        <p:nvSpPr>
+          <p:cNvPr id="98" name="Номер слайда"/>
           <p:cNvSpPr txBox="1"/>
           <p:nvPr>
             <p:ph type="sldNum" sz="quarter" idx="2"/>
@@ -5132,7 +4207,7 @@
 </file>
 
 <file path=ppt/slideLayouts/slideLayout9.xml><?xml version="1.0" encoding="utf-8"?>
-<p:sldLayout xmlns:a="http://schemas.openxmlformats.org/drawingml/2006/main" xmlns:r="http://schemas.openxmlformats.org/officeDocument/2006/relationships" xmlns:p="http://schemas.openxmlformats.org/presentationml/2006/main" xmlns:m="http://schemas.openxmlformats.org/officeDocument/2006/math" xmlns:a14="http://schemas.microsoft.com/office/drawing/2010/main" type="tx" showMasterSp="0" showMasterPhAnim="1">
+<p:sldLayout xmlns:a="http://schemas.openxmlformats.org/drawingml/2006/main" xmlns:r="http://schemas.openxmlformats.org/officeDocument/2006/relationships" xmlns:p="http://schemas.openxmlformats.org/presentationml/2006/main" xmlns:m="http://schemas.openxmlformats.org/officeDocument/2006/math" xmlns:a14="http://schemas.microsoft.com/office/drawing/2010/main" type="tx" showMasterSp="1" showMasterPhAnim="1">
   <p:cSld name="Рисунок с подписью">
     <p:spTree>
       <p:nvGrpSpPr>
@@ -5148,166 +4223,9 @@
           <a:chExt cx="0" cy="0"/>
         </a:xfrm>
       </p:grpSpPr>
-      <p:pic>
-        <p:nvPicPr>
-          <p:cNvPr id="120" name="Picture 6" descr="Picture 6"/>
-          <p:cNvPicPr>
-            <a:picLocks noChangeAspect="1"/>
-          </p:cNvPicPr>
-          <p:nvPr/>
-        </p:nvPicPr>
-        <p:blipFill>
-          <a:blip r:embed="rId2">
-            <a:extLst/>
-          </a:blip>
-          <a:stretch>
-            <a:fillRect/>
-          </a:stretch>
-        </p:blipFill>
-        <p:spPr>
-          <a:xfrm>
-            <a:off x="0" y="0"/>
-            <a:ext cx="12192000" cy="6858000"/>
-          </a:xfrm>
-          <a:prstGeom prst="rect">
-            <a:avLst/>
-          </a:prstGeom>
-          <a:ln w="12700">
-            <a:miter lim="400000"/>
-          </a:ln>
-        </p:spPr>
-      </p:pic>
-      <p:pic>
-        <p:nvPicPr>
-          <p:cNvPr id="121" name="Picture 7" descr="Picture 7"/>
-          <p:cNvPicPr>
-            <a:picLocks noChangeAspect="1"/>
-          </p:cNvPicPr>
-          <p:nvPr/>
-        </p:nvPicPr>
-        <p:blipFill>
-          <a:blip r:embed="rId3">
-            <a:extLst/>
-          </a:blip>
-          <a:stretch>
-            <a:fillRect/>
-          </a:stretch>
-        </p:blipFill>
-        <p:spPr>
-          <a:xfrm>
-            <a:off x="1" y="1970240"/>
-            <a:ext cx="10437812" cy="321165"/>
-          </a:xfrm>
-          <a:prstGeom prst="rect">
-            <a:avLst/>
-          </a:prstGeom>
-          <a:ln w="12700">
-            <a:miter lim="400000"/>
-          </a:ln>
-        </p:spPr>
-      </p:pic>
-      <p:pic>
-        <p:nvPicPr>
-          <p:cNvPr id="122" name="Picture 8" descr="Picture 8"/>
-          <p:cNvPicPr>
-            <a:picLocks noChangeAspect="1"/>
-          </p:cNvPicPr>
-          <p:nvPr/>
-        </p:nvPicPr>
-        <p:blipFill>
-          <a:blip r:embed="rId4">
-            <a:extLst/>
-          </a:blip>
-          <a:stretch>
-            <a:fillRect/>
-          </a:stretch>
-        </p:blipFill>
-        <p:spPr>
-          <a:xfrm>
-            <a:off x="10585825" y="1971233"/>
-            <a:ext cx="1602998" cy="144271"/>
-          </a:xfrm>
-          <a:prstGeom prst="rect">
-            <a:avLst/>
-          </a:prstGeom>
-          <a:ln w="12700">
-            <a:miter lim="400000"/>
-          </a:ln>
-        </p:spPr>
-      </p:pic>
-      <p:sp>
-        <p:nvSpPr>
-          <p:cNvPr id="123" name="Rectangle 9"/>
-          <p:cNvSpPr/>
-          <p:nvPr/>
-        </p:nvSpPr>
-        <p:spPr>
-          <a:xfrm>
-            <a:off x="-1" y="609600"/>
-            <a:ext cx="10437814" cy="1368198"/>
-          </a:xfrm>
-          <a:prstGeom prst="rect">
-            <a:avLst/>
-          </a:prstGeom>
-          <a:solidFill>
-            <a:srgbClr val="262626"/>
-          </a:solidFill>
-          <a:ln w="12700">
-            <a:miter lim="400000"/>
-          </a:ln>
-        </p:spPr>
-        <p:txBody>
-          <a:bodyPr lIns="45719" rIns="45719"/>
-          <a:lstStyle/>
-          <a:p>
-            <a:pPr>
-              <a:defRPr>
-                <a:solidFill>
-                  <a:srgbClr val="FFFFFF"/>
-                </a:solidFill>
-              </a:defRPr>
-            </a:pPr>
-          </a:p>
-        </p:txBody>
-      </p:sp>
-      <p:sp>
-        <p:nvSpPr>
-          <p:cNvPr id="124" name="Rectangle 10"/>
-          <p:cNvSpPr/>
-          <p:nvPr/>
-        </p:nvSpPr>
-        <p:spPr>
-          <a:xfrm>
-            <a:off x="10585826" y="609600"/>
-            <a:ext cx="1602998" cy="1368198"/>
-          </a:xfrm>
-          <a:prstGeom prst="rect">
-            <a:avLst/>
-          </a:prstGeom>
-          <a:solidFill>
-            <a:schemeClr val="accent1"/>
-          </a:solidFill>
-          <a:ln w="12700">
-            <a:miter lim="400000"/>
-          </a:ln>
-        </p:spPr>
-        <p:txBody>
-          <a:bodyPr lIns="45719" rIns="45719"/>
-          <a:lstStyle/>
-          <a:p>
-            <a:pPr>
-              <a:defRPr>
-                <a:solidFill>
-                  <a:srgbClr val="FFFFFF"/>
-                </a:solidFill>
-              </a:defRPr>
-            </a:pPr>
-          </a:p>
-        </p:txBody>
-      </p:sp>
-      <p:sp>
-        <p:nvSpPr>
-          <p:cNvPr id="125" name="Текст заголовка"/>
+      <p:sp>
+        <p:nvSpPr>
+          <p:cNvPr id="105" name="Текст заголовка"/>
           <p:cNvSpPr txBox="1"/>
           <p:nvPr>
             <p:ph type="title"/>
@@ -5316,7 +4234,7 @@
         <p:spPr>
           <a:xfrm>
             <a:off x="680323" y="753228"/>
-            <a:ext cx="9613858" cy="1080938"/>
+            <a:ext cx="9613859" cy="1080938"/>
           </a:xfrm>
           <a:prstGeom prst="rect">
             <a:avLst/>
@@ -5335,7 +4253,7 @@
       </p:sp>
       <p:sp>
         <p:nvSpPr>
-          <p:cNvPr id="126" name="Picture Placeholder 2"/>
+          <p:cNvPr id="106" name="Picture Placeholder 2"/>
           <p:cNvSpPr/>
           <p:nvPr>
             <p:ph type="pic" sz="half" idx="21"/>
@@ -5358,7 +4276,7 @@
           </a:effectLst>
         </p:spPr>
         <p:txBody>
-          <a:bodyPr lIns="91439" rIns="91439">
+          <a:bodyPr lIns="91439" tIns="45719" rIns="91439" bIns="45719">
             <a:noAutofit/>
           </a:bodyPr>
           <a:lstStyle/>
@@ -5369,7 +4287,7 @@
       </p:sp>
       <p:sp>
         <p:nvSpPr>
-          <p:cNvPr id="127" name="Уровень текста 1…"/>
+          <p:cNvPr id="107" name="Уровень текста 1…"/>
           <p:cNvSpPr txBox="1"/>
           <p:nvPr>
             <p:ph type="body" sz="quarter" idx="1"/>
@@ -5378,7 +4296,7 @@
         <p:spPr>
           <a:xfrm>
             <a:off x="680323" y="2336873"/>
-            <a:ext cx="3876257" cy="3599316"/>
+            <a:ext cx="3876257" cy="3599317"/>
           </a:xfrm>
           <a:prstGeom prst="rect">
             <a:avLst/>
@@ -5393,25 +4311,25 @@
               <a:buNone/>
               <a:defRPr sz="1600"/>
             </a:lvl1pPr>
-            <a:lvl2pPr marL="0" indent="457200">
+            <a:lvl2pPr marL="0" indent="0">
               <a:buSzTx/>
               <a:buFontTx/>
               <a:buNone/>
               <a:defRPr sz="1600"/>
             </a:lvl2pPr>
-            <a:lvl3pPr marL="0" indent="914400">
+            <a:lvl3pPr marL="0" indent="0">
               <a:buSzTx/>
               <a:buFontTx/>
               <a:buNone/>
               <a:defRPr sz="1600"/>
             </a:lvl3pPr>
-            <a:lvl4pPr marL="0" indent="1371600">
+            <a:lvl4pPr marL="0" indent="0">
               <a:buSzTx/>
               <a:buFontTx/>
               <a:buNone/>
               <a:defRPr sz="1600"/>
             </a:lvl4pPr>
-            <a:lvl5pPr marL="0" indent="1828800">
+            <a:lvl5pPr marL="0" indent="0">
               <a:buSzTx/>
               <a:buFontTx/>
               <a:buNone/>
@@ -5452,7 +4370,7 @@
       </p:sp>
       <p:sp>
         <p:nvSpPr>
-          <p:cNvPr id="128" name="Номер слайда"/>
+          <p:cNvPr id="108" name="Номер слайда"/>
           <p:cNvSpPr txBox="1"/>
           <p:nvPr>
             <p:ph type="sldNum" sz="quarter" idx="2"/>
@@ -5547,7 +4465,7 @@
       </p:pic>
       <p:pic>
         <p:nvPicPr>
-          <p:cNvPr id="3" name="Picture 4" descr="Picture 4"/>
+          <p:cNvPr id="3" name="Picture 5" descr="Picture 5"/>
           <p:cNvPicPr>
             <a:picLocks noChangeAspect="1"/>
           </p:cNvPicPr>
@@ -5563,8 +4481,8 @@
         </p:blipFill>
         <p:spPr>
           <a:xfrm>
-            <a:off x="10585825" y="1971233"/>
-            <a:ext cx="1602998" cy="144271"/>
+            <a:off x="1" y="1970240"/>
+            <a:ext cx="10437812" cy="321165"/>
           </a:xfrm>
           <a:prstGeom prst="rect">
             <a:avLst/>
@@ -5574,29 +4492,58 @@
           </a:ln>
         </p:spPr>
       </p:pic>
-      <p:sp>
-        <p:nvSpPr>
-          <p:cNvPr id="4" name="Rectangle 5"/>
+      <p:pic>
+        <p:nvPicPr>
+          <p:cNvPr id="4" name="Picture 6" descr="Picture 6"/>
+          <p:cNvPicPr>
+            <a:picLocks noChangeAspect="1"/>
+          </p:cNvPicPr>
+          <p:nvPr/>
+        </p:nvPicPr>
+        <p:blipFill>
+          <a:blip r:embed="rId4">
+            <a:extLst/>
+          </a:blip>
+          <a:stretch>
+            <a:fillRect/>
+          </a:stretch>
+        </p:blipFill>
+        <p:spPr>
+          <a:xfrm>
+            <a:off x="10585825" y="1971232"/>
+            <a:ext cx="1602999" cy="144272"/>
+          </a:xfrm>
+          <a:prstGeom prst="rect">
+            <a:avLst/>
+          </a:prstGeom>
+          <a:ln w="12700">
+            <a:miter lim="400000"/>
+          </a:ln>
+        </p:spPr>
+      </p:pic>
+      <p:sp>
+        <p:nvSpPr>
+          <p:cNvPr id="5" name="Rectangle 7"/>
           <p:cNvSpPr/>
           <p:nvPr/>
         </p:nvSpPr>
         <p:spPr>
           <a:xfrm>
-            <a:off x="10585826" y="609600"/>
-            <a:ext cx="1602998" cy="1368198"/>
+            <a:off x="-2" y="609600"/>
+            <a:ext cx="10437816" cy="1368198"/>
           </a:xfrm>
           <a:prstGeom prst="rect">
             <a:avLst/>
           </a:prstGeom>
           <a:solidFill>
-            <a:schemeClr val="accent1"/>
+            <a:srgbClr val="262626"/>
           </a:solidFill>
           <a:ln w="12700">
             <a:miter lim="400000"/>
           </a:ln>
         </p:spPr>
         <p:txBody>
-          <a:bodyPr lIns="45719" rIns="45719"/>
+          <a:bodyPr lIns="45718" tIns="45718" rIns="45718" bIns="45718"/>
           <a:lstStyle/>
           <a:p>
             <a:pPr>
@@ -5611,7 +4558,42 @@
       </p:sp>
       <p:sp>
         <p:nvSpPr>
-          <p:cNvPr id="5" name="Текст заголовка"/>
+          <p:cNvPr id="6" name="Rectangle 8"/>
+          <p:cNvSpPr/>
+          <p:nvPr/>
+        </p:nvSpPr>
+        <p:spPr>
+          <a:xfrm>
+            <a:off x="10585825" y="609600"/>
+            <a:ext cx="1602999" cy="1368198"/>
+          </a:xfrm>
+          <a:prstGeom prst="rect">
+            <a:avLst/>
+          </a:prstGeom>
+          <a:solidFill>
+            <a:schemeClr val="accent1"/>
+          </a:solidFill>
+          <a:ln w="12700">
+            <a:miter lim="400000"/>
+          </a:ln>
+        </p:spPr>
+        <p:txBody>
+          <a:bodyPr lIns="45718" tIns="45718" rIns="45718" bIns="45718"/>
+          <a:lstStyle/>
+          <a:p>
+            <a:pPr>
+              <a:defRPr>
+                <a:solidFill>
+                  <a:srgbClr val="FFFFFF"/>
+                </a:solidFill>
+              </a:defRPr>
+            </a:pPr>
+          </a:p>
+        </p:txBody>
+      </p:sp>
+      <p:sp>
+        <p:nvSpPr>
+          <p:cNvPr id="7" name="Текст заголовка"/>
           <p:cNvSpPr txBox="1"/>
           <p:nvPr>
             <p:ph type="title"/>
@@ -5619,8 +4601,8 @@
         </p:nvSpPr>
         <p:spPr>
           <a:xfrm>
-            <a:off x="609600" y="92074"/>
-            <a:ext cx="10972800" cy="1508127"/>
+            <a:off x="680321" y="753228"/>
+            <a:ext cx="9613863" cy="1080938"/>
           </a:xfrm>
           <a:prstGeom prst="rect">
             <a:avLst/>
@@ -5635,7 +4617,7 @@
           </a:extLst>
         </p:spPr>
         <p:txBody>
-          <a:bodyPr lIns="45719" rIns="45719" anchor="ctr">
+          <a:bodyPr lIns="45718" tIns="45718" rIns="45718" bIns="45718" anchor="ctr">
             <a:normAutofit fontScale="100000" lnSpcReduction="0"/>
           </a:bodyPr>
           <a:lstStyle/>
@@ -5649,7 +4631,7 @@
       </p:sp>
       <p:sp>
         <p:nvSpPr>
-          <p:cNvPr id="6" name="Уровень текста 1…"/>
+          <p:cNvPr id="8" name="Уровень текста 1…"/>
           <p:cNvSpPr txBox="1"/>
           <p:nvPr>
             <p:ph type="body" idx="1"/>
@@ -5657,8 +4639,8 @@
         </p:nvSpPr>
         <p:spPr>
           <a:xfrm>
-            <a:off x="609600" y="1600200"/>
-            <a:ext cx="10972800" cy="5257800"/>
+            <a:off x="6805083" y="2438400"/>
+            <a:ext cx="4775201" cy="4419600"/>
           </a:xfrm>
           <a:prstGeom prst="rect">
             <a:avLst/>
@@ -5673,7 +4655,7 @@
           </a:extLst>
         </p:spPr>
         <p:txBody>
-          <a:bodyPr lIns="45719" rIns="45719">
+          <a:bodyPr lIns="45718" tIns="45718" rIns="45718" bIns="45718">
             <a:normAutofit fontScale="100000" lnSpcReduction="0"/>
           </a:bodyPr>
           <a:lstStyle/>
@@ -5711,7 +4693,7 @@
       </p:sp>
       <p:sp>
         <p:nvSpPr>
-          <p:cNvPr id="7" name="Номер слайда"/>
+          <p:cNvPr id="9" name="Номер слайда"/>
           <p:cNvSpPr txBox="1"/>
           <p:nvPr>
             <p:ph type="sldNum" sz="quarter" idx="2"/>
@@ -5719,8 +4701,8 @@
         </p:nvSpPr>
         <p:spPr>
           <a:xfrm>
-            <a:off x="10729455" y="986201"/>
-            <a:ext cx="583665" cy="624841"/>
+            <a:off x="10729455" y="986202"/>
+            <a:ext cx="583663" cy="624839"/>
           </a:xfrm>
           <a:prstGeom prst="rect">
             <a:avLst/>
@@ -5730,7 +4712,7 @@
           </a:ln>
         </p:spPr>
         <p:txBody>
-          <a:bodyPr wrap="none" lIns="45719" rIns="45719" anchor="ctr">
+          <a:bodyPr wrap="none" lIns="45718" tIns="45718" rIns="45718" bIns="45718" anchor="ctr">
             <a:spAutoFit/>
           </a:bodyPr>
           <a:lstStyle>
@@ -5752,21 +4734,21 @@
   </p:cSld>
   <p:clrMap bg1="lt1" tx1="dk1" bg2="lt2" tx2="dk2" accent1="accent1" accent2="accent2" accent3="accent3" accent4="accent4" accent5="accent5" accent6="accent6" hlink="hlink" folHlink="folHlink"/>
   <p:sldLayoutIdLst>
-    <p:sldLayoutId id="2147483649" r:id="rId4"/>
-    <p:sldLayoutId id="2147483650" r:id="rId5"/>
-    <p:sldLayoutId id="2147483651" r:id="rId6"/>
-    <p:sldLayoutId id="2147483652" r:id="rId7"/>
-    <p:sldLayoutId id="2147483653" r:id="rId8"/>
-    <p:sldLayoutId id="2147483654" r:id="rId9"/>
-    <p:sldLayoutId id="2147483655" r:id="rId10"/>
-    <p:sldLayoutId id="2147483656" r:id="rId11"/>
-    <p:sldLayoutId id="2147483657" r:id="rId12"/>
-    <p:sldLayoutId id="2147483658" r:id="rId13"/>
-    <p:sldLayoutId id="2147483659" r:id="rId14"/>
-    <p:sldLayoutId id="2147483660" r:id="rId15"/>
-    <p:sldLayoutId id="2147483661" r:id="rId16"/>
-    <p:sldLayoutId id="2147483662" r:id="rId17"/>
-    <p:sldLayoutId id="2147483663" r:id="rId18"/>
+    <p:sldLayoutId id="2147483649" r:id="rId5"/>
+    <p:sldLayoutId id="2147483650" r:id="rId6"/>
+    <p:sldLayoutId id="2147483651" r:id="rId7"/>
+    <p:sldLayoutId id="2147483652" r:id="rId8"/>
+    <p:sldLayoutId id="2147483653" r:id="rId9"/>
+    <p:sldLayoutId id="2147483654" r:id="rId10"/>
+    <p:sldLayoutId id="2147483655" r:id="rId11"/>
+    <p:sldLayoutId id="2147483656" r:id="rId12"/>
+    <p:sldLayoutId id="2147483657" r:id="rId13"/>
+    <p:sldLayoutId id="2147483658" r:id="rId14"/>
+    <p:sldLayoutId id="2147483659" r:id="rId15"/>
+    <p:sldLayoutId id="2147483660" r:id="rId16"/>
+    <p:sldLayoutId id="2147483661" r:id="rId17"/>
+    <p:sldLayoutId id="2147483662" r:id="rId18"/>
+    <p:sldLayoutId id="2147483663" r:id="rId19"/>
   </p:sldLayoutIdLst>
   <p:transition xmlns:p14="http://schemas.microsoft.com/office/powerpoint/2010/main" spd="med" advClick="1"/>
   <p:txStyles>
@@ -6137,7 +5119,7 @@
           <a:sym typeface="Trebuchet MS"/>
         </a:defRPr>
       </a:lvl5pPr>
-      <a:lvl6pPr marL="2677885" marR="0" indent="-391885" algn="l" defTabSz="914400" rtl="0" latinLnBrk="0">
+      <a:lvl6pPr marL="2677884" marR="0" indent="-391884" algn="l" defTabSz="914400" rtl="0" latinLnBrk="0">
         <a:lnSpc>
           <a:spcPct val="90000"/>
         </a:lnSpc>
@@ -6163,7 +5145,7 @@
           <a:sym typeface="Trebuchet MS"/>
         </a:defRPr>
       </a:lvl6pPr>
-      <a:lvl7pPr marL="3135085" marR="0" indent="-391885" algn="l" defTabSz="914400" rtl="0" latinLnBrk="0">
+      <a:lvl7pPr marL="3135084" marR="0" indent="-391884" algn="l" defTabSz="914400" rtl="0" latinLnBrk="0">
         <a:lnSpc>
           <a:spcPct val="90000"/>
         </a:lnSpc>
@@ -6189,7 +5171,7 @@
           <a:sym typeface="Trebuchet MS"/>
         </a:defRPr>
       </a:lvl7pPr>
-      <a:lvl8pPr marL="3592285" marR="0" indent="-391885" algn="l" defTabSz="914400" rtl="0" latinLnBrk="0">
+      <a:lvl8pPr marL="3592284" marR="0" indent="-391884" algn="l" defTabSz="914400" rtl="0" latinLnBrk="0">
         <a:lnSpc>
           <a:spcPct val="90000"/>
         </a:lnSpc>
@@ -6215,7 +5197,7 @@
           <a:sym typeface="Trebuchet MS"/>
         </a:defRPr>
       </a:lvl8pPr>
-      <a:lvl9pPr marL="4049485" marR="0" indent="-391885" algn="l" defTabSz="914400" rtl="0" latinLnBrk="0">
+      <a:lvl9pPr marL="4049484" marR="0" indent="-391884" algn="l" defTabSz="914400" rtl="0" latinLnBrk="0">
         <a:lnSpc>
           <a:spcPct val="90000"/>
         </a:lnSpc>
@@ -6269,7 +5251,7 @@
           <a:sym typeface="Trebuchet MS"/>
         </a:defRPr>
       </a:lvl1pPr>
-      <a:lvl2pPr marL="0" marR="0" indent="457200" algn="l" defTabSz="457200" rtl="0" latinLnBrk="0">
+      <a:lvl2pPr marL="0" marR="0" indent="0" algn="l" defTabSz="457200" rtl="0" latinLnBrk="0">
         <a:lnSpc>
           <a:spcPct val="100000"/>
         </a:lnSpc>
@@ -6295,7 +5277,7 @@
           <a:sym typeface="Trebuchet MS"/>
         </a:defRPr>
       </a:lvl2pPr>
-      <a:lvl3pPr marL="0" marR="0" indent="914400" algn="l" defTabSz="457200" rtl="0" latinLnBrk="0">
+      <a:lvl3pPr marL="0" marR="0" indent="0" algn="l" defTabSz="457200" rtl="0" latinLnBrk="0">
         <a:lnSpc>
           <a:spcPct val="100000"/>
         </a:lnSpc>
@@ -6321,7 +5303,7 @@
           <a:sym typeface="Trebuchet MS"/>
         </a:defRPr>
       </a:lvl3pPr>
-      <a:lvl4pPr marL="0" marR="0" indent="1371600" algn="l" defTabSz="457200" rtl="0" latinLnBrk="0">
+      <a:lvl4pPr marL="0" marR="0" indent="0" algn="l" defTabSz="457200" rtl="0" latinLnBrk="0">
         <a:lnSpc>
           <a:spcPct val="100000"/>
         </a:lnSpc>
@@ -6347,7 +5329,7 @@
           <a:sym typeface="Trebuchet MS"/>
         </a:defRPr>
       </a:lvl4pPr>
-      <a:lvl5pPr marL="0" marR="0" indent="1828800" algn="l" defTabSz="457200" rtl="0" latinLnBrk="0">
+      <a:lvl5pPr marL="0" marR="0" indent="0" algn="l" defTabSz="457200" rtl="0" latinLnBrk="0">
         <a:lnSpc>
           <a:spcPct val="100000"/>
         </a:lnSpc>
@@ -6373,7 +5355,7 @@
           <a:sym typeface="Trebuchet MS"/>
         </a:defRPr>
       </a:lvl5pPr>
-      <a:lvl6pPr marL="0" marR="0" indent="2286000" algn="l" defTabSz="457200" rtl="0" latinLnBrk="0">
+      <a:lvl6pPr marL="0" marR="0" indent="0" algn="l" defTabSz="457200" rtl="0" latinLnBrk="0">
         <a:lnSpc>
           <a:spcPct val="100000"/>
         </a:lnSpc>
@@ -6399,7 +5381,7 @@
           <a:sym typeface="Trebuchet MS"/>
         </a:defRPr>
       </a:lvl6pPr>
-      <a:lvl7pPr marL="0" marR="0" indent="2743200" algn="l" defTabSz="457200" rtl="0" latinLnBrk="0">
+      <a:lvl7pPr marL="0" marR="0" indent="0" algn="l" defTabSz="457200" rtl="0" latinLnBrk="0">
         <a:lnSpc>
           <a:spcPct val="100000"/>
         </a:lnSpc>
@@ -6425,7 +5407,7 @@
           <a:sym typeface="Trebuchet MS"/>
         </a:defRPr>
       </a:lvl7pPr>
-      <a:lvl8pPr marL="0" marR="0" indent="3200400" algn="l" defTabSz="457200" rtl="0" latinLnBrk="0">
+      <a:lvl8pPr marL="0" marR="0" indent="0" algn="l" defTabSz="457200" rtl="0" latinLnBrk="0">
         <a:lnSpc>
           <a:spcPct val="100000"/>
         </a:lnSpc>
@@ -6451,7 +5433,7 @@
           <a:sym typeface="Trebuchet MS"/>
         </a:defRPr>
       </a:lvl8pPr>
-      <a:lvl9pPr marL="0" marR="0" indent="3657600" algn="l" defTabSz="457200" rtl="0" latinLnBrk="0">
+      <a:lvl9pPr marL="0" marR="0" indent="0" algn="l" defTabSz="457200" rtl="0" latinLnBrk="0">
         <a:lnSpc>
           <a:spcPct val="100000"/>
         </a:lnSpc>
@@ -6501,7 +5483,7 @@
       </p:grpSpPr>
       <p:sp>
         <p:nvSpPr>
-          <p:cNvPr id="238" name="Заголовок 1"/>
+          <p:cNvPr id="208" name="Заголовок 1"/>
           <p:cNvSpPr txBox="1"/>
           <p:nvPr>
             <p:ph type="ctrTitle"/>
@@ -6509,8 +5491,8 @@
         </p:nvSpPr>
         <p:spPr>
           <a:xfrm>
-            <a:off x="680322" y="2733708"/>
-            <a:ext cx="8144134" cy="1373071"/>
+            <a:off x="680322" y="2733707"/>
+            <a:ext cx="8144134" cy="1373072"/>
           </a:xfrm>
           <a:prstGeom prst="rect">
             <a:avLst/>
@@ -6559,7 +5541,7 @@
       </p:grpSpPr>
       <p:sp>
         <p:nvSpPr>
-          <p:cNvPr id="270" name="Заголовок 1"/>
+          <p:cNvPr id="244" name="Заголовок 1"/>
           <p:cNvSpPr txBox="1"/>
           <p:nvPr>
             <p:ph type="title"/>
@@ -6578,242 +5560,215 @@
           <a:bodyPr/>
           <a:lstStyle>
             <a:lvl1pPr>
-              <a:defRPr b="1"/>
+              <a:defRPr b="1" sz="4400"/>
             </a:lvl1pPr>
           </a:lstStyle>
           <a:p>
             <a:pPr/>
             <a:r>
-              <a:t>Дополнительные таблицы БД</a:t>
-            </a:r>
-          </a:p>
-        </p:txBody>
-      </p:sp>
-      <p:pic>
-        <p:nvPicPr>
-          <p:cNvPr id="271" name="Рисунок 6" descr="Рисунок 6"/>
-          <p:cNvPicPr>
-            <a:picLocks noChangeAspect="1"/>
-          </p:cNvPicPr>
-          <p:nvPr/>
-        </p:nvPicPr>
-        <p:blipFill>
-          <a:blip r:embed="rId2">
-            <a:extLst/>
-          </a:blip>
-          <a:stretch>
-            <a:fillRect/>
-          </a:stretch>
-        </p:blipFill>
-        <p:spPr>
-          <a:xfrm>
-            <a:off x="429624" y="2285266"/>
-            <a:ext cx="6048376" cy="1588384"/>
-          </a:xfrm>
-          <a:prstGeom prst="rect">
-            <a:avLst/>
-          </a:prstGeom>
-          <a:ln w="12700">
-            <a:miter lim="400000"/>
-          </a:ln>
-        </p:spPr>
-      </p:pic>
-      <p:pic>
-        <p:nvPicPr>
-          <p:cNvPr id="272" name="Рисунок 8" descr="Рисунок 8"/>
-          <p:cNvPicPr>
-            <a:picLocks noChangeAspect="1"/>
-          </p:cNvPicPr>
-          <p:nvPr/>
-        </p:nvPicPr>
-        <p:blipFill>
-          <a:blip r:embed="rId3">
-            <a:extLst/>
-          </a:blip>
-          <a:stretch>
-            <a:fillRect/>
-          </a:stretch>
-        </p:blipFill>
-        <p:spPr>
-          <a:xfrm>
-            <a:off x="6679027" y="2285266"/>
-            <a:ext cx="5189124" cy="2100996"/>
-          </a:xfrm>
-          <a:prstGeom prst="rect">
-            <a:avLst/>
-          </a:prstGeom>
-          <a:ln w="12700">
-            <a:miter lim="400000"/>
-          </a:ln>
-        </p:spPr>
-      </p:pic>
-      <p:pic>
-        <p:nvPicPr>
-          <p:cNvPr id="273" name="Рисунок 10" descr="Рисунок 10"/>
-          <p:cNvPicPr>
-            <a:picLocks noChangeAspect="1"/>
-          </p:cNvPicPr>
-          <p:nvPr/>
-        </p:nvPicPr>
-        <p:blipFill>
-          <a:blip r:embed="rId4">
-            <a:extLst/>
-          </a:blip>
-          <a:stretch>
-            <a:fillRect/>
-          </a:stretch>
-        </p:blipFill>
-        <p:spPr>
-          <a:xfrm>
-            <a:off x="429624" y="4589462"/>
-            <a:ext cx="5534026" cy="1971676"/>
-          </a:xfrm>
-          <a:prstGeom prst="rect">
-            <a:avLst/>
-          </a:prstGeom>
-          <a:ln w="12700">
-            <a:miter lim="400000"/>
-          </a:ln>
-        </p:spPr>
-      </p:pic>
-      <p:sp>
-        <p:nvSpPr>
-          <p:cNvPr id="274" name="TextBox 11"/>
+              <a:t>Используемые библиотеки</a:t>
+            </a:r>
+          </a:p>
+        </p:txBody>
+      </p:sp>
+      <p:sp>
+        <p:nvSpPr>
+          <p:cNvPr id="245" name="Объект 2"/>
           <p:cNvSpPr txBox="1"/>
-          <p:nvPr/>
-        </p:nvSpPr>
-        <p:spPr>
-          <a:xfrm>
-            <a:off x="475344" y="3868346"/>
-            <a:ext cx="4157289" cy="497841"/>
-          </a:xfrm>
-          <a:prstGeom prst="rect">
-            <a:avLst/>
-          </a:prstGeom>
-          <a:ln w="12700">
-            <a:miter lim="400000"/>
-          </a:ln>
-          <a:extLst>
-            <a:ext uri="{C572A759-6A51-4108-AA02-DFA0A04FC94B}">
-              <ma14:wrappingTextBoxFlag xmlns:ma14="http://schemas.microsoft.com/office/mac/drawingml/2011/main" val="1"/>
-            </a:ext>
-          </a:extLst>
-        </p:spPr>
-        <p:txBody>
-          <a:bodyPr lIns="45719" rIns="45719">
-            <a:spAutoFit/>
-          </a:bodyPr>
-          <a:lstStyle>
-            <a:lvl1pPr>
-              <a:defRPr b="1" sz="2800">
-                <a:solidFill>
-                  <a:srgbClr val="FFFFFF"/>
-                </a:solidFill>
-              </a:defRPr>
-            </a:lvl1pPr>
-          </a:lstStyle>
-          <a:p>
-            <a:pPr/>
-            <a:r>
-              <a:t>Категории</a:t>
-            </a:r>
-          </a:p>
-        </p:txBody>
-      </p:sp>
-      <p:sp>
-        <p:nvSpPr>
-          <p:cNvPr id="275" name="TextBox 12"/>
-          <p:cNvSpPr txBox="1"/>
-          <p:nvPr/>
-        </p:nvSpPr>
-        <p:spPr>
-          <a:xfrm>
-            <a:off x="10621358" y="4462283"/>
-            <a:ext cx="1324899" cy="497841"/>
-          </a:xfrm>
-          <a:prstGeom prst="rect">
-            <a:avLst/>
-          </a:prstGeom>
-          <a:ln w="12700">
-            <a:miter lim="400000"/>
-          </a:ln>
-          <a:extLst>
-            <a:ext uri="{C572A759-6A51-4108-AA02-DFA0A04FC94B}">
-              <ma14:wrappingTextBoxFlag xmlns:ma14="http://schemas.microsoft.com/office/mac/drawingml/2011/main" val="1"/>
-            </a:ext>
-          </a:extLst>
-        </p:spPr>
-        <p:txBody>
-          <a:bodyPr lIns="45719" rIns="45719">
-            <a:spAutoFit/>
-          </a:bodyPr>
-          <a:lstStyle>
-            <a:lvl1pPr>
-              <a:defRPr b="1" sz="2800">
-                <a:solidFill>
-                  <a:srgbClr val="FFFFFF"/>
-                </a:solidFill>
-              </a:defRPr>
-            </a:lvl1pPr>
-          </a:lstStyle>
-          <a:p>
-            <a:pPr/>
-            <a:r>
-              <a:t>Посты</a:t>
-            </a:r>
-          </a:p>
-        </p:txBody>
-      </p:sp>
-      <p:sp>
-        <p:nvSpPr>
-          <p:cNvPr id="276" name="TextBox 13"/>
-          <p:cNvSpPr txBox="1"/>
-          <p:nvPr/>
-        </p:nvSpPr>
-        <p:spPr>
-          <a:xfrm>
-            <a:off x="6141719" y="5730140"/>
-            <a:ext cx="4486489" cy="802641"/>
-          </a:xfrm>
-          <a:prstGeom prst="rect">
-            <a:avLst/>
-          </a:prstGeom>
-          <a:ln w="12700">
-            <a:miter lim="400000"/>
-          </a:ln>
-          <a:extLst>
-            <a:ext uri="{C572A759-6A51-4108-AA02-DFA0A04FC94B}">
-              <ma14:wrappingTextBoxFlag xmlns:ma14="http://schemas.microsoft.com/office/mac/drawingml/2011/main" val="1"/>
-            </a:ext>
-          </a:extLst>
-        </p:spPr>
-        <p:txBody>
-          <a:bodyPr lIns="45719" rIns="45719">
-            <a:spAutoFit/>
-          </a:bodyPr>
+          <p:nvPr>
+            <p:ph type="body" idx="1"/>
+          </p:nvPr>
+        </p:nvSpPr>
+        <p:spPr>
+          <a:xfrm>
+            <a:off x="680320" y="2161381"/>
+            <a:ext cx="9613863" cy="4322546"/>
+          </a:xfrm>
+          <a:prstGeom prst="rect">
+            <a:avLst/>
+          </a:prstGeom>
+        </p:spPr>
+        <p:txBody>
+          <a:bodyPr/>
           <a:lstStyle/>
           <a:p>
-            <a:pPr>
-              <a:defRPr b="1" sz="2400">
-                <a:solidFill>
-                  <a:srgbClr val="FFFFFF"/>
-                </a:solidFill>
+            <a:pPr marL="342900" indent="-342900">
+              <a:lnSpc>
+                <a:spcPct val="85600"/>
+              </a:lnSpc>
+              <a:buFont typeface="Symbol"/>
+              <a:buChar char="·"/>
+              <a:defRPr b="1" sz="2000">
+                <a:latin typeface="Calibri"/>
+                <a:ea typeface="Calibri"/>
+                <a:cs typeface="Calibri"/>
+                <a:sym typeface="Calibri"/>
               </a:defRPr>
             </a:pPr>
             <a:r>
-              <a:t>Связующая таблица </a:t>
-            </a:r>
-            <a:r>
-              <a:t>(ID</a:t>
-            </a:r>
-            <a:r>
-              <a:t> поста – </a:t>
-            </a:r>
-            <a:r>
-              <a:t>ID </a:t>
-            </a:r>
-            <a:r>
-              <a:t>категории)</a:t>
+              <a:t>Flask – сервер</a:t>
+            </a:r>
+          </a:p>
+          <a:p>
+            <a:pPr marL="342900" indent="-342900">
+              <a:lnSpc>
+                <a:spcPct val="85600"/>
+              </a:lnSpc>
+              <a:buFont typeface="Symbol"/>
+              <a:buChar char="·"/>
+              <a:defRPr b="1" sz="2000">
+                <a:latin typeface="Calibri"/>
+                <a:ea typeface="Calibri"/>
+                <a:cs typeface="Calibri"/>
+                <a:sym typeface="Calibri"/>
+              </a:defRPr>
+            </a:pPr>
+            <a:r>
+              <a:t>Flask-login – система авторизации и регистрации</a:t>
+            </a:r>
+          </a:p>
+          <a:p>
+            <a:pPr marL="342900" indent="-342900">
+              <a:lnSpc>
+                <a:spcPct val="85600"/>
+              </a:lnSpc>
+              <a:buFont typeface="Symbol"/>
+              <a:buChar char="·"/>
+              <a:defRPr b="1" sz="2000">
+                <a:latin typeface="Calibri"/>
+                <a:ea typeface="Calibri"/>
+                <a:cs typeface="Calibri"/>
+                <a:sym typeface="Calibri"/>
+              </a:defRPr>
+            </a:pPr>
+            <a:r>
+              <a:t>Flask-wtf – формы HTML</a:t>
+            </a:r>
+          </a:p>
+          <a:p>
+            <a:pPr marL="342900" indent="-342900">
+              <a:lnSpc>
+                <a:spcPct val="85600"/>
+              </a:lnSpc>
+              <a:buFont typeface="Symbol"/>
+              <a:buChar char="·"/>
+              <a:defRPr b="1" sz="2000">
+                <a:latin typeface="Calibri"/>
+                <a:ea typeface="Calibri"/>
+                <a:cs typeface="Calibri"/>
+                <a:sym typeface="Calibri"/>
+              </a:defRPr>
+            </a:pPr>
+            <a:r>
+              <a:t>Python-telegram-bot – бот-телеграмм</a:t>
+            </a:r>
+          </a:p>
+          <a:p>
+            <a:pPr marL="342900" indent="-342900">
+              <a:lnSpc>
+                <a:spcPct val="85600"/>
+              </a:lnSpc>
+              <a:buFont typeface="Symbol"/>
+              <a:buChar char="·"/>
+              <a:defRPr b="1" sz="2000">
+                <a:latin typeface="Calibri"/>
+                <a:ea typeface="Calibri"/>
+                <a:cs typeface="Calibri"/>
+                <a:sym typeface="Calibri"/>
+              </a:defRPr>
+            </a:pPr>
+            <a:r>
+              <a:t>Requests – работа с API сторонних приложений</a:t>
+            </a:r>
+          </a:p>
+          <a:p>
+            <a:pPr marL="342900" indent="-342900">
+              <a:lnSpc>
+                <a:spcPct val="85600"/>
+              </a:lnSpc>
+              <a:buFont typeface="Symbol"/>
+              <a:buChar char="·"/>
+              <a:defRPr b="1" sz="2000">
+                <a:latin typeface="Calibri"/>
+                <a:ea typeface="Calibri"/>
+                <a:cs typeface="Calibri"/>
+                <a:sym typeface="Calibri"/>
+              </a:defRPr>
+            </a:pPr>
+            <a:r>
+              <a:t>Sqlalchemy – движок для работы с БД</a:t>
+            </a:r>
+          </a:p>
+          <a:p>
+            <a:pPr marL="342900" indent="-342900">
+              <a:lnSpc>
+                <a:spcPct val="85600"/>
+              </a:lnSpc>
+              <a:buFont typeface="Symbol"/>
+              <a:buChar char="·"/>
+              <a:defRPr b="1" sz="2000">
+                <a:latin typeface="Calibri"/>
+                <a:ea typeface="Calibri"/>
+                <a:cs typeface="Calibri"/>
+                <a:sym typeface="Calibri"/>
+              </a:defRPr>
+            </a:pPr>
+            <a:r>
+              <a:t>Hashlib –URL анонимных постов</a:t>
+            </a:r>
+          </a:p>
+          <a:p>
+            <a:pPr marL="342900" indent="-342900">
+              <a:lnSpc>
+                <a:spcPct val="85600"/>
+              </a:lnSpc>
+              <a:buFont typeface="Symbol"/>
+              <a:buChar char="·"/>
+              <a:defRPr b="1" sz="2000">
+                <a:latin typeface="Calibri"/>
+                <a:ea typeface="Calibri"/>
+                <a:cs typeface="Calibri"/>
+                <a:sym typeface="Calibri"/>
+              </a:defRPr>
+            </a:pPr>
+            <a:r>
+              <a:t>Os – работа с ОС</a:t>
+            </a:r>
+          </a:p>
+          <a:p>
+            <a:pPr marL="342900" indent="-342900">
+              <a:lnSpc>
+                <a:spcPct val="85600"/>
+              </a:lnSpc>
+              <a:buFont typeface="Symbol"/>
+              <a:buChar char="·"/>
+              <a:defRPr b="1" sz="2000">
+                <a:latin typeface="Calibri"/>
+                <a:ea typeface="Calibri"/>
+                <a:cs typeface="Calibri"/>
+                <a:sym typeface="Calibri"/>
+              </a:defRPr>
+            </a:pPr>
+            <a:r>
+              <a:t>Datetime – работа с датой и временем</a:t>
+            </a:r>
+          </a:p>
+          <a:p>
+            <a:pPr marL="342900" indent="-342900">
+              <a:lnSpc>
+                <a:spcPct val="85600"/>
+              </a:lnSpc>
+              <a:buFont typeface="Symbol"/>
+              <a:buChar char="·"/>
+              <a:defRPr b="1" sz="2000">
+                <a:latin typeface="Calibri"/>
+                <a:ea typeface="Calibri"/>
+                <a:cs typeface="Calibri"/>
+                <a:sym typeface="Calibri"/>
+              </a:defRPr>
+            </a:pPr>
+            <a:r>
+              <a:t>Uuid – генерация случайных чисел</a:t>
             </a:r>
           </a:p>
         </p:txBody>
@@ -6846,629 +5801,7 @@
       </p:grpSpPr>
       <p:sp>
         <p:nvSpPr>
-          <p:cNvPr id="278" name="Заголовок 1"/>
-          <p:cNvSpPr txBox="1"/>
-          <p:nvPr>
-            <p:ph type="title"/>
-          </p:nvPr>
-        </p:nvSpPr>
-        <p:spPr>
-          <a:xfrm>
-            <a:off x="138546" y="702891"/>
-            <a:ext cx="10437091" cy="1080939"/>
-          </a:xfrm>
-          <a:prstGeom prst="rect">
-            <a:avLst/>
-          </a:prstGeom>
-        </p:spPr>
-        <p:txBody>
-          <a:bodyPr/>
-          <a:lstStyle>
-            <a:lvl1pPr>
-              <a:defRPr b="1"/>
-            </a:lvl1pPr>
-          </a:lstStyle>
-          <a:p>
-            <a:pPr/>
-            <a:r>
-              <a:t>Разделение результатов поиска на страницы</a:t>
-            </a:r>
-          </a:p>
-        </p:txBody>
-      </p:sp>
-      <p:pic>
-        <p:nvPicPr>
-          <p:cNvPr id="279" name="Рисунок 8" descr="Рисунок 8"/>
-          <p:cNvPicPr>
-            <a:picLocks noChangeAspect="1"/>
-          </p:cNvPicPr>
-          <p:nvPr/>
-        </p:nvPicPr>
-        <p:blipFill>
-          <a:blip r:embed="rId2">
-            <a:extLst/>
-          </a:blip>
-          <a:stretch>
-            <a:fillRect/>
-          </a:stretch>
-        </p:blipFill>
-        <p:spPr>
-          <a:xfrm>
-            <a:off x="3229206" y="3120385"/>
-            <a:ext cx="5938982" cy="2524551"/>
-          </a:xfrm>
-          <a:prstGeom prst="rect">
-            <a:avLst/>
-          </a:prstGeom>
-          <a:ln w="12700">
-            <a:miter lim="400000"/>
-          </a:ln>
-        </p:spPr>
-      </p:pic>
-    </p:spTree>
-  </p:cSld>
-  <p:clrMapOvr>
-    <a:masterClrMapping/>
-  </p:clrMapOvr>
-  <p:transition xmlns:p14="http://schemas.microsoft.com/office/powerpoint/2010/main" spd="med" advClick="1"/>
-</p:sld>
-</file>
-
-<file path=ppt/slides/slide12.xml><?xml version="1.0" encoding="utf-8"?>
-<p:sld xmlns:a="http://schemas.openxmlformats.org/drawingml/2006/main" xmlns:r="http://schemas.openxmlformats.org/officeDocument/2006/relationships" xmlns:p="http://schemas.openxmlformats.org/presentationml/2006/main" xmlns:m="http://schemas.openxmlformats.org/officeDocument/2006/math" xmlns:a14="http://schemas.microsoft.com/office/drawing/2010/main" showMasterSp="1" showMasterPhAnim="1">
-  <p:cSld>
-    <p:spTree>
-      <p:nvGrpSpPr>
-        <p:cNvPr id="1" name=""/>
-        <p:cNvGrpSpPr/>
-        <p:nvPr/>
-      </p:nvGrpSpPr>
-      <p:grpSpPr>
-        <a:xfrm>
-          <a:off x="0" y="0"/>
-          <a:ext cx="0" cy="0"/>
-          <a:chOff x="0" y="0"/>
-          <a:chExt cx="0" cy="0"/>
-        </a:xfrm>
-      </p:grpSpPr>
-      <p:sp>
-        <p:nvSpPr>
-          <p:cNvPr id="281" name="Заголовок 1"/>
-          <p:cNvSpPr txBox="1"/>
-          <p:nvPr>
-            <p:ph type="title"/>
-          </p:nvPr>
-        </p:nvSpPr>
-        <p:spPr>
-          <a:xfrm>
-            <a:off x="680320" y="753228"/>
-            <a:ext cx="9613863" cy="1080939"/>
-          </a:xfrm>
-          <a:prstGeom prst="rect">
-            <a:avLst/>
-          </a:prstGeom>
-        </p:spPr>
-        <p:txBody>
-          <a:bodyPr/>
-          <a:lstStyle>
-            <a:lvl1pPr>
-              <a:defRPr b="1" sz="4400"/>
-            </a:lvl1pPr>
-          </a:lstStyle>
-          <a:p>
-            <a:pPr/>
-            <a:r>
-              <a:t>Другие особенности</a:t>
-            </a:r>
-          </a:p>
-        </p:txBody>
-      </p:sp>
-      <p:sp>
-        <p:nvSpPr>
-          <p:cNvPr id="282" name="Объект 2"/>
-          <p:cNvSpPr txBox="1"/>
-          <p:nvPr>
-            <p:ph type="body" idx="1"/>
-          </p:nvPr>
-        </p:nvSpPr>
-        <p:spPr>
-          <a:xfrm>
-            <a:off x="862014" y="2272216"/>
-            <a:ext cx="10467972" cy="3832555"/>
-          </a:xfrm>
-          <a:prstGeom prst="rect">
-            <a:avLst/>
-          </a:prstGeom>
-        </p:spPr>
-        <p:txBody>
-          <a:bodyPr/>
-          <a:lstStyle/>
-          <a:p>
-            <a:pPr marL="342900" indent="-342900">
-              <a:lnSpc>
-                <a:spcPct val="96299"/>
-              </a:lnSpc>
-              <a:buFont typeface="Symbol"/>
-              <a:buChar char="·"/>
-              <a:defRPr b="1" sz="2500">
-                <a:latin typeface="Calibri"/>
-                <a:ea typeface="Calibri"/>
-                <a:cs typeface="Calibri"/>
-                <a:sym typeface="Calibri"/>
-              </a:defRPr>
-            </a:pPr>
-            <a:r>
-              <a:t>Анонимные посты</a:t>
-            </a:r>
-            <a:endParaRPr sz="2200"/>
-          </a:p>
-          <a:p>
-            <a:pPr marL="342900" indent="-342900">
-              <a:lnSpc>
-                <a:spcPct val="96299"/>
-              </a:lnSpc>
-              <a:buFont typeface="Symbol"/>
-              <a:buChar char="·"/>
-              <a:defRPr b="1" sz="2500">
-                <a:latin typeface="Calibri"/>
-                <a:ea typeface="Calibri"/>
-                <a:cs typeface="Calibri"/>
-                <a:sym typeface="Calibri"/>
-              </a:defRPr>
-            </a:pPr>
-            <a:r>
-              <a:t>Система регистрации и авторизации</a:t>
-            </a:r>
-            <a:endParaRPr sz="2200"/>
-          </a:p>
-          <a:p>
-            <a:pPr marL="342900" indent="-342900">
-              <a:lnSpc>
-                <a:spcPct val="96299"/>
-              </a:lnSpc>
-              <a:buFont typeface="Symbol"/>
-              <a:buChar char="·"/>
-              <a:defRPr b="1" sz="2500">
-                <a:latin typeface="Calibri"/>
-                <a:ea typeface="Calibri"/>
-                <a:cs typeface="Calibri"/>
-                <a:sym typeface="Calibri"/>
-              </a:defRPr>
-            </a:pPr>
-            <a:r>
-              <a:t>Система лайков и подписок</a:t>
-            </a:r>
-            <a:endParaRPr sz="2200"/>
-          </a:p>
-          <a:p>
-            <a:pPr marL="342900" indent="-342900">
-              <a:lnSpc>
-                <a:spcPct val="96299"/>
-              </a:lnSpc>
-              <a:buFont typeface="Symbol"/>
-              <a:buChar char="·"/>
-              <a:defRPr b="1" sz="2500">
-                <a:latin typeface="Calibri"/>
-                <a:ea typeface="Calibri"/>
-                <a:cs typeface="Calibri"/>
-                <a:sym typeface="Calibri"/>
-              </a:defRPr>
-            </a:pPr>
-            <a:r>
-              <a:t>Отображение контента в виде сетки</a:t>
-            </a:r>
-            <a:endParaRPr sz="2200"/>
-          </a:p>
-          <a:p>
-            <a:pPr marL="342900" indent="-342900">
-              <a:lnSpc>
-                <a:spcPct val="96299"/>
-              </a:lnSpc>
-              <a:buFont typeface="Symbol"/>
-              <a:buChar char="·"/>
-              <a:defRPr b="1" sz="2500">
-                <a:latin typeface="Calibri"/>
-                <a:ea typeface="Calibri"/>
-                <a:cs typeface="Calibri"/>
-                <a:sym typeface="Calibri"/>
-              </a:defRPr>
-            </a:pPr>
-            <a:r>
-              <a:t>Изображения хранятся в БД в виде пути к файлу</a:t>
-            </a:r>
-            <a:endParaRPr sz="2200"/>
-          </a:p>
-          <a:p>
-            <a:pPr marL="342900" indent="-342900">
-              <a:lnSpc>
-                <a:spcPct val="96299"/>
-              </a:lnSpc>
-              <a:buFont typeface="Symbol"/>
-              <a:buChar char="·"/>
-              <a:defRPr b="1" sz="2500">
-                <a:latin typeface="Calibri"/>
-                <a:ea typeface="Calibri"/>
-                <a:cs typeface="Calibri"/>
-                <a:sym typeface="Calibri"/>
-              </a:defRPr>
-            </a:pPr>
-            <a:r>
-              <a:t>Собственный </a:t>
-            </a:r>
-            <a:r>
-              <a:t>API </a:t>
-            </a:r>
-            <a:r>
-              <a:t>сайта</a:t>
-            </a:r>
-            <a:endParaRPr sz="2200"/>
-          </a:p>
-          <a:p>
-            <a:pPr marL="342900" indent="-342900">
-              <a:lnSpc>
-                <a:spcPct val="96299"/>
-              </a:lnSpc>
-              <a:buFont typeface="Symbol"/>
-              <a:buChar char="·"/>
-              <a:defRPr b="1" sz="2500">
-                <a:latin typeface="Calibri"/>
-                <a:ea typeface="Calibri"/>
-                <a:cs typeface="Calibri"/>
-                <a:sym typeface="Calibri"/>
-              </a:defRPr>
-            </a:pPr>
-            <a:r>
-              <a:t>Множественный выбор категории поста</a:t>
-            </a:r>
-          </a:p>
-        </p:txBody>
-      </p:sp>
-    </p:spTree>
-  </p:cSld>
-  <p:clrMapOvr>
-    <a:masterClrMapping/>
-  </p:clrMapOvr>
-  <p:transition xmlns:p14="http://schemas.microsoft.com/office/powerpoint/2010/main" spd="med" advClick="1"/>
-</p:sld>
-</file>
-
-<file path=ppt/slides/slide13.xml><?xml version="1.0" encoding="utf-8"?>
-<p:sld xmlns:a="http://schemas.openxmlformats.org/drawingml/2006/main" xmlns:r="http://schemas.openxmlformats.org/officeDocument/2006/relationships" xmlns:p="http://schemas.openxmlformats.org/presentationml/2006/main" xmlns:m="http://schemas.openxmlformats.org/officeDocument/2006/math" xmlns:a14="http://schemas.microsoft.com/office/drawing/2010/main" showMasterSp="1" showMasterPhAnim="1">
-  <p:cSld>
-    <p:spTree>
-      <p:nvGrpSpPr>
-        <p:cNvPr id="1" name=""/>
-        <p:cNvGrpSpPr/>
-        <p:nvPr/>
-      </p:nvGrpSpPr>
-      <p:grpSpPr>
-        <a:xfrm>
-          <a:off x="0" y="0"/>
-          <a:ext cx="0" cy="0"/>
-          <a:chOff x="0" y="0"/>
-          <a:chExt cx="0" cy="0"/>
-        </a:xfrm>
-      </p:grpSpPr>
-      <p:sp>
-        <p:nvSpPr>
-          <p:cNvPr id="284" name="Заголовок 1"/>
-          <p:cNvSpPr txBox="1"/>
-          <p:nvPr>
-            <p:ph type="title"/>
-          </p:nvPr>
-        </p:nvSpPr>
-        <p:spPr>
-          <a:xfrm>
-            <a:off x="680320" y="753228"/>
-            <a:ext cx="9613863" cy="1080939"/>
-          </a:xfrm>
-          <a:prstGeom prst="rect">
-            <a:avLst/>
-          </a:prstGeom>
-        </p:spPr>
-        <p:txBody>
-          <a:bodyPr/>
-          <a:lstStyle>
-            <a:lvl1pPr>
-              <a:defRPr b="1" sz="4400"/>
-            </a:lvl1pPr>
-          </a:lstStyle>
-          <a:p>
-            <a:pPr/>
-            <a:r>
-              <a:t>Используемые библиотеки</a:t>
-            </a:r>
-          </a:p>
-        </p:txBody>
-      </p:sp>
-      <p:sp>
-        <p:nvSpPr>
-          <p:cNvPr id="285" name="Объект 2"/>
-          <p:cNvSpPr txBox="1"/>
-          <p:nvPr>
-            <p:ph type="body" idx="1"/>
-          </p:nvPr>
-        </p:nvSpPr>
-        <p:spPr>
-          <a:xfrm>
-            <a:off x="680320" y="2161381"/>
-            <a:ext cx="9613863" cy="4322546"/>
-          </a:xfrm>
-          <a:prstGeom prst="rect">
-            <a:avLst/>
-          </a:prstGeom>
-        </p:spPr>
-        <p:txBody>
-          <a:bodyPr/>
-          <a:lstStyle/>
-          <a:p>
-            <a:pPr marL="342900" indent="-342900">
-              <a:lnSpc>
-                <a:spcPct val="85600"/>
-              </a:lnSpc>
-              <a:buFont typeface="Symbol"/>
-              <a:buChar char="·"/>
-              <a:defRPr b="1" sz="2000">
-                <a:latin typeface="Calibri"/>
-                <a:ea typeface="Calibri"/>
-                <a:cs typeface="Calibri"/>
-                <a:sym typeface="Calibri"/>
-              </a:defRPr>
-            </a:pPr>
-            <a:r>
-              <a:t>Flask – </a:t>
-            </a:r>
-            <a:r>
-              <a:t>сервер</a:t>
-            </a:r>
-          </a:p>
-          <a:p>
-            <a:pPr marL="342900" indent="-342900">
-              <a:lnSpc>
-                <a:spcPct val="85600"/>
-              </a:lnSpc>
-              <a:buFont typeface="Symbol"/>
-              <a:buChar char="·"/>
-              <a:defRPr b="1" sz="2000">
-                <a:latin typeface="Calibri"/>
-                <a:ea typeface="Calibri"/>
-                <a:cs typeface="Calibri"/>
-                <a:sym typeface="Calibri"/>
-              </a:defRPr>
-            </a:pPr>
-            <a:r>
-              <a:t>Flask</a:t>
-            </a:r>
-            <a:r>
-              <a:t>-</a:t>
-            </a:r>
-            <a:r>
-              <a:t>login </a:t>
-            </a:r>
-            <a:r>
-              <a:t>– система авторизации и регистрации</a:t>
-            </a:r>
-          </a:p>
-          <a:p>
-            <a:pPr marL="342900" indent="-342900">
-              <a:lnSpc>
-                <a:spcPct val="85600"/>
-              </a:lnSpc>
-              <a:buFont typeface="Symbol"/>
-              <a:buChar char="·"/>
-              <a:defRPr b="1" sz="2000">
-                <a:latin typeface="Calibri"/>
-                <a:ea typeface="Calibri"/>
-                <a:cs typeface="Calibri"/>
-                <a:sym typeface="Calibri"/>
-              </a:defRPr>
-            </a:pPr>
-            <a:r>
-              <a:t>Flask-wtf – </a:t>
-            </a:r>
-            <a:r>
-              <a:t>формы </a:t>
-            </a:r>
-            <a:r>
-              <a:t>HTML</a:t>
-            </a:r>
-          </a:p>
-          <a:p>
-            <a:pPr marL="342900" indent="-342900">
-              <a:lnSpc>
-                <a:spcPct val="85600"/>
-              </a:lnSpc>
-              <a:buFont typeface="Symbol"/>
-              <a:buChar char="·"/>
-              <a:defRPr b="1" sz="2000">
-                <a:latin typeface="Calibri"/>
-                <a:ea typeface="Calibri"/>
-                <a:cs typeface="Calibri"/>
-                <a:sym typeface="Calibri"/>
-              </a:defRPr>
-            </a:pPr>
-            <a:r>
-              <a:t>Python-telegram-bot – </a:t>
-            </a:r>
-            <a:r>
-              <a:t>бот</a:t>
-            </a:r>
-            <a:r>
-              <a:t>-</a:t>
-            </a:r>
-            <a:r>
-              <a:t>телеграмм</a:t>
-            </a:r>
-          </a:p>
-          <a:p>
-            <a:pPr marL="342900" indent="-342900">
-              <a:lnSpc>
-                <a:spcPct val="85600"/>
-              </a:lnSpc>
-              <a:buFont typeface="Symbol"/>
-              <a:buChar char="·"/>
-              <a:defRPr b="1" sz="2000">
-                <a:latin typeface="Calibri"/>
-                <a:ea typeface="Calibri"/>
-                <a:cs typeface="Calibri"/>
-                <a:sym typeface="Calibri"/>
-              </a:defRPr>
-            </a:pPr>
-            <a:r>
-              <a:t>Requests </a:t>
-            </a:r>
-            <a:r>
-              <a:t>– работа с </a:t>
-            </a:r>
-            <a:r>
-              <a:t>API </a:t>
-            </a:r>
-            <a:r>
-              <a:t>сторонних приложений</a:t>
-            </a:r>
-          </a:p>
-          <a:p>
-            <a:pPr marL="342900" indent="-342900">
-              <a:lnSpc>
-                <a:spcPct val="85600"/>
-              </a:lnSpc>
-              <a:buFont typeface="Symbol"/>
-              <a:buChar char="·"/>
-              <a:defRPr b="1" sz="2000">
-                <a:latin typeface="Calibri"/>
-                <a:ea typeface="Calibri"/>
-                <a:cs typeface="Calibri"/>
-                <a:sym typeface="Calibri"/>
-              </a:defRPr>
-            </a:pPr>
-            <a:r>
-              <a:t>Sqlalchemy </a:t>
-            </a:r>
-            <a:r>
-              <a:t>– движок для работы с БД</a:t>
-            </a:r>
-          </a:p>
-          <a:p>
-            <a:pPr marL="342900" indent="-342900">
-              <a:lnSpc>
-                <a:spcPct val="85600"/>
-              </a:lnSpc>
-              <a:buFont typeface="Symbol"/>
-              <a:buChar char="·"/>
-              <a:defRPr b="1" sz="2000">
-                <a:latin typeface="Calibri"/>
-                <a:ea typeface="Calibri"/>
-                <a:cs typeface="Calibri"/>
-                <a:sym typeface="Calibri"/>
-              </a:defRPr>
-            </a:pPr>
-            <a:r>
-              <a:t>Hashlib </a:t>
-            </a:r>
-            <a:r>
-              <a:t>–</a:t>
-            </a:r>
-            <a:r>
-              <a:t>URL </a:t>
-            </a:r>
-            <a:r>
-              <a:t>анонимных постов</a:t>
-            </a:r>
-          </a:p>
-          <a:p>
-            <a:pPr marL="342900" indent="-342900">
-              <a:lnSpc>
-                <a:spcPct val="85600"/>
-              </a:lnSpc>
-              <a:buFont typeface="Symbol"/>
-              <a:buChar char="·"/>
-              <a:defRPr b="1" sz="2000">
-                <a:latin typeface="Calibri"/>
-                <a:ea typeface="Calibri"/>
-                <a:cs typeface="Calibri"/>
-                <a:sym typeface="Calibri"/>
-              </a:defRPr>
-            </a:pPr>
-            <a:r>
-              <a:t>Os – </a:t>
-            </a:r>
-            <a:r>
-              <a:t>работа с ОС</a:t>
-            </a:r>
-          </a:p>
-          <a:p>
-            <a:pPr marL="342900" indent="-342900">
-              <a:lnSpc>
-                <a:spcPct val="85600"/>
-              </a:lnSpc>
-              <a:buFont typeface="Symbol"/>
-              <a:buChar char="·"/>
-              <a:defRPr b="1" sz="2000">
-                <a:latin typeface="Calibri"/>
-                <a:ea typeface="Calibri"/>
-                <a:cs typeface="Calibri"/>
-                <a:sym typeface="Calibri"/>
-              </a:defRPr>
-            </a:pPr>
-            <a:r>
-              <a:t>Datetime </a:t>
-            </a:r>
-            <a:r>
-              <a:t>– работа с датой и временем</a:t>
-            </a:r>
-          </a:p>
-          <a:p>
-            <a:pPr marL="342900" indent="-342900">
-              <a:lnSpc>
-                <a:spcPct val="85600"/>
-              </a:lnSpc>
-              <a:buFont typeface="Symbol"/>
-              <a:buChar char="·"/>
-              <a:defRPr b="1" sz="2000">
-                <a:latin typeface="Calibri"/>
-                <a:ea typeface="Calibri"/>
-                <a:cs typeface="Calibri"/>
-                <a:sym typeface="Calibri"/>
-              </a:defRPr>
-            </a:pPr>
-            <a:r>
-              <a:t>Uuid – </a:t>
-            </a:r>
-            <a:r>
-              <a:t>генерация случайных чисел</a:t>
-            </a:r>
-          </a:p>
-        </p:txBody>
-      </p:sp>
-    </p:spTree>
-  </p:cSld>
-  <p:clrMapOvr>
-    <a:masterClrMapping/>
-  </p:clrMapOvr>
-  <p:transition xmlns:p14="http://schemas.microsoft.com/office/powerpoint/2010/main" spd="med" advClick="1"/>
-</p:sld>
-</file>
-
-<file path=ppt/slides/slide14.xml><?xml version="1.0" encoding="utf-8"?>
-<p:sld xmlns:a="http://schemas.openxmlformats.org/drawingml/2006/main" xmlns:r="http://schemas.openxmlformats.org/officeDocument/2006/relationships" xmlns:p="http://schemas.openxmlformats.org/presentationml/2006/main" xmlns:m="http://schemas.openxmlformats.org/officeDocument/2006/math" xmlns:a14="http://schemas.microsoft.com/office/drawing/2010/main" showMasterSp="1" showMasterPhAnim="1">
-  <p:cSld>
-    <p:spTree>
-      <p:nvGrpSpPr>
-        <p:cNvPr id="1" name=""/>
-        <p:cNvGrpSpPr/>
-        <p:nvPr/>
-      </p:nvGrpSpPr>
-      <p:grpSpPr>
-        <a:xfrm>
-          <a:off x="0" y="0"/>
-          <a:ext cx="0" cy="0"/>
-          <a:chOff x="0" y="0"/>
-          <a:chExt cx="0" cy="0"/>
-        </a:xfrm>
-      </p:grpSpPr>
-      <p:sp>
-        <p:nvSpPr>
-          <p:cNvPr id="287" name="Заголовок 1"/>
+          <p:cNvPr id="247" name="Заголовок 1"/>
           <p:cNvSpPr txBox="1"/>
           <p:nvPr>
             <p:ph type="title"/>
@@ -7500,7 +5833,7 @@
       </p:sp>
       <p:sp>
         <p:nvSpPr>
-          <p:cNvPr id="288" name="Объект 2"/>
+          <p:cNvPr id="248" name="Объект 2"/>
           <p:cNvSpPr txBox="1"/>
           <p:nvPr>
             <p:ph type="body" idx="1"/>
@@ -7508,8 +5841,8 @@
         </p:nvSpPr>
         <p:spPr>
           <a:xfrm>
-            <a:off x="680320" y="2336873"/>
-            <a:ext cx="9613863" cy="3599317"/>
+            <a:off x="680320" y="2336872"/>
+            <a:ext cx="9613863" cy="3599319"/>
           </a:xfrm>
           <a:prstGeom prst="rect">
             <a:avLst/>
@@ -7604,7 +5937,7 @@
       </p:grpSpPr>
       <p:sp>
         <p:nvSpPr>
-          <p:cNvPr id="240" name="Заголовок 1"/>
+          <p:cNvPr id="210" name="Заголовок 1"/>
           <p:cNvSpPr txBox="1"/>
           <p:nvPr>
             <p:ph type="title"/>
@@ -7636,7 +5969,7 @@
       </p:sp>
       <p:sp>
         <p:nvSpPr>
-          <p:cNvPr id="241" name="Объект 2"/>
+          <p:cNvPr id="211" name="Объект 2"/>
           <p:cNvSpPr txBox="1"/>
           <p:nvPr>
             <p:ph type="body" idx="1"/>
@@ -7644,8 +5977,8 @@
         </p:nvSpPr>
         <p:spPr>
           <a:xfrm>
-            <a:off x="680320" y="2369128"/>
-            <a:ext cx="10178324" cy="3593592"/>
+            <a:off x="680319" y="2369128"/>
+            <a:ext cx="10178326" cy="3593593"/>
           </a:xfrm>
           <a:prstGeom prst="rect">
             <a:avLst/>
@@ -7704,7 +6037,7 @@
       </p:grpSpPr>
       <p:sp>
         <p:nvSpPr>
-          <p:cNvPr id="243" name="Заголовок 1"/>
+          <p:cNvPr id="213" name="Заголовок 1"/>
           <p:cNvSpPr txBox="1"/>
           <p:nvPr>
             <p:ph type="title"/>
@@ -7736,7 +6069,7 @@
       </p:sp>
       <p:pic>
         <p:nvPicPr>
-          <p:cNvPr id="244" name="Рисунок 4" descr="Рисунок 4"/>
+          <p:cNvPr id="214" name="Рисунок 4" descr="Рисунок 4"/>
           <p:cNvPicPr>
             <a:picLocks noChangeAspect="1"/>
           </p:cNvPicPr>
@@ -7753,7 +6086,7 @@
         <p:spPr>
           <a:xfrm>
             <a:off x="208597" y="3104445"/>
-            <a:ext cx="11774807" cy="1753865"/>
+            <a:ext cx="11774807" cy="1753866"/>
           </a:xfrm>
           <a:prstGeom prst="rect">
             <a:avLst/>
@@ -7765,14 +6098,14 @@
       </p:pic>
       <p:sp>
         <p:nvSpPr>
-          <p:cNvPr id="245" name="TextBox 5"/>
+          <p:cNvPr id="215" name="TextBox 5"/>
           <p:cNvSpPr txBox="1"/>
           <p:nvPr/>
         </p:nvSpPr>
         <p:spPr>
           <a:xfrm>
-            <a:off x="4802447" y="5181441"/>
-            <a:ext cx="5847542" cy="891541"/>
+            <a:off x="4802447" y="5181442"/>
+            <a:ext cx="5847543" cy="891539"/>
           </a:xfrm>
           <a:prstGeom prst="rect">
             <a:avLst/>
@@ -7787,7 +6120,7 @@
           </a:extLst>
         </p:spPr>
         <p:txBody>
-          <a:bodyPr lIns="45719" rIns="45719">
+          <a:bodyPr lIns="45718" tIns="45718" rIns="45718" bIns="45718">
             <a:spAutoFit/>
           </a:bodyPr>
           <a:lstStyle>
@@ -7835,7 +6168,7 @@
       </p:grpSpPr>
       <p:sp>
         <p:nvSpPr>
-          <p:cNvPr id="247" name="Заголовок 1"/>
+          <p:cNvPr id="217" name="Заголовок 1"/>
           <p:cNvSpPr txBox="1"/>
           <p:nvPr>
             <p:ph type="title"/>
@@ -7844,7 +6177,7 @@
         <p:spPr>
           <a:xfrm>
             <a:off x="680320" y="716283"/>
-            <a:ext cx="9613863" cy="1080939"/>
+            <a:ext cx="9613863" cy="1080940"/>
           </a:xfrm>
           <a:prstGeom prst="rect">
             <a:avLst/>
@@ -7867,7 +6200,7 @@
       </p:sp>
       <p:pic>
         <p:nvPicPr>
-          <p:cNvPr id="248" name="Рисунок 4" descr="Рисунок 4"/>
+          <p:cNvPr id="218" name="Рисунок 4" descr="Рисунок 4"/>
           <p:cNvPicPr>
             <a:picLocks noChangeAspect="1"/>
           </p:cNvPicPr>
@@ -7883,8 +6216,8 @@
         </p:blipFill>
         <p:spPr>
           <a:xfrm>
-            <a:off x="615988" y="2207491"/>
-            <a:ext cx="10960023" cy="3205021"/>
+            <a:off x="615987" y="2207491"/>
+            <a:ext cx="10960025" cy="3205022"/>
           </a:xfrm>
           <a:prstGeom prst="rect">
             <a:avLst/>
@@ -7896,14 +6229,14 @@
       </p:pic>
       <p:sp>
         <p:nvSpPr>
-          <p:cNvPr id="249" name="TextBox 5"/>
+          <p:cNvPr id="219" name="TextBox 5"/>
           <p:cNvSpPr txBox="1"/>
           <p:nvPr/>
         </p:nvSpPr>
         <p:spPr>
           <a:xfrm>
-            <a:off x="726040" y="5951006"/>
-            <a:ext cx="11533259" cy="497841"/>
+            <a:off x="726040" y="5951007"/>
+            <a:ext cx="11533259" cy="497839"/>
           </a:xfrm>
           <a:prstGeom prst="rect">
             <a:avLst/>
@@ -7918,26 +6251,22 @@
           </a:extLst>
         </p:spPr>
         <p:txBody>
-          <a:bodyPr lIns="45719" rIns="45719">
+          <a:bodyPr lIns="45718" tIns="45718" rIns="45718" bIns="45718">
             <a:spAutoFit/>
           </a:bodyPr>
-          <a:lstStyle/>
-          <a:p>
-            <a:pPr>
+          <a:lstStyle>
+            <a:lvl1pPr>
               <a:defRPr b="1" sz="2800">
                 <a:solidFill>
                   <a:srgbClr val="FFFFFF"/>
                 </a:solidFill>
               </a:defRPr>
-            </a:pPr>
-            <a:r>
-              <a:t>Всего 4 типа контента</a:t>
-            </a:r>
-            <a:r>
-              <a:t>: </a:t>
-            </a:r>
-            <a:r>
-              <a:t>посты, видео, новости и комментарии</a:t>
+            </a:lvl1pPr>
+          </a:lstStyle>
+          <a:p>
+            <a:pPr/>
+            <a:r>
+              <a:t>Всего 4 типа контента: посты, видео, новости и комментарии</a:t>
             </a:r>
           </a:p>
         </p:txBody>
@@ -7970,7 +6299,7 @@
       </p:grpSpPr>
       <p:sp>
         <p:nvSpPr>
-          <p:cNvPr id="251" name="Заголовок 1"/>
+          <p:cNvPr id="221" name="Заголовок 1"/>
           <p:cNvSpPr txBox="1"/>
           <p:nvPr>
             <p:ph type="title"/>
@@ -7989,20 +6318,20 @@
           <a:bodyPr/>
           <a:lstStyle>
             <a:lvl1pPr>
-              <a:defRPr b="1"/>
+              <a:defRPr b="1" sz="4400"/>
             </a:lvl1pPr>
           </a:lstStyle>
           <a:p>
             <a:pPr/>
             <a:r>
-              <a:t>Карточка поста и его содержимое</a:t>
+              <a:t>Поиск и карточка видео</a:t>
             </a:r>
           </a:p>
         </p:txBody>
       </p:sp>
       <p:pic>
         <p:nvPicPr>
-          <p:cNvPr id="252" name="Рисунок 4" descr="Рисунок 4"/>
+          <p:cNvPr id="222" name="Рисунок 4" descr="Рисунок 4"/>
           <p:cNvPicPr>
             <a:picLocks noChangeAspect="1"/>
           </p:cNvPicPr>
@@ -8018,8 +6347,37 @@
         </p:blipFill>
         <p:spPr>
           <a:xfrm>
-            <a:off x="4255440" y="2185195"/>
-            <a:ext cx="3681120" cy="3970046"/>
+            <a:off x="440175" y="2808521"/>
+            <a:ext cx="5768977" cy="3056698"/>
+          </a:xfrm>
+          <a:prstGeom prst="rect">
+            <a:avLst/>
+          </a:prstGeom>
+          <a:ln w="12700">
+            <a:miter lim="400000"/>
+          </a:ln>
+        </p:spPr>
+      </p:pic>
+      <p:pic>
+        <p:nvPicPr>
+          <p:cNvPr id="223" name="Рисунок 6" descr="Рисунок 6"/>
+          <p:cNvPicPr>
+            <a:picLocks noChangeAspect="1"/>
+          </p:cNvPicPr>
+          <p:nvPr/>
+        </p:nvPicPr>
+        <p:blipFill>
+          <a:blip r:embed="rId3">
+            <a:extLst/>
+          </a:blip>
+          <a:stretch>
+            <a:fillRect/>
+          </a:stretch>
+        </p:blipFill>
+        <p:spPr>
+          <a:xfrm>
+            <a:off x="6219242" y="2780783"/>
+            <a:ext cx="5532583" cy="3084436"/>
           </a:xfrm>
           <a:prstGeom prst="rect">
             <a:avLst/>
@@ -8057,7 +6415,7 @@
       </p:grpSpPr>
       <p:sp>
         <p:nvSpPr>
-          <p:cNvPr id="254" name="Заголовок 1"/>
+          <p:cNvPr id="225" name="Заголовок 1"/>
           <p:cNvSpPr txBox="1"/>
           <p:nvPr>
             <p:ph type="title"/>
@@ -8074,22 +6432,24 @@
         </p:spPr>
         <p:txBody>
           <a:bodyPr/>
-          <a:lstStyle>
-            <a:lvl1pPr>
-              <a:defRPr b="1" sz="4400"/>
-            </a:lvl1pPr>
-          </a:lstStyle>
-          <a:p>
-            <a:pPr/>
-            <a:r>
-              <a:t>Поиск и карточка видео</a:t>
+          <a:lstStyle/>
+          <a:p>
+            <a:pPr>
+              <a:defRPr b="1" sz="4000"/>
+            </a:pPr>
+            <a:r>
+              <a:t>Система</a:t>
+            </a:r>
+            <a:r>
+              <a:rPr b="0" sz="3600"/>
+              <a:t> лайков и комментариев</a:t>
             </a:r>
           </a:p>
         </p:txBody>
       </p:sp>
       <p:pic>
         <p:nvPicPr>
-          <p:cNvPr id="255" name="Рисунок 4" descr="Рисунок 4"/>
+          <p:cNvPr id="226" name="Рисунок 6" descr="Рисунок 6"/>
           <p:cNvPicPr>
             <a:picLocks noChangeAspect="1"/>
           </p:cNvPicPr>
@@ -8105,8 +6465,8 @@
         </p:blipFill>
         <p:spPr>
           <a:xfrm>
-            <a:off x="440175" y="2808522"/>
-            <a:ext cx="5768976" cy="3056697"/>
+            <a:off x="3656329" y="2820315"/>
+            <a:ext cx="4879343" cy="3404480"/>
           </a:xfrm>
           <a:prstGeom prst="rect">
             <a:avLst/>
@@ -8116,26 +6476,16 @@
           </a:ln>
         </p:spPr>
       </p:pic>
-      <p:pic>
-        <p:nvPicPr>
-          <p:cNvPr id="256" name="Рисунок 6" descr="Рисунок 6"/>
-          <p:cNvPicPr>
-            <a:picLocks noChangeAspect="1"/>
-          </p:cNvPicPr>
+      <p:sp>
+        <p:nvSpPr>
+          <p:cNvPr id="227" name="TextBox 7"/>
+          <p:cNvSpPr txBox="1"/>
           <p:nvPr/>
-        </p:nvPicPr>
-        <p:blipFill>
-          <a:blip r:embed="rId3">
-            <a:extLst/>
-          </a:blip>
-          <a:stretch>
-            <a:fillRect/>
-          </a:stretch>
-        </p:blipFill>
-        <p:spPr>
-          <a:xfrm>
-            <a:off x="6219242" y="2780784"/>
-            <a:ext cx="5532583" cy="3084435"/>
+        </p:nvSpPr>
+        <p:spPr>
+          <a:xfrm>
+            <a:off x="1289773" y="2244388"/>
+            <a:ext cx="3885191" cy="447039"/>
           </a:xfrm>
           <a:prstGeom prst="rect">
             <a:avLst/>
@@ -8143,8 +6493,77 @@
           <a:ln w="12700">
             <a:miter lim="400000"/>
           </a:ln>
-        </p:spPr>
-      </p:pic>
+          <a:extLst>
+            <a:ext uri="{C572A759-6A51-4108-AA02-DFA0A04FC94B}">
+              <ma14:wrappingTextBoxFlag xmlns:ma14="http://schemas.microsoft.com/office/mac/drawingml/2011/main" val="1"/>
+            </a:ext>
+          </a:extLst>
+        </p:spPr>
+        <p:txBody>
+          <a:bodyPr lIns="45718" tIns="45718" rIns="45718" bIns="45718">
+            <a:spAutoFit/>
+          </a:bodyPr>
+          <a:lstStyle>
+            <a:lvl1pPr>
+              <a:defRPr b="1" sz="2400">
+                <a:solidFill>
+                  <a:srgbClr val="FFFFFF"/>
+                </a:solidFill>
+              </a:defRPr>
+            </a:lvl1pPr>
+          </a:lstStyle>
+          <a:p>
+            <a:pPr/>
+            <a:r>
+              <a:t>Убрать / поставить лайк</a:t>
+            </a:r>
+          </a:p>
+        </p:txBody>
+      </p:sp>
+      <p:sp>
+        <p:nvSpPr>
+          <p:cNvPr id="228" name="TextBox 8"/>
+          <p:cNvSpPr txBox="1"/>
+          <p:nvPr/>
+        </p:nvSpPr>
+        <p:spPr>
+          <a:xfrm>
+            <a:off x="6589306" y="2244389"/>
+            <a:ext cx="4191903" cy="447039"/>
+          </a:xfrm>
+          <a:prstGeom prst="rect">
+            <a:avLst/>
+          </a:prstGeom>
+          <a:ln w="12700">
+            <a:miter lim="400000"/>
+          </a:ln>
+          <a:extLst>
+            <a:ext uri="{C572A759-6A51-4108-AA02-DFA0A04FC94B}">
+              <ma14:wrappingTextBoxFlag xmlns:ma14="http://schemas.microsoft.com/office/mac/drawingml/2011/main" val="1"/>
+            </a:ext>
+          </a:extLst>
+        </p:spPr>
+        <p:txBody>
+          <a:bodyPr lIns="45718" tIns="45718" rIns="45718" bIns="45718">
+            <a:spAutoFit/>
+          </a:bodyPr>
+          <a:lstStyle>
+            <a:lvl1pPr>
+              <a:defRPr b="1" sz="2400">
+                <a:solidFill>
+                  <a:srgbClr val="FFFFFF"/>
+                </a:solidFill>
+              </a:defRPr>
+            </a:lvl1pPr>
+          </a:lstStyle>
+          <a:p>
+            <a:pPr/>
+            <a:r>
+              <a:t>Подписаться / отписаться</a:t>
+            </a:r>
+          </a:p>
+        </p:txBody>
+      </p:sp>
     </p:spTree>
   </p:cSld>
   <p:clrMapOvr>
@@ -8173,7 +6592,7 @@
       </p:grpSpPr>
       <p:sp>
         <p:nvSpPr>
-          <p:cNvPr id="258" name="Заголовок 1"/>
+          <p:cNvPr id="230" name="Заголовок 1"/>
           <p:cNvSpPr txBox="1"/>
           <p:nvPr>
             <p:ph type="title"/>
@@ -8192,20 +6611,20 @@
           <a:bodyPr/>
           <a:lstStyle>
             <a:lvl1pPr>
-              <a:defRPr b="1" sz="4000"/>
+              <a:defRPr b="1"/>
             </a:lvl1pPr>
           </a:lstStyle>
           <a:p>
             <a:pPr/>
             <a:r>
-              <a:t>Лента новостей и сама новость</a:t>
+              <a:t>Дополнительные таблицы БД</a:t>
             </a:r>
           </a:p>
         </p:txBody>
       </p:sp>
       <p:pic>
         <p:nvPicPr>
-          <p:cNvPr id="259" name="Рисунок 4" descr="Рисунок 4"/>
+          <p:cNvPr id="231" name="Рисунок 6" descr="Рисунок 6"/>
           <p:cNvPicPr>
             <a:picLocks noChangeAspect="1"/>
           </p:cNvPicPr>
@@ -8221,8 +6640,8 @@
         </p:blipFill>
         <p:spPr>
           <a:xfrm>
-            <a:off x="680321" y="2562225"/>
-            <a:ext cx="5266410" cy="3030393"/>
+            <a:off x="429624" y="2285265"/>
+            <a:ext cx="6048377" cy="1588385"/>
           </a:xfrm>
           <a:prstGeom prst="rect">
             <a:avLst/>
@@ -8234,7 +6653,7 @@
       </p:pic>
       <p:pic>
         <p:nvPicPr>
-          <p:cNvPr id="260" name="Рисунок 6" descr="Рисунок 6"/>
+          <p:cNvPr id="232" name="Рисунок 8" descr="Рисунок 8"/>
           <p:cNvPicPr>
             <a:picLocks noChangeAspect="1"/>
           </p:cNvPicPr>
@@ -8250,8 +6669,8 @@
         </p:blipFill>
         <p:spPr>
           <a:xfrm>
-            <a:off x="6524705" y="2562225"/>
-            <a:ext cx="4263367" cy="3030459"/>
+            <a:off x="6679027" y="2285265"/>
+            <a:ext cx="5189125" cy="2100997"/>
           </a:xfrm>
           <a:prstGeom prst="rect">
             <a:avLst/>
@@ -8261,6 +6680,167 @@
           </a:ln>
         </p:spPr>
       </p:pic>
+      <p:pic>
+        <p:nvPicPr>
+          <p:cNvPr id="233" name="Рисунок 10" descr="Рисунок 10"/>
+          <p:cNvPicPr>
+            <a:picLocks noChangeAspect="1"/>
+          </p:cNvPicPr>
+          <p:nvPr/>
+        </p:nvPicPr>
+        <p:blipFill>
+          <a:blip r:embed="rId4">
+            <a:extLst/>
+          </a:blip>
+          <a:stretch>
+            <a:fillRect/>
+          </a:stretch>
+        </p:blipFill>
+        <p:spPr>
+          <a:xfrm>
+            <a:off x="429624" y="4589462"/>
+            <a:ext cx="5534027" cy="1971677"/>
+          </a:xfrm>
+          <a:prstGeom prst="rect">
+            <a:avLst/>
+          </a:prstGeom>
+          <a:ln w="12700">
+            <a:miter lim="400000"/>
+          </a:ln>
+        </p:spPr>
+      </p:pic>
+      <p:sp>
+        <p:nvSpPr>
+          <p:cNvPr id="234" name="TextBox 11"/>
+          <p:cNvSpPr txBox="1"/>
+          <p:nvPr/>
+        </p:nvSpPr>
+        <p:spPr>
+          <a:xfrm>
+            <a:off x="475344" y="3868347"/>
+            <a:ext cx="4157289" cy="497839"/>
+          </a:xfrm>
+          <a:prstGeom prst="rect">
+            <a:avLst/>
+          </a:prstGeom>
+          <a:ln w="12700">
+            <a:miter lim="400000"/>
+          </a:ln>
+          <a:extLst>
+            <a:ext uri="{C572A759-6A51-4108-AA02-DFA0A04FC94B}">
+              <ma14:wrappingTextBoxFlag xmlns:ma14="http://schemas.microsoft.com/office/mac/drawingml/2011/main" val="1"/>
+            </a:ext>
+          </a:extLst>
+        </p:spPr>
+        <p:txBody>
+          <a:bodyPr lIns="45718" tIns="45718" rIns="45718" bIns="45718">
+            <a:spAutoFit/>
+          </a:bodyPr>
+          <a:lstStyle>
+            <a:lvl1pPr>
+              <a:defRPr b="1" sz="2800">
+                <a:solidFill>
+                  <a:srgbClr val="FFFFFF"/>
+                </a:solidFill>
+              </a:defRPr>
+            </a:lvl1pPr>
+          </a:lstStyle>
+          <a:p>
+            <a:pPr/>
+            <a:r>
+              <a:t>Категории</a:t>
+            </a:r>
+          </a:p>
+        </p:txBody>
+      </p:sp>
+      <p:sp>
+        <p:nvSpPr>
+          <p:cNvPr id="235" name="TextBox 12"/>
+          <p:cNvSpPr txBox="1"/>
+          <p:nvPr/>
+        </p:nvSpPr>
+        <p:spPr>
+          <a:xfrm>
+            <a:off x="10621357" y="4462284"/>
+            <a:ext cx="1324900" cy="497839"/>
+          </a:xfrm>
+          <a:prstGeom prst="rect">
+            <a:avLst/>
+          </a:prstGeom>
+          <a:ln w="12700">
+            <a:miter lim="400000"/>
+          </a:ln>
+          <a:extLst>
+            <a:ext uri="{C572A759-6A51-4108-AA02-DFA0A04FC94B}">
+              <ma14:wrappingTextBoxFlag xmlns:ma14="http://schemas.microsoft.com/office/mac/drawingml/2011/main" val="1"/>
+            </a:ext>
+          </a:extLst>
+        </p:spPr>
+        <p:txBody>
+          <a:bodyPr lIns="45718" tIns="45718" rIns="45718" bIns="45718">
+            <a:spAutoFit/>
+          </a:bodyPr>
+          <a:lstStyle>
+            <a:lvl1pPr>
+              <a:defRPr b="1" sz="2800">
+                <a:solidFill>
+                  <a:srgbClr val="FFFFFF"/>
+                </a:solidFill>
+              </a:defRPr>
+            </a:lvl1pPr>
+          </a:lstStyle>
+          <a:p>
+            <a:pPr/>
+            <a:r>
+              <a:t>Посты</a:t>
+            </a:r>
+          </a:p>
+        </p:txBody>
+      </p:sp>
+      <p:sp>
+        <p:nvSpPr>
+          <p:cNvPr id="236" name="TextBox 13"/>
+          <p:cNvSpPr txBox="1"/>
+          <p:nvPr/>
+        </p:nvSpPr>
+        <p:spPr>
+          <a:xfrm>
+            <a:off x="6141718" y="5730141"/>
+            <a:ext cx="4486490" cy="802639"/>
+          </a:xfrm>
+          <a:prstGeom prst="rect">
+            <a:avLst/>
+          </a:prstGeom>
+          <a:ln w="12700">
+            <a:miter lim="400000"/>
+          </a:ln>
+          <a:extLst>
+            <a:ext uri="{C572A759-6A51-4108-AA02-DFA0A04FC94B}">
+              <ma14:wrappingTextBoxFlag xmlns:ma14="http://schemas.microsoft.com/office/mac/drawingml/2011/main" val="1"/>
+            </a:ext>
+          </a:extLst>
+        </p:spPr>
+        <p:txBody>
+          <a:bodyPr lIns="45718" tIns="45718" rIns="45718" bIns="45718">
+            <a:spAutoFit/>
+          </a:bodyPr>
+          <a:lstStyle>
+            <a:lvl1pPr>
+              <a:defRPr b="1" sz="2400">
+                <a:solidFill>
+                  <a:srgbClr val="FFFFFF"/>
+                </a:solidFill>
+              </a:defRPr>
+            </a:lvl1pPr>
+          </a:lstStyle>
+          <a:p>
+            <a:pPr/>
+            <a:r>
+              <a:t>Связующая таблица (ID поста – ID категории)</a:t>
+            </a:r>
+          </a:p>
+        </p:txBody>
+      </p:sp>
     </p:spTree>
   </p:cSld>
   <p:clrMapOvr>
@@ -8289,7 +6869,7 @@
       </p:grpSpPr>
       <p:sp>
         <p:nvSpPr>
-          <p:cNvPr id="262" name="Заголовок 1"/>
+          <p:cNvPr id="238" name="Заголовок 1"/>
           <p:cNvSpPr txBox="1"/>
           <p:nvPr>
             <p:ph type="title"/>
@@ -8297,8 +6877,8 @@
         </p:nvSpPr>
         <p:spPr>
           <a:xfrm>
-            <a:off x="680320" y="753228"/>
-            <a:ext cx="9613863" cy="1080939"/>
+            <a:off x="138546" y="702891"/>
+            <a:ext cx="10437091" cy="1080939"/>
           </a:xfrm>
           <a:prstGeom prst="rect">
             <a:avLst/>
@@ -8314,14 +6894,14 @@
           <a:p>
             <a:pPr/>
             <a:r>
-              <a:t>Особенности (система комментариев)</a:t>
+              <a:t>Разделение результатов поиска на страницы</a:t>
             </a:r>
           </a:p>
         </p:txBody>
       </p:sp>
       <p:pic>
         <p:nvPicPr>
-          <p:cNvPr id="263" name="Рисунок 4" descr="Рисунок 4"/>
+          <p:cNvPr id="239" name="Рисунок 8" descr="Рисунок 8"/>
           <p:cNvPicPr>
             <a:picLocks noChangeAspect="1"/>
           </p:cNvPicPr>
@@ -8337,8 +6917,8 @@
         </p:blipFill>
         <p:spPr>
           <a:xfrm>
-            <a:off x="2571864" y="2280049"/>
-            <a:ext cx="7048270" cy="4031850"/>
+            <a:off x="3229205" y="3120384"/>
+            <a:ext cx="5938984" cy="2524552"/>
           </a:xfrm>
           <a:prstGeom prst="rect">
             <a:avLst/>
@@ -8376,7 +6956,7 @@
       </p:grpSpPr>
       <p:sp>
         <p:nvSpPr>
-          <p:cNvPr id="265" name="Заголовок 1"/>
+          <p:cNvPr id="241" name="Заголовок 1"/>
           <p:cNvSpPr txBox="1"/>
           <p:nvPr>
             <p:ph type="title"/>
@@ -8393,142 +6973,169 @@
         </p:spPr>
         <p:txBody>
           <a:bodyPr/>
+          <a:lstStyle>
+            <a:lvl1pPr>
+              <a:defRPr b="1" sz="4400"/>
+            </a:lvl1pPr>
+          </a:lstStyle>
+          <a:p>
+            <a:pPr/>
+            <a:r>
+              <a:t>Другие особенности</a:t>
+            </a:r>
+          </a:p>
+        </p:txBody>
+      </p:sp>
+      <p:sp>
+        <p:nvSpPr>
+          <p:cNvPr id="242" name="Объект 2"/>
+          <p:cNvSpPr txBox="1"/>
+          <p:nvPr>
+            <p:ph type="body" idx="1"/>
+          </p:nvPr>
+        </p:nvSpPr>
+        <p:spPr>
+          <a:xfrm>
+            <a:off x="862014" y="2272215"/>
+            <a:ext cx="10467972" cy="3832555"/>
+          </a:xfrm>
+          <a:prstGeom prst="rect">
+            <a:avLst/>
+          </a:prstGeom>
+        </p:spPr>
+        <p:txBody>
+          <a:bodyPr/>
           <a:lstStyle/>
           <a:p>
-            <a:pPr>
-              <a:defRPr b="1" sz="4000"/>
-            </a:pPr>
-            <a:r>
-              <a:t>Система</a:t>
-            </a:r>
-            <a:r>
-              <a:rPr b="0" sz="3600"/>
-              <a:t> лайков и комментариев</a:t>
-            </a:r>
-          </a:p>
-        </p:txBody>
-      </p:sp>
-      <p:pic>
-        <p:nvPicPr>
-          <p:cNvPr id="266" name="Рисунок 6" descr="Рисунок 6"/>
-          <p:cNvPicPr>
-            <a:picLocks noChangeAspect="1"/>
-          </p:cNvPicPr>
-          <p:nvPr/>
-        </p:nvPicPr>
-        <p:blipFill>
-          <a:blip r:embed="rId2">
-            <a:extLst/>
-          </a:blip>
-          <a:stretch>
-            <a:fillRect/>
-          </a:stretch>
-        </p:blipFill>
-        <p:spPr>
-          <a:xfrm>
-            <a:off x="3656329" y="2820315"/>
-            <a:ext cx="4879342" cy="3404479"/>
-          </a:xfrm>
-          <a:prstGeom prst="rect">
-            <a:avLst/>
-          </a:prstGeom>
-          <a:ln w="12700">
-            <a:miter lim="400000"/>
-          </a:ln>
-        </p:spPr>
-      </p:pic>
-      <p:sp>
-        <p:nvSpPr>
-          <p:cNvPr id="267" name="TextBox 7"/>
-          <p:cNvSpPr txBox="1"/>
-          <p:nvPr/>
-        </p:nvSpPr>
-        <p:spPr>
-          <a:xfrm>
-            <a:off x="1289773" y="2244388"/>
-            <a:ext cx="3885190" cy="447041"/>
-          </a:xfrm>
-          <a:prstGeom prst="rect">
-            <a:avLst/>
-          </a:prstGeom>
-          <a:ln w="12700">
-            <a:miter lim="400000"/>
-          </a:ln>
-          <a:extLst>
-            <a:ext uri="{C572A759-6A51-4108-AA02-DFA0A04FC94B}">
-              <ma14:wrappingTextBoxFlag xmlns:ma14="http://schemas.microsoft.com/office/mac/drawingml/2011/main" val="1"/>
-            </a:ext>
-          </a:extLst>
-        </p:spPr>
-        <p:txBody>
-          <a:bodyPr lIns="45719" rIns="45719">
-            <a:spAutoFit/>
-          </a:bodyPr>
-          <a:lstStyle/>
-          <a:p>
-            <a:pPr>
-              <a:defRPr b="1" sz="2400">
-                <a:solidFill>
-                  <a:srgbClr val="FFFFFF"/>
-                </a:solidFill>
+            <a:pPr marL="342900" indent="-342900">
+              <a:lnSpc>
+                <a:spcPct val="96299"/>
+              </a:lnSpc>
+              <a:buFont typeface="Symbol"/>
+              <a:buChar char="·"/>
+              <a:defRPr b="1" sz="2500">
+                <a:latin typeface="Calibri"/>
+                <a:ea typeface="Calibri"/>
+                <a:cs typeface="Calibri"/>
+                <a:sym typeface="Calibri"/>
               </a:defRPr>
             </a:pPr>
             <a:r>
-              <a:t>Убрать </a:t>
-            </a:r>
-            <a:r>
-              <a:t>/</a:t>
-            </a:r>
-            <a:r>
-              <a:t> поставить лайк</a:t>
-            </a:r>
-          </a:p>
-        </p:txBody>
-      </p:sp>
-      <p:sp>
-        <p:nvSpPr>
-          <p:cNvPr id="268" name="TextBox 8"/>
-          <p:cNvSpPr txBox="1"/>
-          <p:nvPr/>
-        </p:nvSpPr>
-        <p:spPr>
-          <a:xfrm>
-            <a:off x="6589306" y="2244389"/>
-            <a:ext cx="4191902" cy="447041"/>
-          </a:xfrm>
-          <a:prstGeom prst="rect">
-            <a:avLst/>
-          </a:prstGeom>
-          <a:ln w="12700">
-            <a:miter lim="400000"/>
-          </a:ln>
-          <a:extLst>
-            <a:ext uri="{C572A759-6A51-4108-AA02-DFA0A04FC94B}">
-              <ma14:wrappingTextBoxFlag xmlns:ma14="http://schemas.microsoft.com/office/mac/drawingml/2011/main" val="1"/>
-            </a:ext>
-          </a:extLst>
-        </p:spPr>
-        <p:txBody>
-          <a:bodyPr lIns="45719" rIns="45719">
-            <a:spAutoFit/>
-          </a:bodyPr>
-          <a:lstStyle/>
-          <a:p>
-            <a:pPr>
-              <a:defRPr b="1" sz="2400">
-                <a:solidFill>
-                  <a:srgbClr val="FFFFFF"/>
-                </a:solidFill>
+              <a:t>Анонимные посты</a:t>
+            </a:r>
+            <a:endParaRPr sz="2200"/>
+          </a:p>
+          <a:p>
+            <a:pPr marL="342900" indent="-342900">
+              <a:lnSpc>
+                <a:spcPct val="96299"/>
+              </a:lnSpc>
+              <a:buFont typeface="Symbol"/>
+              <a:buChar char="·"/>
+              <a:defRPr b="1" sz="2500">
+                <a:latin typeface="Calibri"/>
+                <a:ea typeface="Calibri"/>
+                <a:cs typeface="Calibri"/>
+                <a:sym typeface="Calibri"/>
               </a:defRPr>
             </a:pPr>
             <a:r>
-              <a:t>Подписаться </a:t>
-            </a:r>
-            <a:r>
-              <a:t>/</a:t>
-            </a:r>
-            <a:r>
-              <a:t> отписаться</a:t>
+              <a:t>Система регистрации и авторизации</a:t>
+            </a:r>
+            <a:endParaRPr sz="2200"/>
+          </a:p>
+          <a:p>
+            <a:pPr marL="342900" indent="-342900">
+              <a:lnSpc>
+                <a:spcPct val="96299"/>
+              </a:lnSpc>
+              <a:buFont typeface="Symbol"/>
+              <a:buChar char="·"/>
+              <a:defRPr b="1" sz="2500">
+                <a:latin typeface="Calibri"/>
+                <a:ea typeface="Calibri"/>
+                <a:cs typeface="Calibri"/>
+                <a:sym typeface="Calibri"/>
+              </a:defRPr>
+            </a:pPr>
+            <a:r>
+              <a:t>Система лайков и подписок</a:t>
+            </a:r>
+            <a:endParaRPr sz="2200"/>
+          </a:p>
+          <a:p>
+            <a:pPr marL="342900" indent="-342900">
+              <a:lnSpc>
+                <a:spcPct val="96299"/>
+              </a:lnSpc>
+              <a:buFont typeface="Symbol"/>
+              <a:buChar char="·"/>
+              <a:defRPr b="1" sz="2500">
+                <a:latin typeface="Calibri"/>
+                <a:ea typeface="Calibri"/>
+                <a:cs typeface="Calibri"/>
+                <a:sym typeface="Calibri"/>
+              </a:defRPr>
+            </a:pPr>
+            <a:r>
+              <a:t>Отображение контента в виде сетки</a:t>
+            </a:r>
+            <a:endParaRPr sz="2200"/>
+          </a:p>
+          <a:p>
+            <a:pPr marL="342900" indent="-342900">
+              <a:lnSpc>
+                <a:spcPct val="96299"/>
+              </a:lnSpc>
+              <a:buFont typeface="Symbol"/>
+              <a:buChar char="·"/>
+              <a:defRPr b="1" sz="2500">
+                <a:latin typeface="Calibri"/>
+                <a:ea typeface="Calibri"/>
+                <a:cs typeface="Calibri"/>
+                <a:sym typeface="Calibri"/>
+              </a:defRPr>
+            </a:pPr>
+            <a:r>
+              <a:t>Изображения хранятся в БД в виде пути к файлу</a:t>
+            </a:r>
+            <a:endParaRPr sz="2200"/>
+          </a:p>
+          <a:p>
+            <a:pPr marL="342900" indent="-342900">
+              <a:lnSpc>
+                <a:spcPct val="96299"/>
+              </a:lnSpc>
+              <a:buFont typeface="Symbol"/>
+              <a:buChar char="·"/>
+              <a:defRPr b="1" sz="2500">
+                <a:latin typeface="Calibri"/>
+                <a:ea typeface="Calibri"/>
+                <a:cs typeface="Calibri"/>
+                <a:sym typeface="Calibri"/>
+              </a:defRPr>
+            </a:pPr>
+            <a:r>
+              <a:t>Собственный API сайта</a:t>
+            </a:r>
+            <a:endParaRPr sz="2200"/>
+          </a:p>
+          <a:p>
+            <a:pPr marL="342900" indent="-342900">
+              <a:lnSpc>
+                <a:spcPct val="96299"/>
+              </a:lnSpc>
+              <a:buFont typeface="Symbol"/>
+              <a:buChar char="·"/>
+              <a:defRPr b="1" sz="2500">
+                <a:latin typeface="Calibri"/>
+                <a:ea typeface="Calibri"/>
+                <a:cs typeface="Calibri"/>
+                <a:sym typeface="Calibri"/>
+              </a:defRPr>
+            </a:pPr>
+            <a:r>
+              <a:t>Множественный выбор категории поста</a:t>
             </a:r>
           </a:p>
         </p:txBody>
@@ -8735,7 +7342,7 @@
         <a:solidFill>
           <a:srgbClr val="FFFFFF"/>
         </a:solidFill>
-        <a:ln w="12700" cap="flat">
+        <a:ln w="25400" cap="flat">
           <a:solidFill>
             <a:schemeClr val="accent1"/>
           </a:solidFill>
@@ -8745,7 +7352,7 @@
         <a:effectLst/>
         <a:sp3d/>
       </a:spPr>
-      <a:bodyPr rot="0" spcFirstLastPara="1" vertOverflow="overflow" horzOverflow="overflow" vert="horz" wrap="square" lIns="45719" tIns="45719" rIns="45719" bIns="45719" numCol="1" spcCol="38100" rtlCol="0" anchor="ctr" upright="0">
+      <a:bodyPr rot="0" spcFirstLastPara="1" vertOverflow="overflow" horzOverflow="overflow" vert="horz" wrap="square" lIns="45718" tIns="45718" rIns="45718" bIns="45718" numCol="1" spcCol="38100" rtlCol="0" anchor="ctr" upright="0">
         <a:spAutoFit/>
       </a:bodyPr>
       <a:lstStyle>
@@ -9024,7 +7631,7 @@
     <a:lnDef>
       <a:spPr>
         <a:noFill/>
-        <a:ln w="12700" cap="flat">
+        <a:ln w="25400" cap="flat">
           <a:solidFill>
             <a:schemeClr val="accent1"/>
           </a:solidFill>
@@ -9316,7 +7923,7 @@
         <a:effectLst/>
         <a:sp3d/>
       </a:spPr>
-      <a:bodyPr rot="0" spcFirstLastPara="1" vertOverflow="overflow" horzOverflow="overflow" vert="horz" wrap="square" lIns="45719" tIns="45719" rIns="45719" bIns="45719" numCol="1" spcCol="38100" rtlCol="0" anchor="t" upright="0">
+      <a:bodyPr rot="0" spcFirstLastPara="1" vertOverflow="overflow" horzOverflow="overflow" vert="horz" wrap="square" lIns="45718" tIns="45718" rIns="45718" bIns="45718" numCol="1" spcCol="38100" rtlCol="0" anchor="t" upright="0">
         <a:spAutoFit/>
       </a:bodyPr>
       <a:lstStyle>
@@ -9789,7 +8396,7 @@
         <a:solidFill>
           <a:srgbClr val="FFFFFF"/>
         </a:solidFill>
-        <a:ln w="12700" cap="flat">
+        <a:ln w="25400" cap="flat">
           <a:solidFill>
             <a:schemeClr val="accent1"/>
           </a:solidFill>
@@ -9799,7 +8406,7 @@
         <a:effectLst/>
         <a:sp3d/>
       </a:spPr>
-      <a:bodyPr rot="0" spcFirstLastPara="1" vertOverflow="overflow" horzOverflow="overflow" vert="horz" wrap="square" lIns="45719" tIns="45719" rIns="45719" bIns="45719" numCol="1" spcCol="38100" rtlCol="0" anchor="ctr" upright="0">
+      <a:bodyPr rot="0" spcFirstLastPara="1" vertOverflow="overflow" horzOverflow="overflow" vert="horz" wrap="square" lIns="45718" tIns="45718" rIns="45718" bIns="45718" numCol="1" spcCol="38100" rtlCol="0" anchor="ctr" upright="0">
         <a:spAutoFit/>
       </a:bodyPr>
       <a:lstStyle>
@@ -10078,7 +8685,7 @@
     <a:lnDef>
       <a:spPr>
         <a:noFill/>
-        <a:ln w="12700" cap="flat">
+        <a:ln w="25400" cap="flat">
           <a:solidFill>
             <a:schemeClr val="accent1"/>
           </a:solidFill>
@@ -10370,7 +8977,7 @@
         <a:effectLst/>
         <a:sp3d/>
       </a:spPr>
-      <a:bodyPr rot="0" spcFirstLastPara="1" vertOverflow="overflow" horzOverflow="overflow" vert="horz" wrap="square" lIns="45719" tIns="45719" rIns="45719" bIns="45719" numCol="1" spcCol="38100" rtlCol="0" anchor="t" upright="0">
+      <a:bodyPr rot="0" spcFirstLastPara="1" vertOverflow="overflow" horzOverflow="overflow" vert="horz" wrap="square" lIns="45718" tIns="45718" rIns="45718" bIns="45718" numCol="1" spcCol="38100" rtlCol="0" anchor="t" upright="0">
         <a:spAutoFit/>
       </a:bodyPr>
       <a:lstStyle>
